--- a/presentation/Thesis.pptx
+++ b/presentation/Thesis.pptx
@@ -38,84 +38,71 @@
     <p:sldId id="330" r:id="rId32"/>
     <p:sldId id="394" r:id="rId33"/>
     <p:sldId id="331" r:id="rId34"/>
-    <p:sldId id="393" r:id="rId35"/>
-    <p:sldId id="383" r:id="rId36"/>
-    <p:sldId id="392" r:id="rId37"/>
-    <p:sldId id="384" r:id="rId38"/>
-    <p:sldId id="382" r:id="rId39"/>
-    <p:sldId id="385" r:id="rId40"/>
-    <p:sldId id="296" r:id="rId41"/>
-    <p:sldId id="290" r:id="rId42"/>
-    <p:sldId id="315" r:id="rId43"/>
-    <p:sldId id="303" r:id="rId44"/>
-    <p:sldId id="304" r:id="rId45"/>
-    <p:sldId id="316" r:id="rId46"/>
-    <p:sldId id="305" r:id="rId47"/>
-    <p:sldId id="306" r:id="rId48"/>
-    <p:sldId id="317" r:id="rId49"/>
-    <p:sldId id="318" r:id="rId50"/>
-    <p:sldId id="319" r:id="rId51"/>
-    <p:sldId id="320" r:id="rId52"/>
-    <p:sldId id="321" r:id="rId53"/>
-    <p:sldId id="298" r:id="rId54"/>
-    <p:sldId id="297" r:id="rId55"/>
-    <p:sldId id="338" r:id="rId56"/>
-    <p:sldId id="334" r:id="rId57"/>
-    <p:sldId id="335" r:id="rId58"/>
-    <p:sldId id="336" r:id="rId59"/>
-    <p:sldId id="337" r:id="rId60"/>
-    <p:sldId id="379" r:id="rId61"/>
-    <p:sldId id="378" r:id="rId62"/>
-    <p:sldId id="377" r:id="rId63"/>
-    <p:sldId id="365" r:id="rId64"/>
-    <p:sldId id="374" r:id="rId65"/>
-    <p:sldId id="375" r:id="rId66"/>
-    <p:sldId id="376" r:id="rId67"/>
-    <p:sldId id="369" r:id="rId68"/>
-    <p:sldId id="373" r:id="rId69"/>
-    <p:sldId id="339" r:id="rId70"/>
-    <p:sldId id="371" r:id="rId71"/>
-    <p:sldId id="386" r:id="rId72"/>
-    <p:sldId id="300" r:id="rId73"/>
-    <p:sldId id="309" r:id="rId74"/>
-    <p:sldId id="307" r:id="rId75"/>
-    <p:sldId id="308" r:id="rId76"/>
-    <p:sldId id="310" r:id="rId77"/>
-    <p:sldId id="311" r:id="rId78"/>
-    <p:sldId id="312" r:id="rId79"/>
-    <p:sldId id="313" r:id="rId80"/>
-    <p:sldId id="314" r:id="rId81"/>
-    <p:sldId id="322" r:id="rId82"/>
-    <p:sldId id="323" r:id="rId83"/>
-    <p:sldId id="324" r:id="rId84"/>
-    <p:sldId id="325" r:id="rId85"/>
-    <p:sldId id="327" r:id="rId86"/>
-    <p:sldId id="333" r:id="rId87"/>
-    <p:sldId id="388" r:id="rId88"/>
-    <p:sldId id="340" r:id="rId89"/>
-    <p:sldId id="343" r:id="rId90"/>
-    <p:sldId id="341" r:id="rId91"/>
-    <p:sldId id="342" r:id="rId92"/>
-    <p:sldId id="344" r:id="rId93"/>
-    <p:sldId id="345" r:id="rId94"/>
-    <p:sldId id="346" r:id="rId95"/>
-    <p:sldId id="348" r:id="rId96"/>
-    <p:sldId id="347" r:id="rId97"/>
-    <p:sldId id="349" r:id="rId98"/>
-    <p:sldId id="372" r:id="rId99"/>
-    <p:sldId id="353" r:id="rId100"/>
-    <p:sldId id="354" r:id="rId101"/>
-    <p:sldId id="355" r:id="rId102"/>
-    <p:sldId id="302" r:id="rId103"/>
-    <p:sldId id="301" r:id="rId104"/>
-    <p:sldId id="356" r:id="rId105"/>
-    <p:sldId id="357" r:id="rId106"/>
-    <p:sldId id="358" r:id="rId107"/>
-    <p:sldId id="389" r:id="rId108"/>
-    <p:sldId id="359" r:id="rId109"/>
-    <p:sldId id="390" r:id="rId110"/>
-    <p:sldId id="360" r:id="rId111"/>
-    <p:sldId id="361" r:id="rId112"/>
+    <p:sldId id="383" r:id="rId35"/>
+    <p:sldId id="384" r:id="rId36"/>
+    <p:sldId id="385" r:id="rId37"/>
+    <p:sldId id="296" r:id="rId38"/>
+    <p:sldId id="290" r:id="rId39"/>
+    <p:sldId id="315" r:id="rId40"/>
+    <p:sldId id="303" r:id="rId41"/>
+    <p:sldId id="304" r:id="rId42"/>
+    <p:sldId id="316" r:id="rId43"/>
+    <p:sldId id="305" r:id="rId44"/>
+    <p:sldId id="306" r:id="rId45"/>
+    <p:sldId id="317" r:id="rId46"/>
+    <p:sldId id="318" r:id="rId47"/>
+    <p:sldId id="319" r:id="rId48"/>
+    <p:sldId id="320" r:id="rId49"/>
+    <p:sldId id="321" r:id="rId50"/>
+    <p:sldId id="298" r:id="rId51"/>
+    <p:sldId id="297" r:id="rId52"/>
+    <p:sldId id="338" r:id="rId53"/>
+    <p:sldId id="334" r:id="rId54"/>
+    <p:sldId id="335" r:id="rId55"/>
+    <p:sldId id="336" r:id="rId56"/>
+    <p:sldId id="337" r:id="rId57"/>
+    <p:sldId id="379" r:id="rId58"/>
+    <p:sldId id="378" r:id="rId59"/>
+    <p:sldId id="377" r:id="rId60"/>
+    <p:sldId id="365" r:id="rId61"/>
+    <p:sldId id="374" r:id="rId62"/>
+    <p:sldId id="375" r:id="rId63"/>
+    <p:sldId id="376" r:id="rId64"/>
+    <p:sldId id="369" r:id="rId65"/>
+    <p:sldId id="373" r:id="rId66"/>
+    <p:sldId id="339" r:id="rId67"/>
+    <p:sldId id="386" r:id="rId68"/>
+    <p:sldId id="300" r:id="rId69"/>
+    <p:sldId id="308" r:id="rId70"/>
+    <p:sldId id="313" r:id="rId71"/>
+    <p:sldId id="314" r:id="rId72"/>
+    <p:sldId id="322" r:id="rId73"/>
+    <p:sldId id="323" r:id="rId74"/>
+    <p:sldId id="324" r:id="rId75"/>
+    <p:sldId id="327" r:id="rId76"/>
+    <p:sldId id="333" r:id="rId77"/>
+    <p:sldId id="388" r:id="rId78"/>
+    <p:sldId id="340" r:id="rId79"/>
+    <p:sldId id="341" r:id="rId80"/>
+    <p:sldId id="345" r:id="rId81"/>
+    <p:sldId id="346" r:id="rId82"/>
+    <p:sldId id="348" r:id="rId83"/>
+    <p:sldId id="347" r:id="rId84"/>
+    <p:sldId id="349" r:id="rId85"/>
+    <p:sldId id="372" r:id="rId86"/>
+    <p:sldId id="353" r:id="rId87"/>
+    <p:sldId id="354" r:id="rId88"/>
+    <p:sldId id="355" r:id="rId89"/>
+    <p:sldId id="302" r:id="rId90"/>
+    <p:sldId id="301" r:id="rId91"/>
+    <p:sldId id="356" r:id="rId92"/>
+    <p:sldId id="357" r:id="rId93"/>
+    <p:sldId id="358" r:id="rId94"/>
+    <p:sldId id="389" r:id="rId95"/>
+    <p:sldId id="359" r:id="rId96"/>
+    <p:sldId id="390" r:id="rId97"/>
+    <p:sldId id="360" r:id="rId98"/>
+    <p:sldId id="361" r:id="rId99"/>
   </p:sldIdLst>
   <p:sldSz cx="12192000" cy="6858000"/>
   <p:notesSz cx="6858000" cy="9144000"/>
@@ -5949,1088 +5936,6 @@
 </p:sld>
 </file>
 
-<file path=ppt/slides/slide100.xml><?xml version="1.0" encoding="utf-8"?>
-<p:sld xmlns:a="http://schemas.openxmlformats.org/drawingml/2006/main" xmlns:r="http://schemas.openxmlformats.org/officeDocument/2006/relationships" xmlns:p="http://schemas.openxmlformats.org/presentationml/2006/main">
-  <p:cSld>
-    <p:spTree>
-      <p:nvGrpSpPr>
-        <p:cNvPr id="1" name=""/>
-        <p:cNvGrpSpPr/>
-        <p:nvPr/>
-      </p:nvGrpSpPr>
-      <p:grpSpPr>
-        <a:xfrm>
-          <a:off x="0" y="0"/>
-          <a:ext cx="0" cy="0"/>
-          <a:chOff x="0" y="0"/>
-          <a:chExt cx="0" cy="0"/>
-        </a:xfrm>
-      </p:grpSpPr>
-      <p:sp>
-        <p:nvSpPr>
-          <p:cNvPr id="2" name="Title 1">
-            <a:extLst>
-              <a:ext uri="{FF2B5EF4-FFF2-40B4-BE49-F238E27FC236}">
-                <a16:creationId xmlns:a16="http://schemas.microsoft.com/office/drawing/2014/main" id="{C17C92F5-8C9B-BA41-B1CE-8F642374D2B3}"/>
-              </a:ext>
-            </a:extLst>
-          </p:cNvPr>
-          <p:cNvSpPr>
-            <a:spLocks noGrp="1"/>
-          </p:cNvSpPr>
-          <p:nvPr>
-            <p:ph type="title"/>
-          </p:nvPr>
-        </p:nvSpPr>
-        <p:spPr/>
-        <p:txBody>
-          <a:bodyPr/>
-          <a:lstStyle/>
-          <a:p>
-            <a:r>
-              <a:rPr lang="en-US" dirty="0"/>
-              <a:t>Testing &amp; Analysis</a:t>
-            </a:r>
-          </a:p>
-        </p:txBody>
-      </p:sp>
-      <p:sp>
-        <p:nvSpPr>
-          <p:cNvPr id="3" name="Content Placeholder 2">
-            <a:extLst>
-              <a:ext uri="{FF2B5EF4-FFF2-40B4-BE49-F238E27FC236}">
-                <a16:creationId xmlns:a16="http://schemas.microsoft.com/office/drawing/2014/main" id="{2087D775-4AEC-364E-8C0D-4FF9D2382CD5}"/>
-              </a:ext>
-            </a:extLst>
-          </p:cNvPr>
-          <p:cNvSpPr>
-            <a:spLocks noGrp="1"/>
-          </p:cNvSpPr>
-          <p:nvPr>
-            <p:ph idx="1"/>
-          </p:nvPr>
-        </p:nvSpPr>
-        <p:spPr/>
-        <p:txBody>
-          <a:bodyPr/>
-          <a:lstStyle/>
-          <a:p>
-            <a:r>
-              <a:rPr lang="en-US" dirty="0" err="1"/>
-              <a:t>MCDTPi</a:t>
-            </a:r>
-            <a:endParaRPr lang="en-US" dirty="0"/>
-          </a:p>
-          <a:p>
-            <a:pPr lvl="1"/>
-            <a:r>
-              <a:rPr lang="en-US" dirty="0"/>
-              <a:t>Minimum of 5 nested asynchronous tasks per packet</a:t>
-            </a:r>
-          </a:p>
-          <a:p>
-            <a:pPr lvl="1"/>
-            <a:r>
-              <a:rPr lang="en-US" dirty="0"/>
-              <a:t>1GB is approximately 700,000 packets</a:t>
-            </a:r>
-          </a:p>
-        </p:txBody>
-      </p:sp>
-    </p:spTree>
-    <p:extLst>
-      <p:ext uri="{BB962C8B-B14F-4D97-AF65-F5344CB8AC3E}">
-        <p14:creationId xmlns:p14="http://schemas.microsoft.com/office/powerpoint/2010/main" val="504636302"/>
-      </p:ext>
-    </p:extLst>
-  </p:cSld>
-  <p:clrMapOvr>
-    <a:masterClrMapping/>
-  </p:clrMapOvr>
-</p:sld>
-</file>
-
-<file path=ppt/slides/slide101.xml><?xml version="1.0" encoding="utf-8"?>
-<p:sld xmlns:a="http://schemas.openxmlformats.org/drawingml/2006/main" xmlns:r="http://schemas.openxmlformats.org/officeDocument/2006/relationships" xmlns:p="http://schemas.openxmlformats.org/presentationml/2006/main">
-  <p:cSld>
-    <p:spTree>
-      <p:nvGrpSpPr>
-        <p:cNvPr id="1" name=""/>
-        <p:cNvGrpSpPr/>
-        <p:nvPr/>
-      </p:nvGrpSpPr>
-      <p:grpSpPr>
-        <a:xfrm>
-          <a:off x="0" y="0"/>
-          <a:ext cx="0" cy="0"/>
-          <a:chOff x="0" y="0"/>
-          <a:chExt cx="0" cy="0"/>
-        </a:xfrm>
-      </p:grpSpPr>
-      <p:sp>
-        <p:nvSpPr>
-          <p:cNvPr id="2" name="Title 1">
-            <a:extLst>
-              <a:ext uri="{FF2B5EF4-FFF2-40B4-BE49-F238E27FC236}">
-                <a16:creationId xmlns:a16="http://schemas.microsoft.com/office/drawing/2014/main" id="{C17C92F5-8C9B-BA41-B1CE-8F642374D2B3}"/>
-              </a:ext>
-            </a:extLst>
-          </p:cNvPr>
-          <p:cNvSpPr>
-            <a:spLocks noGrp="1"/>
-          </p:cNvSpPr>
-          <p:nvPr>
-            <p:ph type="title"/>
-          </p:nvPr>
-        </p:nvSpPr>
-        <p:spPr/>
-        <p:txBody>
-          <a:bodyPr/>
-          <a:lstStyle/>
-          <a:p>
-            <a:r>
-              <a:rPr lang="en-US" dirty="0"/>
-              <a:t>Testing &amp; Analysis</a:t>
-            </a:r>
-          </a:p>
-        </p:txBody>
-      </p:sp>
-      <p:sp>
-        <p:nvSpPr>
-          <p:cNvPr id="3" name="Content Placeholder 2">
-            <a:extLst>
-              <a:ext uri="{FF2B5EF4-FFF2-40B4-BE49-F238E27FC236}">
-                <a16:creationId xmlns:a16="http://schemas.microsoft.com/office/drawing/2014/main" id="{2087D775-4AEC-364E-8C0D-4FF9D2382CD5}"/>
-              </a:ext>
-            </a:extLst>
-          </p:cNvPr>
-          <p:cNvSpPr>
-            <a:spLocks noGrp="1"/>
-          </p:cNvSpPr>
-          <p:nvPr>
-            <p:ph idx="1"/>
-          </p:nvPr>
-        </p:nvSpPr>
-        <p:spPr/>
-        <p:txBody>
-          <a:bodyPr/>
-          <a:lstStyle/>
-          <a:p>
-            <a:r>
-              <a:rPr lang="en-US" dirty="0" err="1"/>
-              <a:t>MCDTPi</a:t>
-            </a:r>
-            <a:endParaRPr lang="en-US" dirty="0"/>
-          </a:p>
-          <a:p>
-            <a:pPr lvl="1"/>
-            <a:r>
-              <a:rPr lang="en-US" dirty="0"/>
-              <a:t>Minimum of 5 nested asynchronous tasks per packet</a:t>
-            </a:r>
-          </a:p>
-          <a:p>
-            <a:pPr lvl="1"/>
-            <a:r>
-              <a:rPr lang="en-US" dirty="0"/>
-              <a:t>1GB is approximately 700,000 packets</a:t>
-            </a:r>
-          </a:p>
-          <a:p>
-            <a:pPr lvl="1"/>
-            <a:r>
-              <a:rPr lang="en-US" dirty="0"/>
-              <a:t>At least 3.5 million asynchronous tasks per 1GB transfer</a:t>
-            </a:r>
-          </a:p>
-        </p:txBody>
-      </p:sp>
-    </p:spTree>
-    <p:extLst>
-      <p:ext uri="{BB962C8B-B14F-4D97-AF65-F5344CB8AC3E}">
-        <p14:creationId xmlns:p14="http://schemas.microsoft.com/office/powerpoint/2010/main" val="2525133110"/>
-      </p:ext>
-    </p:extLst>
-  </p:cSld>
-  <p:clrMapOvr>
-    <a:masterClrMapping/>
-  </p:clrMapOvr>
-</p:sld>
-</file>
-
-<file path=ppt/slides/slide102.xml><?xml version="1.0" encoding="utf-8"?>
-<p:sld xmlns:a="http://schemas.openxmlformats.org/drawingml/2006/main" xmlns:r="http://schemas.openxmlformats.org/officeDocument/2006/relationships" xmlns:p="http://schemas.openxmlformats.org/presentationml/2006/main">
-  <p:cSld>
-    <p:spTree>
-      <p:nvGrpSpPr>
-        <p:cNvPr id="1" name=""/>
-        <p:cNvGrpSpPr/>
-        <p:nvPr/>
-      </p:nvGrpSpPr>
-      <p:grpSpPr>
-        <a:xfrm>
-          <a:off x="0" y="0"/>
-          <a:ext cx="0" cy="0"/>
-          <a:chOff x="0" y="0"/>
-          <a:chExt cx="0" cy="0"/>
-        </a:xfrm>
-      </p:grpSpPr>
-      <p:sp>
-        <p:nvSpPr>
-          <p:cNvPr id="2" name="Title 1">
-            <a:extLst>
-              <a:ext uri="{FF2B5EF4-FFF2-40B4-BE49-F238E27FC236}">
-                <a16:creationId xmlns:a16="http://schemas.microsoft.com/office/drawing/2014/main" id="{5532F8E8-F482-C44F-B665-F7461809028E}"/>
-              </a:ext>
-            </a:extLst>
-          </p:cNvPr>
-          <p:cNvSpPr>
-            <a:spLocks noGrp="1"/>
-          </p:cNvSpPr>
-          <p:nvPr>
-            <p:ph type="title"/>
-          </p:nvPr>
-        </p:nvSpPr>
-        <p:spPr/>
-        <p:txBody>
-          <a:bodyPr/>
-          <a:lstStyle/>
-          <a:p>
-            <a:r>
-              <a:rPr lang="en-US" dirty="0"/>
-              <a:t>Overview</a:t>
-            </a:r>
-          </a:p>
-        </p:txBody>
-      </p:sp>
-      <p:sp>
-        <p:nvSpPr>
-          <p:cNvPr id="3" name="Content Placeholder 2">
-            <a:extLst>
-              <a:ext uri="{FF2B5EF4-FFF2-40B4-BE49-F238E27FC236}">
-                <a16:creationId xmlns:a16="http://schemas.microsoft.com/office/drawing/2014/main" id="{D74B3917-BBAD-C04F-AAA5-055D21AC0A3E}"/>
-              </a:ext>
-            </a:extLst>
-          </p:cNvPr>
-          <p:cNvSpPr>
-            <a:spLocks noGrp="1"/>
-          </p:cNvSpPr>
-          <p:nvPr>
-            <p:ph idx="1"/>
-          </p:nvPr>
-        </p:nvSpPr>
-        <p:spPr/>
-        <p:txBody>
-          <a:bodyPr/>
-          <a:lstStyle/>
-          <a:p>
-            <a:r>
-              <a:rPr lang="en-US" dirty="0">
-                <a:solidFill>
-                  <a:schemeClr val="tx1">
-                    <a:lumMod val="65000"/>
-                  </a:schemeClr>
-                </a:solidFill>
-              </a:rPr>
-              <a:t>Motivation</a:t>
-            </a:r>
-          </a:p>
-          <a:p>
-            <a:r>
-              <a:rPr lang="en-US" dirty="0">
-                <a:solidFill>
-                  <a:schemeClr val="tx1">
-                    <a:lumMod val="65000"/>
-                  </a:schemeClr>
-                </a:solidFill>
-              </a:rPr>
-              <a:t>Problem</a:t>
-            </a:r>
-          </a:p>
-          <a:p>
-            <a:r>
-              <a:rPr lang="en-US" dirty="0">
-                <a:solidFill>
-                  <a:schemeClr val="tx1">
-                    <a:lumMod val="65000"/>
-                  </a:schemeClr>
-                </a:solidFill>
-              </a:rPr>
-              <a:t>Preliminary Work</a:t>
-            </a:r>
-          </a:p>
-          <a:p>
-            <a:r>
-              <a:rPr lang="en-US" dirty="0">
-                <a:solidFill>
-                  <a:schemeClr val="tx1">
-                    <a:lumMod val="65000"/>
-                  </a:schemeClr>
-                </a:solidFill>
-              </a:rPr>
-              <a:t>Related Work</a:t>
-            </a:r>
-          </a:p>
-          <a:p>
-            <a:r>
-              <a:rPr lang="en-US" dirty="0">
-                <a:solidFill>
-                  <a:schemeClr val="tx1">
-                    <a:lumMod val="65000"/>
-                  </a:schemeClr>
-                </a:solidFill>
-              </a:rPr>
-              <a:t>Protocol Design</a:t>
-            </a:r>
-          </a:p>
-          <a:p>
-            <a:r>
-              <a:rPr lang="en-US" dirty="0">
-                <a:solidFill>
-                  <a:schemeClr val="tx1">
-                    <a:lumMod val="65000"/>
-                  </a:schemeClr>
-                </a:solidFill>
-              </a:rPr>
-              <a:t>Architecture &amp; Implementation</a:t>
-            </a:r>
-          </a:p>
-          <a:p>
-            <a:r>
-              <a:rPr lang="en-US" dirty="0">
-                <a:solidFill>
-                  <a:schemeClr val="tx1">
-                    <a:lumMod val="65000"/>
-                  </a:schemeClr>
-                </a:solidFill>
-              </a:rPr>
-              <a:t>Testing &amp; Analysis</a:t>
-            </a:r>
-          </a:p>
-          <a:p>
-            <a:r>
-              <a:rPr lang="en-US" dirty="0"/>
-              <a:t>Challenges &amp; Future Work</a:t>
-            </a:r>
-          </a:p>
-        </p:txBody>
-      </p:sp>
-    </p:spTree>
-    <p:extLst>
-      <p:ext uri="{BB962C8B-B14F-4D97-AF65-F5344CB8AC3E}">
-        <p14:creationId xmlns:p14="http://schemas.microsoft.com/office/powerpoint/2010/main" val="2837160867"/>
-      </p:ext>
-    </p:extLst>
-  </p:cSld>
-  <p:clrMapOvr>
-    <a:masterClrMapping/>
-  </p:clrMapOvr>
-</p:sld>
-</file>
-
-<file path=ppt/slides/slide103.xml><?xml version="1.0" encoding="utf-8"?>
-<p:sld xmlns:a="http://schemas.openxmlformats.org/drawingml/2006/main" xmlns:r="http://schemas.openxmlformats.org/officeDocument/2006/relationships" xmlns:p="http://schemas.openxmlformats.org/presentationml/2006/main">
-  <p:cSld>
-    <p:spTree>
-      <p:nvGrpSpPr>
-        <p:cNvPr id="1" name=""/>
-        <p:cNvGrpSpPr/>
-        <p:nvPr/>
-      </p:nvGrpSpPr>
-      <p:grpSpPr>
-        <a:xfrm>
-          <a:off x="0" y="0"/>
-          <a:ext cx="0" cy="0"/>
-          <a:chOff x="0" y="0"/>
-          <a:chExt cx="0" cy="0"/>
-        </a:xfrm>
-      </p:grpSpPr>
-      <p:sp>
-        <p:nvSpPr>
-          <p:cNvPr id="2" name="Title 1">
-            <a:extLst>
-              <a:ext uri="{FF2B5EF4-FFF2-40B4-BE49-F238E27FC236}">
-                <a16:creationId xmlns:a16="http://schemas.microsoft.com/office/drawing/2014/main" id="{6C9D588B-0CBE-D24E-9B06-4F144495DE40}"/>
-              </a:ext>
-            </a:extLst>
-          </p:cNvPr>
-          <p:cNvSpPr>
-            <a:spLocks noGrp="1"/>
-          </p:cNvSpPr>
-          <p:nvPr>
-            <p:ph type="title"/>
-          </p:nvPr>
-        </p:nvSpPr>
-        <p:spPr/>
-        <p:txBody>
-          <a:bodyPr/>
-          <a:lstStyle/>
-          <a:p>
-            <a:r>
-              <a:rPr lang="en-US" dirty="0"/>
-              <a:t>Challenges &amp; Future Work</a:t>
-            </a:r>
-          </a:p>
-        </p:txBody>
-      </p:sp>
-      <p:sp>
-        <p:nvSpPr>
-          <p:cNvPr id="3" name="Content Placeholder 2">
-            <a:extLst>
-              <a:ext uri="{FF2B5EF4-FFF2-40B4-BE49-F238E27FC236}">
-                <a16:creationId xmlns:a16="http://schemas.microsoft.com/office/drawing/2014/main" id="{DB9299BC-AE87-3648-B8CE-8A6F36489423}"/>
-              </a:ext>
-            </a:extLst>
-          </p:cNvPr>
-          <p:cNvSpPr>
-            <a:spLocks noGrp="1"/>
-          </p:cNvSpPr>
-          <p:nvPr>
-            <p:ph idx="1"/>
-          </p:nvPr>
-        </p:nvSpPr>
-        <p:spPr/>
-        <p:txBody>
-          <a:bodyPr/>
-          <a:lstStyle/>
-          <a:p>
-            <a:r>
-              <a:rPr lang="en-US" dirty="0"/>
-              <a:t>Challenges</a:t>
-            </a:r>
-          </a:p>
-          <a:p>
-            <a:pPr lvl="1"/>
-            <a:r>
-              <a:rPr lang="en-US" dirty="0"/>
-              <a:t>.NET Core Framework</a:t>
-            </a:r>
-          </a:p>
-        </p:txBody>
-      </p:sp>
-    </p:spTree>
-    <p:extLst>
-      <p:ext uri="{BB962C8B-B14F-4D97-AF65-F5344CB8AC3E}">
-        <p14:creationId xmlns:p14="http://schemas.microsoft.com/office/powerpoint/2010/main" val="813284956"/>
-      </p:ext>
-    </p:extLst>
-  </p:cSld>
-  <p:clrMapOvr>
-    <a:masterClrMapping/>
-  </p:clrMapOvr>
-</p:sld>
-</file>
-
-<file path=ppt/slides/slide104.xml><?xml version="1.0" encoding="utf-8"?>
-<p:sld xmlns:a="http://schemas.openxmlformats.org/drawingml/2006/main" xmlns:r="http://schemas.openxmlformats.org/officeDocument/2006/relationships" xmlns:p="http://schemas.openxmlformats.org/presentationml/2006/main">
-  <p:cSld>
-    <p:spTree>
-      <p:nvGrpSpPr>
-        <p:cNvPr id="1" name=""/>
-        <p:cNvGrpSpPr/>
-        <p:nvPr/>
-      </p:nvGrpSpPr>
-      <p:grpSpPr>
-        <a:xfrm>
-          <a:off x="0" y="0"/>
-          <a:ext cx="0" cy="0"/>
-          <a:chOff x="0" y="0"/>
-          <a:chExt cx="0" cy="0"/>
-        </a:xfrm>
-      </p:grpSpPr>
-      <p:sp>
-        <p:nvSpPr>
-          <p:cNvPr id="2" name="Title 1">
-            <a:extLst>
-              <a:ext uri="{FF2B5EF4-FFF2-40B4-BE49-F238E27FC236}">
-                <a16:creationId xmlns:a16="http://schemas.microsoft.com/office/drawing/2014/main" id="{6C9D588B-0CBE-D24E-9B06-4F144495DE40}"/>
-              </a:ext>
-            </a:extLst>
-          </p:cNvPr>
-          <p:cNvSpPr>
-            <a:spLocks noGrp="1"/>
-          </p:cNvSpPr>
-          <p:nvPr>
-            <p:ph type="title"/>
-          </p:nvPr>
-        </p:nvSpPr>
-        <p:spPr/>
-        <p:txBody>
-          <a:bodyPr/>
-          <a:lstStyle/>
-          <a:p>
-            <a:r>
-              <a:rPr lang="en-US" dirty="0"/>
-              <a:t>Challenges &amp; Future Work</a:t>
-            </a:r>
-          </a:p>
-        </p:txBody>
-      </p:sp>
-      <p:sp>
-        <p:nvSpPr>
-          <p:cNvPr id="3" name="Content Placeholder 2">
-            <a:extLst>
-              <a:ext uri="{FF2B5EF4-FFF2-40B4-BE49-F238E27FC236}">
-                <a16:creationId xmlns:a16="http://schemas.microsoft.com/office/drawing/2014/main" id="{DB9299BC-AE87-3648-B8CE-8A6F36489423}"/>
-              </a:ext>
-            </a:extLst>
-          </p:cNvPr>
-          <p:cNvSpPr>
-            <a:spLocks noGrp="1"/>
-          </p:cNvSpPr>
-          <p:nvPr>
-            <p:ph idx="1"/>
-          </p:nvPr>
-        </p:nvSpPr>
-        <p:spPr/>
-        <p:txBody>
-          <a:bodyPr/>
-          <a:lstStyle/>
-          <a:p>
-            <a:r>
-              <a:rPr lang="en-US" dirty="0"/>
-              <a:t>Challenges</a:t>
-            </a:r>
-          </a:p>
-          <a:p>
-            <a:pPr lvl="1"/>
-            <a:r>
-              <a:rPr lang="en-US" dirty="0"/>
-              <a:t>.NET Core Framework</a:t>
-            </a:r>
-          </a:p>
-          <a:p>
-            <a:pPr lvl="1"/>
-            <a:r>
-              <a:rPr lang="en-US" dirty="0"/>
-              <a:t>Architectural Issues</a:t>
-            </a:r>
-          </a:p>
-        </p:txBody>
-      </p:sp>
-    </p:spTree>
-    <p:extLst>
-      <p:ext uri="{BB962C8B-B14F-4D97-AF65-F5344CB8AC3E}">
-        <p14:creationId xmlns:p14="http://schemas.microsoft.com/office/powerpoint/2010/main" val="2761314443"/>
-      </p:ext>
-    </p:extLst>
-  </p:cSld>
-  <p:clrMapOvr>
-    <a:masterClrMapping/>
-  </p:clrMapOvr>
-</p:sld>
-</file>
-
-<file path=ppt/slides/slide105.xml><?xml version="1.0" encoding="utf-8"?>
-<p:sld xmlns:a="http://schemas.openxmlformats.org/drawingml/2006/main" xmlns:r="http://schemas.openxmlformats.org/officeDocument/2006/relationships" xmlns:p="http://schemas.openxmlformats.org/presentationml/2006/main">
-  <p:cSld>
-    <p:spTree>
-      <p:nvGrpSpPr>
-        <p:cNvPr id="1" name=""/>
-        <p:cNvGrpSpPr/>
-        <p:nvPr/>
-      </p:nvGrpSpPr>
-      <p:grpSpPr>
-        <a:xfrm>
-          <a:off x="0" y="0"/>
-          <a:ext cx="0" cy="0"/>
-          <a:chOff x="0" y="0"/>
-          <a:chExt cx="0" cy="0"/>
-        </a:xfrm>
-      </p:grpSpPr>
-      <p:sp>
-        <p:nvSpPr>
-          <p:cNvPr id="2" name="Title 1">
-            <a:extLst>
-              <a:ext uri="{FF2B5EF4-FFF2-40B4-BE49-F238E27FC236}">
-                <a16:creationId xmlns:a16="http://schemas.microsoft.com/office/drawing/2014/main" id="{82D276C4-0A4F-8740-B36D-729BE8F4775E}"/>
-              </a:ext>
-            </a:extLst>
-          </p:cNvPr>
-          <p:cNvSpPr>
-            <a:spLocks noGrp="1"/>
-          </p:cNvSpPr>
-          <p:nvPr>
-            <p:ph type="title"/>
-          </p:nvPr>
-        </p:nvSpPr>
-        <p:spPr/>
-        <p:txBody>
-          <a:bodyPr/>
-          <a:lstStyle/>
-          <a:p>
-            <a:r>
-              <a:rPr lang="en-US" dirty="0"/>
-              <a:t>Challenges &amp; Future Work</a:t>
-            </a:r>
-          </a:p>
-        </p:txBody>
-      </p:sp>
-      <p:sp>
-        <p:nvSpPr>
-          <p:cNvPr id="3" name="Content Placeholder 2">
-            <a:extLst>
-              <a:ext uri="{FF2B5EF4-FFF2-40B4-BE49-F238E27FC236}">
-                <a16:creationId xmlns:a16="http://schemas.microsoft.com/office/drawing/2014/main" id="{5FBFB2F9-1DD9-4D43-A26B-5264402EA4C4}"/>
-              </a:ext>
-            </a:extLst>
-          </p:cNvPr>
-          <p:cNvSpPr>
-            <a:spLocks noGrp="1"/>
-          </p:cNvSpPr>
-          <p:nvPr>
-            <p:ph idx="1"/>
-          </p:nvPr>
-        </p:nvSpPr>
-        <p:spPr/>
-        <p:txBody>
-          <a:bodyPr/>
-          <a:lstStyle/>
-          <a:p>
-            <a:r>
-              <a:rPr lang="en-US" dirty="0"/>
-              <a:t>Future Work</a:t>
-            </a:r>
-          </a:p>
-          <a:p>
-            <a:pPr lvl="1"/>
-            <a:r>
-              <a:rPr lang="en-US" dirty="0"/>
-              <a:t>Asynchrony without IOCP vs Asynchrony with IOCP</a:t>
-            </a:r>
-          </a:p>
-        </p:txBody>
-      </p:sp>
-    </p:spTree>
-    <p:extLst>
-      <p:ext uri="{BB962C8B-B14F-4D97-AF65-F5344CB8AC3E}">
-        <p14:creationId xmlns:p14="http://schemas.microsoft.com/office/powerpoint/2010/main" val="2571342757"/>
-      </p:ext>
-    </p:extLst>
-  </p:cSld>
-  <p:clrMapOvr>
-    <a:masterClrMapping/>
-  </p:clrMapOvr>
-</p:sld>
-</file>
-
-<file path=ppt/slides/slide106.xml><?xml version="1.0" encoding="utf-8"?>
-<p:sld xmlns:a="http://schemas.openxmlformats.org/drawingml/2006/main" xmlns:r="http://schemas.openxmlformats.org/officeDocument/2006/relationships" xmlns:p="http://schemas.openxmlformats.org/presentationml/2006/main">
-  <p:cSld>
-    <p:spTree>
-      <p:nvGrpSpPr>
-        <p:cNvPr id="1" name=""/>
-        <p:cNvGrpSpPr/>
-        <p:nvPr/>
-      </p:nvGrpSpPr>
-      <p:grpSpPr>
-        <a:xfrm>
-          <a:off x="0" y="0"/>
-          <a:ext cx="0" cy="0"/>
-          <a:chOff x="0" y="0"/>
-          <a:chExt cx="0" cy="0"/>
-        </a:xfrm>
-      </p:grpSpPr>
-      <p:sp>
-        <p:nvSpPr>
-          <p:cNvPr id="2" name="Title 1">
-            <a:extLst>
-              <a:ext uri="{FF2B5EF4-FFF2-40B4-BE49-F238E27FC236}">
-                <a16:creationId xmlns:a16="http://schemas.microsoft.com/office/drawing/2014/main" id="{82D276C4-0A4F-8740-B36D-729BE8F4775E}"/>
-              </a:ext>
-            </a:extLst>
-          </p:cNvPr>
-          <p:cNvSpPr>
-            <a:spLocks noGrp="1"/>
-          </p:cNvSpPr>
-          <p:nvPr>
-            <p:ph type="title"/>
-          </p:nvPr>
-        </p:nvSpPr>
-        <p:spPr/>
-        <p:txBody>
-          <a:bodyPr/>
-          <a:lstStyle/>
-          <a:p>
-            <a:r>
-              <a:rPr lang="en-US" dirty="0"/>
-              <a:t>Challenges &amp; Future Work</a:t>
-            </a:r>
-          </a:p>
-        </p:txBody>
-      </p:sp>
-      <p:sp>
-        <p:nvSpPr>
-          <p:cNvPr id="3" name="Content Placeholder 2">
-            <a:extLst>
-              <a:ext uri="{FF2B5EF4-FFF2-40B4-BE49-F238E27FC236}">
-                <a16:creationId xmlns:a16="http://schemas.microsoft.com/office/drawing/2014/main" id="{5FBFB2F9-1DD9-4D43-A26B-5264402EA4C4}"/>
-              </a:ext>
-            </a:extLst>
-          </p:cNvPr>
-          <p:cNvSpPr>
-            <a:spLocks noGrp="1"/>
-          </p:cNvSpPr>
-          <p:nvPr>
-            <p:ph idx="1"/>
-          </p:nvPr>
-        </p:nvSpPr>
-        <p:spPr/>
-        <p:txBody>
-          <a:bodyPr/>
-          <a:lstStyle/>
-          <a:p>
-            <a:r>
-              <a:rPr lang="en-US" dirty="0"/>
-              <a:t>Future Work</a:t>
-            </a:r>
-          </a:p>
-          <a:p>
-            <a:pPr lvl="1"/>
-            <a:r>
-              <a:rPr lang="en-US" dirty="0"/>
-              <a:t>Asynchrony without IOCP vs Asynchrony with IOCP</a:t>
-            </a:r>
-          </a:p>
-          <a:p>
-            <a:pPr lvl="1"/>
-            <a:r>
-              <a:rPr lang="en-US" dirty="0"/>
-              <a:t>Restructure </a:t>
-            </a:r>
-            <a:r>
-              <a:rPr lang="en-US" dirty="0" err="1"/>
-              <a:t>MCDTPi</a:t>
-            </a:r>
-            <a:endParaRPr lang="en-US" dirty="0"/>
-          </a:p>
-          <a:p>
-            <a:pPr lvl="2"/>
-            <a:r>
-              <a:rPr lang="en-US" dirty="0"/>
-              <a:t>Minimize utilization of Asynchrony</a:t>
-            </a:r>
-          </a:p>
-        </p:txBody>
-      </p:sp>
-    </p:spTree>
-    <p:extLst>
-      <p:ext uri="{BB962C8B-B14F-4D97-AF65-F5344CB8AC3E}">
-        <p14:creationId xmlns:p14="http://schemas.microsoft.com/office/powerpoint/2010/main" val="1949589370"/>
-      </p:ext>
-    </p:extLst>
-  </p:cSld>
-  <p:clrMapOvr>
-    <a:masterClrMapping/>
-  </p:clrMapOvr>
-</p:sld>
-</file>
-
-<file path=ppt/slides/slide107.xml><?xml version="1.0" encoding="utf-8"?>
-<p:sld xmlns:a="http://schemas.openxmlformats.org/drawingml/2006/main" xmlns:r="http://schemas.openxmlformats.org/officeDocument/2006/relationships" xmlns:p="http://schemas.openxmlformats.org/presentationml/2006/main">
-  <p:cSld>
-    <p:spTree>
-      <p:nvGrpSpPr>
-        <p:cNvPr id="1" name=""/>
-        <p:cNvGrpSpPr/>
-        <p:nvPr/>
-      </p:nvGrpSpPr>
-      <p:grpSpPr>
-        <a:xfrm>
-          <a:off x="0" y="0"/>
-          <a:ext cx="0" cy="0"/>
-          <a:chOff x="0" y="0"/>
-          <a:chExt cx="0" cy="0"/>
-        </a:xfrm>
-      </p:grpSpPr>
-      <p:sp>
-        <p:nvSpPr>
-          <p:cNvPr id="2" name="Title 1">
-            <a:extLst>
-              <a:ext uri="{FF2B5EF4-FFF2-40B4-BE49-F238E27FC236}">
-                <a16:creationId xmlns:a16="http://schemas.microsoft.com/office/drawing/2014/main" id="{82D276C4-0A4F-8740-B36D-729BE8F4775E}"/>
-              </a:ext>
-            </a:extLst>
-          </p:cNvPr>
-          <p:cNvSpPr>
-            <a:spLocks noGrp="1"/>
-          </p:cNvSpPr>
-          <p:nvPr>
-            <p:ph type="title"/>
-          </p:nvPr>
-        </p:nvSpPr>
-        <p:spPr/>
-        <p:txBody>
-          <a:bodyPr/>
-          <a:lstStyle/>
-          <a:p>
-            <a:r>
-              <a:rPr lang="en-US" dirty="0"/>
-              <a:t>Challenges &amp; Future Work</a:t>
-            </a:r>
-          </a:p>
-        </p:txBody>
-      </p:sp>
-      <p:sp>
-        <p:nvSpPr>
-          <p:cNvPr id="3" name="Content Placeholder 2">
-            <a:extLst>
-              <a:ext uri="{FF2B5EF4-FFF2-40B4-BE49-F238E27FC236}">
-                <a16:creationId xmlns:a16="http://schemas.microsoft.com/office/drawing/2014/main" id="{5FBFB2F9-1DD9-4D43-A26B-5264402EA4C4}"/>
-              </a:ext>
-            </a:extLst>
-          </p:cNvPr>
-          <p:cNvSpPr>
-            <a:spLocks noGrp="1"/>
-          </p:cNvSpPr>
-          <p:nvPr>
-            <p:ph idx="1"/>
-          </p:nvPr>
-        </p:nvSpPr>
-        <p:spPr/>
-        <p:txBody>
-          <a:bodyPr/>
-          <a:lstStyle/>
-          <a:p>
-            <a:r>
-              <a:rPr lang="en-US" dirty="0"/>
-              <a:t>Future Work</a:t>
-            </a:r>
-          </a:p>
-          <a:p>
-            <a:pPr lvl="1"/>
-            <a:r>
-              <a:rPr lang="en-US" dirty="0"/>
-              <a:t>Asynchrony without IOCP vs Asynchrony with IOCP</a:t>
-            </a:r>
-          </a:p>
-          <a:p>
-            <a:pPr lvl="1"/>
-            <a:r>
-              <a:rPr lang="en-US" dirty="0"/>
-              <a:t>Restructure </a:t>
-            </a:r>
-            <a:r>
-              <a:rPr lang="en-US" dirty="0" err="1"/>
-              <a:t>MCDTPi</a:t>
-            </a:r>
-            <a:endParaRPr lang="en-US" dirty="0"/>
-          </a:p>
-          <a:p>
-            <a:pPr lvl="2"/>
-            <a:r>
-              <a:rPr lang="en-US" dirty="0"/>
-              <a:t>Minimize utilization of Asynchrony</a:t>
-            </a:r>
-          </a:p>
-          <a:p>
-            <a:pPr lvl="1"/>
-            <a:r>
-              <a:rPr lang="en-US" dirty="0"/>
-              <a:t>Create solution to workaround MTU limit</a:t>
-            </a:r>
-          </a:p>
-        </p:txBody>
-      </p:sp>
-    </p:spTree>
-    <p:extLst>
-      <p:ext uri="{BB962C8B-B14F-4D97-AF65-F5344CB8AC3E}">
-        <p14:creationId xmlns:p14="http://schemas.microsoft.com/office/powerpoint/2010/main" val="3606531859"/>
-      </p:ext>
-    </p:extLst>
-  </p:cSld>
-  <p:clrMapOvr>
-    <a:masterClrMapping/>
-  </p:clrMapOvr>
-</p:sld>
-</file>
-
-<file path=ppt/slides/slide108.xml><?xml version="1.0" encoding="utf-8"?>
-<p:sld xmlns:a="http://schemas.openxmlformats.org/drawingml/2006/main" xmlns:r="http://schemas.openxmlformats.org/officeDocument/2006/relationships" xmlns:p="http://schemas.openxmlformats.org/presentationml/2006/main">
-  <p:cSld>
-    <p:spTree>
-      <p:nvGrpSpPr>
-        <p:cNvPr id="1" name=""/>
-        <p:cNvGrpSpPr/>
-        <p:nvPr/>
-      </p:nvGrpSpPr>
-      <p:grpSpPr>
-        <a:xfrm>
-          <a:off x="0" y="0"/>
-          <a:ext cx="0" cy="0"/>
-          <a:chOff x="0" y="0"/>
-          <a:chExt cx="0" cy="0"/>
-        </a:xfrm>
-      </p:grpSpPr>
-      <p:sp>
-        <p:nvSpPr>
-          <p:cNvPr id="2" name="Title 1">
-            <a:extLst>
-              <a:ext uri="{FF2B5EF4-FFF2-40B4-BE49-F238E27FC236}">
-                <a16:creationId xmlns:a16="http://schemas.microsoft.com/office/drawing/2014/main" id="{706C30B2-A2C8-684C-A317-089561606916}"/>
-              </a:ext>
-            </a:extLst>
-          </p:cNvPr>
-          <p:cNvSpPr>
-            <a:spLocks noGrp="1"/>
-          </p:cNvSpPr>
-          <p:nvPr>
-            <p:ph type="title"/>
-          </p:nvPr>
-        </p:nvSpPr>
-        <p:spPr/>
-        <p:txBody>
-          <a:bodyPr/>
-          <a:lstStyle/>
-          <a:p>
-            <a:r>
-              <a:rPr lang="en-US" dirty="0"/>
-              <a:t>Conclusion</a:t>
-            </a:r>
-          </a:p>
-        </p:txBody>
-      </p:sp>
-      <p:sp>
-        <p:nvSpPr>
-          <p:cNvPr id="3" name="Content Placeholder 2">
-            <a:extLst>
-              <a:ext uri="{FF2B5EF4-FFF2-40B4-BE49-F238E27FC236}">
-                <a16:creationId xmlns:a16="http://schemas.microsoft.com/office/drawing/2014/main" id="{FEC8764B-2543-B749-861E-3DD14D432A5A}"/>
-              </a:ext>
-            </a:extLst>
-          </p:cNvPr>
-          <p:cNvSpPr>
-            <a:spLocks noGrp="1"/>
-          </p:cNvSpPr>
-          <p:nvPr>
-            <p:ph idx="1"/>
-          </p:nvPr>
-        </p:nvSpPr>
-        <p:spPr/>
-        <p:txBody>
-          <a:bodyPr/>
-          <a:lstStyle/>
-          <a:p>
-            <a:r>
-              <a:rPr lang="en-US" dirty="0"/>
-              <a:t>Can asynchrony provide any performance gain?</a:t>
-            </a:r>
-          </a:p>
-        </p:txBody>
-      </p:sp>
-    </p:spTree>
-    <p:extLst>
-      <p:ext uri="{BB962C8B-B14F-4D97-AF65-F5344CB8AC3E}">
-        <p14:creationId xmlns:p14="http://schemas.microsoft.com/office/powerpoint/2010/main" val="1288069898"/>
-      </p:ext>
-    </p:extLst>
-  </p:cSld>
-  <p:clrMapOvr>
-    <a:masterClrMapping/>
-  </p:clrMapOvr>
-</p:sld>
-</file>
-
-<file path=ppt/slides/slide109.xml><?xml version="1.0" encoding="utf-8"?>
-<p:sld xmlns:a="http://schemas.openxmlformats.org/drawingml/2006/main" xmlns:r="http://schemas.openxmlformats.org/officeDocument/2006/relationships" xmlns:p="http://schemas.openxmlformats.org/presentationml/2006/main">
-  <p:cSld>
-    <p:spTree>
-      <p:nvGrpSpPr>
-        <p:cNvPr id="1" name=""/>
-        <p:cNvGrpSpPr/>
-        <p:nvPr/>
-      </p:nvGrpSpPr>
-      <p:grpSpPr>
-        <a:xfrm>
-          <a:off x="0" y="0"/>
-          <a:ext cx="0" cy="0"/>
-          <a:chOff x="0" y="0"/>
-          <a:chExt cx="0" cy="0"/>
-        </a:xfrm>
-      </p:grpSpPr>
-      <p:sp>
-        <p:nvSpPr>
-          <p:cNvPr id="2" name="Title 1">
-            <a:extLst>
-              <a:ext uri="{FF2B5EF4-FFF2-40B4-BE49-F238E27FC236}">
-                <a16:creationId xmlns:a16="http://schemas.microsoft.com/office/drawing/2014/main" id="{706C30B2-A2C8-684C-A317-089561606916}"/>
-              </a:ext>
-            </a:extLst>
-          </p:cNvPr>
-          <p:cNvSpPr>
-            <a:spLocks noGrp="1"/>
-          </p:cNvSpPr>
-          <p:nvPr>
-            <p:ph type="title"/>
-          </p:nvPr>
-        </p:nvSpPr>
-        <p:spPr/>
-        <p:txBody>
-          <a:bodyPr/>
-          <a:lstStyle/>
-          <a:p>
-            <a:r>
-              <a:rPr lang="en-US" dirty="0"/>
-              <a:t>Conclusion</a:t>
-            </a:r>
-          </a:p>
-        </p:txBody>
-      </p:sp>
-      <p:sp>
-        <p:nvSpPr>
-          <p:cNvPr id="3" name="Content Placeholder 2">
-            <a:extLst>
-              <a:ext uri="{FF2B5EF4-FFF2-40B4-BE49-F238E27FC236}">
-                <a16:creationId xmlns:a16="http://schemas.microsoft.com/office/drawing/2014/main" id="{FEC8764B-2543-B749-861E-3DD14D432A5A}"/>
-              </a:ext>
-            </a:extLst>
-          </p:cNvPr>
-          <p:cNvSpPr>
-            <a:spLocks noGrp="1"/>
-          </p:cNvSpPr>
-          <p:nvPr>
-            <p:ph idx="1"/>
-          </p:nvPr>
-        </p:nvSpPr>
-        <p:spPr/>
-        <p:txBody>
-          <a:bodyPr/>
-          <a:lstStyle/>
-          <a:p>
-            <a:r>
-              <a:rPr lang="en-US" dirty="0"/>
-              <a:t>Can asynchrony provide any performance gain?</a:t>
-            </a:r>
-          </a:p>
-          <a:p>
-            <a:pPr lvl="1"/>
-            <a:r>
-              <a:rPr lang="en-US" dirty="0"/>
-              <a:t>Negative performance is possible with asynchrony</a:t>
-            </a:r>
-          </a:p>
-          <a:p>
-            <a:pPr lvl="2"/>
-            <a:r>
-              <a:rPr lang="en-US" dirty="0"/>
-              <a:t>Requires a more methodical use</a:t>
-            </a:r>
-          </a:p>
-        </p:txBody>
-      </p:sp>
-    </p:spTree>
-    <p:extLst>
-      <p:ext uri="{BB962C8B-B14F-4D97-AF65-F5344CB8AC3E}">
-        <p14:creationId xmlns:p14="http://schemas.microsoft.com/office/powerpoint/2010/main" val="1301757958"/>
-      </p:ext>
-    </p:extLst>
-  </p:cSld>
-  <p:clrMapOvr>
-    <a:masterClrMapping/>
-  </p:clrMapOvr>
-</p:sld>
-</file>
-
 <file path=ppt/slides/slide11.xml><?xml version="1.0" encoding="utf-8"?>
 <p:sld xmlns:a="http://schemas.openxmlformats.org/drawingml/2006/main" xmlns:r="http://schemas.openxmlformats.org/officeDocument/2006/relationships" xmlns:p="http://schemas.openxmlformats.org/presentationml/2006/main">
   <p:cSld>
@@ -7138,417 +6043,6 @@
     <p:extLst>
       <p:ext uri="{BB962C8B-B14F-4D97-AF65-F5344CB8AC3E}">
         <p14:creationId xmlns:p14="http://schemas.microsoft.com/office/powerpoint/2010/main" val="3363003327"/>
-      </p:ext>
-    </p:extLst>
-  </p:cSld>
-  <p:clrMapOvr>
-    <a:masterClrMapping/>
-  </p:clrMapOvr>
-</p:sld>
-</file>
-
-<file path=ppt/slides/slide110.xml><?xml version="1.0" encoding="utf-8"?>
-<p:sld xmlns:a="http://schemas.openxmlformats.org/drawingml/2006/main" xmlns:r="http://schemas.openxmlformats.org/officeDocument/2006/relationships" xmlns:p="http://schemas.openxmlformats.org/presentationml/2006/main">
-  <p:cSld>
-    <p:spTree>
-      <p:nvGrpSpPr>
-        <p:cNvPr id="1" name=""/>
-        <p:cNvGrpSpPr/>
-        <p:nvPr/>
-      </p:nvGrpSpPr>
-      <p:grpSpPr>
-        <a:xfrm>
-          <a:off x="0" y="0"/>
-          <a:ext cx="0" cy="0"/>
-          <a:chOff x="0" y="0"/>
-          <a:chExt cx="0" cy="0"/>
-        </a:xfrm>
-      </p:grpSpPr>
-      <p:sp>
-        <p:nvSpPr>
-          <p:cNvPr id="2" name="Title 1">
-            <a:extLst>
-              <a:ext uri="{FF2B5EF4-FFF2-40B4-BE49-F238E27FC236}">
-                <a16:creationId xmlns:a16="http://schemas.microsoft.com/office/drawing/2014/main" id="{8868A24D-3E77-E247-BC31-7AD04C33A57F}"/>
-              </a:ext>
-            </a:extLst>
-          </p:cNvPr>
-          <p:cNvSpPr>
-            <a:spLocks noGrp="1"/>
-          </p:cNvSpPr>
-          <p:nvPr>
-            <p:ph type="title"/>
-          </p:nvPr>
-        </p:nvSpPr>
-        <p:spPr/>
-        <p:txBody>
-          <a:bodyPr/>
-          <a:lstStyle/>
-          <a:p>
-            <a:r>
-              <a:rPr lang="en-US" dirty="0"/>
-              <a:t>References</a:t>
-            </a:r>
-          </a:p>
-        </p:txBody>
-      </p:sp>
-      <p:sp>
-        <p:nvSpPr>
-          <p:cNvPr id="3" name="Content Placeholder 2">
-            <a:extLst>
-              <a:ext uri="{FF2B5EF4-FFF2-40B4-BE49-F238E27FC236}">
-                <a16:creationId xmlns:a16="http://schemas.microsoft.com/office/drawing/2014/main" id="{9716B8BE-F035-8341-8F5F-06C171EC231E}"/>
-              </a:ext>
-            </a:extLst>
-          </p:cNvPr>
-          <p:cNvSpPr>
-            <a:spLocks noGrp="1"/>
-          </p:cNvSpPr>
-          <p:nvPr>
-            <p:ph idx="1"/>
-          </p:nvPr>
-        </p:nvSpPr>
-        <p:spPr/>
-        <p:txBody>
-          <a:bodyPr>
-            <a:normAutofit fontScale="92500" lnSpcReduction="10000"/>
-          </a:bodyPr>
-          <a:lstStyle/>
-          <a:p>
-            <a:r>
-              <a:rPr lang="en-US" sz="1200" dirty="0"/>
-              <a:t>[1] X. Fan and M. Munson. </a:t>
-            </a:r>
-            <a:r>
-              <a:rPr lang="en-US" sz="1200" dirty="0" err="1"/>
-              <a:t>Patebytes</a:t>
-            </a:r>
-            <a:r>
-              <a:rPr lang="en-US" sz="1200" dirty="0"/>
-              <a:t> in Motion : Ultra High Speed Transport of Media Files. In </a:t>
-            </a:r>
-            <a:r>
-              <a:rPr lang="en-US" sz="1200" i="1" dirty="0"/>
-              <a:t>SMTP Annual Technical Conference</a:t>
-            </a:r>
-            <a:r>
-              <a:rPr lang="en-US" sz="1200" dirty="0"/>
-              <a:t>, pages 2-13, 2010.</a:t>
-            </a:r>
-          </a:p>
-          <a:p>
-            <a:r>
-              <a:rPr lang="en-US" sz="1200" dirty="0"/>
-              <a:t>[2] </a:t>
-            </a:r>
-            <a:r>
-              <a:rPr lang="en-US" sz="1200" dirty="0" err="1"/>
-              <a:t>Aspera</a:t>
-            </a:r>
-            <a:r>
-              <a:rPr lang="en-US" sz="1200" dirty="0"/>
-              <a:t>. </a:t>
-            </a:r>
-            <a:r>
-              <a:rPr lang="en-US" sz="1200" dirty="0" err="1"/>
-              <a:t>Aspera</a:t>
-            </a:r>
-            <a:r>
-              <a:rPr lang="en-US" sz="1200" dirty="0"/>
-              <a:t> FASP High Speed Transport – A Critical Technology Comparison. 2016.</a:t>
-            </a:r>
-          </a:p>
-          <a:p>
-            <a:r>
-              <a:rPr lang="en-US" sz="1200" dirty="0"/>
-              <a:t>[3] E. He, J. Leigh, O. Yu, and T. A. </a:t>
-            </a:r>
-            <a:r>
-              <a:rPr lang="en-US" sz="1200" dirty="0" err="1"/>
-              <a:t>DeFanti</a:t>
-            </a:r>
-            <a:r>
-              <a:rPr lang="en-US" sz="1200" dirty="0"/>
-              <a:t>. Reliable Blast UDP: Predictable high performance bulk data transfer. </a:t>
-            </a:r>
-            <a:r>
-              <a:rPr lang="en-US" sz="1200" i="1" dirty="0"/>
-              <a:t>Proceedings - IEEE International Conference on Cluster Computing, ICCC</a:t>
-            </a:r>
-            <a:r>
-              <a:rPr lang="en-US" sz="1200" dirty="0"/>
-              <a:t>, 2002-January(March):317–324, 2002.</a:t>
-            </a:r>
-          </a:p>
-          <a:p>
-            <a:r>
-              <a:rPr lang="en-US" sz="1200" dirty="0"/>
-              <a:t>[4] </a:t>
-            </a:r>
-            <a:r>
-              <a:rPr lang="en-US" sz="1200" dirty="0" err="1"/>
-              <a:t>Harimath</a:t>
-            </a:r>
-            <a:r>
-              <a:rPr lang="en-US" sz="1200" dirty="0"/>
-              <a:t> </a:t>
-            </a:r>
-            <a:r>
-              <a:rPr lang="en-US" sz="1200" dirty="0" err="1"/>
-              <a:t>Sivakumar</a:t>
-            </a:r>
-            <a:r>
-              <a:rPr lang="en-US" sz="1200" dirty="0"/>
-              <a:t>, Stuart Bailey, and Robert L Grossman. </a:t>
-            </a:r>
-            <a:r>
-              <a:rPr lang="en-US" sz="1200" dirty="0" err="1"/>
-              <a:t>Psockets</a:t>
-            </a:r>
-            <a:r>
-              <a:rPr lang="en-US" sz="1200" dirty="0"/>
-              <a:t>: The case for application-level network striping for data intensive applications using high speed wide area networks. In </a:t>
-            </a:r>
-            <a:r>
-              <a:rPr lang="en-US" sz="1200" i="1" dirty="0"/>
-              <a:t>Proceedings of the 2000 ACM/IEEE conference on Super-computing</a:t>
-            </a:r>
-            <a:r>
-              <a:rPr lang="en-US" sz="1200" dirty="0"/>
-              <a:t>, page 37. IEEE Computer Society, 2000.</a:t>
-            </a:r>
-          </a:p>
-          <a:p>
-            <a:r>
-              <a:rPr lang="en-US" sz="1200" dirty="0"/>
-              <a:t>[5] M. Allman and S. </a:t>
-            </a:r>
-            <a:r>
-              <a:rPr lang="en-US" sz="1200" dirty="0" err="1"/>
-              <a:t>Ostermann</a:t>
-            </a:r>
-            <a:r>
-              <a:rPr lang="en-US" sz="1200" dirty="0"/>
-              <a:t>. DATA TRANSFER EFFICIENCY OVER SATEL-LITE CIRCUITS USING A MULTI-SOCKET EXTENSION TO THE FILE TRANSFER PROTOCOL (FTP</a:t>
-            </a:r>
-            <a:r>
-              <a:rPr lang="en-US" sz="1200" i="1" dirty="0"/>
-              <a:t>). Proceedings of the ACTS Result Conference</a:t>
-            </a:r>
-            <a:r>
-              <a:rPr lang="en-US" sz="1200" dirty="0"/>
-              <a:t>,1995.</a:t>
-            </a:r>
-          </a:p>
-          <a:p>
-            <a:r>
-              <a:rPr lang="en-US" sz="1200" dirty="0"/>
-              <a:t>[6] M. Allman and S. </a:t>
-            </a:r>
-            <a:r>
-              <a:rPr lang="en-US" sz="1200" dirty="0" err="1"/>
-              <a:t>Ostermann</a:t>
-            </a:r>
-            <a:r>
-              <a:rPr lang="en-US" sz="1200" dirty="0"/>
-              <a:t>. Multiple Data Connection FTP Extensions. Technical report, 1997.</a:t>
-            </a:r>
-          </a:p>
-          <a:p>
-            <a:r>
-              <a:rPr lang="en-US" sz="1200" dirty="0"/>
-              <a:t>[7] Y. </a:t>
-            </a:r>
-            <a:r>
-              <a:rPr lang="en-US" sz="1200" dirty="0" err="1"/>
-              <a:t>Gu</a:t>
-            </a:r>
-            <a:r>
-              <a:rPr lang="en-US" sz="1200" dirty="0"/>
-              <a:t> and R.L. Grossman. UDT: UDP-based data transfer for high-speed wide area networks. </a:t>
-            </a:r>
-            <a:r>
-              <a:rPr lang="en-US" sz="1200" i="1" dirty="0"/>
-              <a:t>Computer Networks</a:t>
-            </a:r>
-            <a:r>
-              <a:rPr lang="en-US" sz="1200" dirty="0"/>
-              <a:t>, 51(7):1777–1799, 2007.</a:t>
-            </a:r>
-          </a:p>
-          <a:p>
-            <a:r>
-              <a:rPr lang="en-US" sz="1200" dirty="0"/>
-              <a:t>[8] M. </a:t>
-            </a:r>
-            <a:r>
-              <a:rPr lang="en-US" sz="1200" dirty="0" err="1"/>
-              <a:t>Meiss</a:t>
-            </a:r>
-            <a:r>
-              <a:rPr lang="en-US" sz="1200" dirty="0"/>
-              <a:t>. Tsunami: A high-speed rate-controlled protocol for file transfer. pages 1–10, 2004.</a:t>
-            </a:r>
-          </a:p>
-          <a:p>
-            <a:r>
-              <a:rPr lang="en-US" sz="1200" dirty="0"/>
-              <a:t>[9] NET Foundation. .NET Core 1.0.3 Source Code, 2016.</a:t>
-            </a:r>
-          </a:p>
-          <a:p>
-            <a:r>
-              <a:rPr lang="en-US" sz="1200" dirty="0"/>
-              <a:t>[10] </a:t>
-            </a:r>
-            <a:r>
-              <a:rPr lang="en-US" sz="1200" dirty="0" err="1"/>
-              <a:t>Daan</a:t>
-            </a:r>
-            <a:r>
-              <a:rPr lang="en-US" sz="1200" dirty="0"/>
-              <a:t> </a:t>
-            </a:r>
-            <a:r>
-              <a:rPr lang="en-US" sz="1200" dirty="0" err="1"/>
-              <a:t>Leijen</a:t>
-            </a:r>
-            <a:r>
-              <a:rPr lang="en-US" sz="1200" dirty="0"/>
-              <a:t>, Wolfram Schulte, and Sebastian Burckhardt. The design of a task parallel library</a:t>
-            </a:r>
-            <a:r>
-              <a:rPr lang="en-US" sz="1200" i="1" dirty="0"/>
-              <a:t>. ACM SIGPLAN Notices</a:t>
-            </a:r>
-            <a:r>
-              <a:rPr lang="en-US" sz="1200" dirty="0"/>
-              <a:t>, 44(10):227, 2009.</a:t>
-            </a:r>
-          </a:p>
-          <a:p>
-            <a:r>
-              <a:rPr lang="en-US" sz="1200" dirty="0"/>
-              <a:t>[11] D. </a:t>
-            </a:r>
-            <a:r>
-              <a:rPr lang="en-US" sz="1200" dirty="0" err="1"/>
-              <a:t>Syme</a:t>
-            </a:r>
-            <a:r>
-              <a:rPr lang="en-US" sz="1200" dirty="0"/>
-              <a:t>, T. </a:t>
-            </a:r>
-            <a:r>
-              <a:rPr lang="en-US" sz="1200" dirty="0" err="1"/>
-              <a:t>Petricek</a:t>
-            </a:r>
-            <a:r>
-              <a:rPr lang="en-US" sz="1200" dirty="0"/>
-              <a:t>, and D. </a:t>
-            </a:r>
-            <a:r>
-              <a:rPr lang="en-US" sz="1200" dirty="0" err="1"/>
-              <a:t>Lomov</a:t>
-            </a:r>
-            <a:r>
-              <a:rPr lang="en-US" sz="1200" dirty="0"/>
-              <a:t>. The F# asynchronous programming model. In </a:t>
-            </a:r>
-            <a:r>
-              <a:rPr lang="en-US" sz="1200" i="1" dirty="0"/>
-              <a:t>International Symposium on Practical Aspects of Declarative Languages</a:t>
-            </a:r>
-            <a:r>
-              <a:rPr lang="en-US" sz="1200" dirty="0"/>
-              <a:t>, pages175–189. Springer, 2011.</a:t>
-            </a:r>
-          </a:p>
-          <a:p>
-            <a:r>
-              <a:rPr lang="en-US" sz="1200" dirty="0"/>
-              <a:t>[12] Eric Lippert. Asynchrony in C # 5 Part Five: Too many tasks, November 2010.</a:t>
-            </a:r>
-          </a:p>
-          <a:p>
-            <a:r>
-              <a:rPr lang="en-US" sz="1200" dirty="0"/>
-              <a:t>[13] Jeffrey </a:t>
-            </a:r>
-            <a:r>
-              <a:rPr lang="en-US" sz="1200" dirty="0" err="1"/>
-              <a:t>Richter.CLR</a:t>
-            </a:r>
-            <a:r>
-              <a:rPr lang="en-US" sz="1200" dirty="0"/>
-              <a:t> via c#. Pearson Education, 2012.</a:t>
-            </a:r>
-            <a:endParaRPr lang="en-US" dirty="0"/>
-          </a:p>
-        </p:txBody>
-      </p:sp>
-    </p:spTree>
-    <p:extLst>
-      <p:ext uri="{BB962C8B-B14F-4D97-AF65-F5344CB8AC3E}">
-        <p14:creationId xmlns:p14="http://schemas.microsoft.com/office/powerpoint/2010/main" val="1550787063"/>
-      </p:ext>
-    </p:extLst>
-  </p:cSld>
-  <p:clrMapOvr>
-    <a:masterClrMapping/>
-  </p:clrMapOvr>
-</p:sld>
-</file>
-
-<file path=ppt/slides/slide111.xml><?xml version="1.0" encoding="utf-8"?>
-<p:sld xmlns:a="http://schemas.openxmlformats.org/drawingml/2006/main" xmlns:r="http://schemas.openxmlformats.org/officeDocument/2006/relationships" xmlns:p="http://schemas.openxmlformats.org/presentationml/2006/main">
-  <p:cSld>
-    <p:spTree>
-      <p:nvGrpSpPr>
-        <p:cNvPr id="1" name=""/>
-        <p:cNvGrpSpPr/>
-        <p:nvPr/>
-      </p:nvGrpSpPr>
-      <p:grpSpPr>
-        <a:xfrm>
-          <a:off x="0" y="0"/>
-          <a:ext cx="0" cy="0"/>
-          <a:chOff x="0" y="0"/>
-          <a:chExt cx="0" cy="0"/>
-        </a:xfrm>
-      </p:grpSpPr>
-      <p:sp>
-        <p:nvSpPr>
-          <p:cNvPr id="2" name="Title 1">
-            <a:extLst>
-              <a:ext uri="{FF2B5EF4-FFF2-40B4-BE49-F238E27FC236}">
-                <a16:creationId xmlns:a16="http://schemas.microsoft.com/office/drawing/2014/main" id="{098207C1-4DE7-544C-8B66-82C8287C5AF9}"/>
-              </a:ext>
-            </a:extLst>
-          </p:cNvPr>
-          <p:cNvSpPr>
-            <a:spLocks noGrp="1"/>
-          </p:cNvSpPr>
-          <p:nvPr>
-            <p:ph type="title"/>
-          </p:nvPr>
-        </p:nvSpPr>
-        <p:spPr/>
-        <p:txBody>
-          <a:bodyPr/>
-          <a:lstStyle/>
-          <a:p>
-            <a:r>
-              <a:rPr lang="en-US" dirty="0"/>
-              <a:t>Questions?</a:t>
-            </a:r>
-          </a:p>
-        </p:txBody>
-      </p:sp>
-    </p:spTree>
-    <p:extLst>
-      <p:ext uri="{BB962C8B-B14F-4D97-AF65-F5344CB8AC3E}">
-        <p14:creationId xmlns:p14="http://schemas.microsoft.com/office/powerpoint/2010/main" val="1678461155"/>
       </p:ext>
     </p:extLst>
   </p:cSld>
@@ -8587,7 +7081,7 @@
           <a:p>
             <a:r>
               <a:rPr lang="en-US" dirty="0"/>
-              <a:t>Findings</a:t>
+              <a:t>Analysis</a:t>
             </a:r>
           </a:p>
           <a:p>
@@ -9687,6 +8181,13 @@
             <a:pPr lvl="1"/>
             <a:r>
               <a:rPr lang="en-US" dirty="0"/>
+              <a:t>Performance:</a:t>
+            </a:r>
+          </a:p>
+          <a:p>
+            <a:pPr lvl="2"/>
+            <a:r>
+              <a:rPr lang="en-US" dirty="0"/>
               <a:t>Throughput of &gt; 60 Mbps</a:t>
             </a:r>
           </a:p>
@@ -10068,6 +8569,13 @@
             <a:pPr lvl="1"/>
             <a:r>
               <a:rPr lang="en-US" dirty="0"/>
+              <a:t>Performance:</a:t>
+            </a:r>
+          </a:p>
+          <a:p>
+            <a:pPr lvl="2"/>
+            <a:r>
+              <a:rPr lang="en-US" dirty="0"/>
               <a:t>Throughput of 1.3 Mbps</a:t>
             </a:r>
           </a:p>
@@ -10322,20 +8830,15 @@
             <a:pPr lvl="1"/>
             <a:r>
               <a:rPr lang="en-US" dirty="0"/>
-              <a:t>Performance</a:t>
+              <a:t>Performance:</a:t>
             </a:r>
           </a:p>
           <a:p>
             <a:pPr lvl="2"/>
             <a:r>
               <a:rPr lang="en-US" dirty="0"/>
-              <a:t>Throughput &gt; </a:t>
-            </a:r>
-            <a:r>
-              <a:rPr lang="en-US"/>
-              <a:t>500 Mbps</a:t>
-            </a:r>
-            <a:endParaRPr lang="en-US" dirty="0"/>
+              <a:t>Throughput &gt; 500 Mbps</a:t>
+            </a:r>
           </a:p>
         </p:txBody>
       </p:sp>
@@ -10420,55 +8923,65 @@
           <a:p>
             <a:r>
               <a:rPr lang="en-US" dirty="0"/>
-              <a:t>UDP-based Solutions</a:t>
+              <a:t>UDT [7]</a:t>
             </a:r>
           </a:p>
           <a:p>
             <a:pPr lvl="1"/>
             <a:r>
               <a:rPr lang="en-US" dirty="0"/>
-              <a:t>Reliable Blast UDP (RBUDP) [3]</a:t>
+              <a:t>Strictly UDP-based protocol</a:t>
             </a:r>
           </a:p>
           <a:p>
             <a:pPr lvl="1"/>
             <a:r>
               <a:rPr lang="en-US" dirty="0"/>
-              <a:t>UDP-based Data Transfer (UDT) [7]</a:t>
+              <a:t>Congestion Control</a:t>
+            </a:r>
+          </a:p>
+          <a:p>
+            <a:pPr lvl="2"/>
+            <a:r>
+              <a:rPr lang="en-US" dirty="0"/>
+              <a:t>Rate Control</a:t>
+            </a:r>
+          </a:p>
+          <a:p>
+            <a:pPr lvl="2"/>
+            <a:r>
+              <a:rPr lang="en-US" dirty="0"/>
+              <a:t>Window-based Flow Control</a:t>
             </a:r>
           </a:p>
           <a:p>
             <a:pPr lvl="1"/>
             <a:r>
               <a:rPr lang="en-US" dirty="0"/>
-              <a:t>Tsunami [8]</a:t>
+              <a:t>Performance:</a:t>
+            </a:r>
+          </a:p>
+          <a:p>
+            <a:pPr lvl="2"/>
+            <a:r>
+              <a:rPr lang="en-US" dirty="0"/>
+              <a:t>Throughput of 940 Mbps</a:t>
             </a:r>
           </a:p>
           <a:p>
             <a:pPr lvl="1"/>
-            <a:r>
-              <a:rPr lang="en-US" dirty="0" err="1"/>
-              <a:t>Aspera’s</a:t>
-            </a:r>
-            <a:r>
-              <a:rPr lang="en-US" dirty="0"/>
-              <a:t> fast and secure protocol (</a:t>
-            </a:r>
-            <a:r>
-              <a:rPr lang="en-US" dirty="0" err="1"/>
-              <a:t>fasp</a:t>
-            </a:r>
-            <a:r>
-              <a:rPr lang="en-US" dirty="0"/>
-              <a:t>) [1][2]</a:t>
-            </a:r>
+            <a:endParaRPr lang="en-US" dirty="0"/>
+          </a:p>
+          <a:p>
+            <a:pPr lvl="1"/>
+            <a:endParaRPr lang="en-US" dirty="0"/>
           </a:p>
         </p:txBody>
       </p:sp>
     </p:spTree>
     <p:extLst>
       <p:ext uri="{BB962C8B-B14F-4D97-AF65-F5344CB8AC3E}">
-        <p14:creationId xmlns:p14="http://schemas.microsoft.com/office/powerpoint/2010/main" val="2776152690"/>
+        <p14:creationId xmlns:p14="http://schemas.microsoft.com/office/powerpoint/2010/main" val="3418099606"/>
       </p:ext>
     </p:extLst>
   </p:cSld>
@@ -10546,65 +9059,50 @@
           <a:p>
             <a:r>
               <a:rPr lang="en-US" dirty="0"/>
-              <a:t>UDT [7]</a:t>
+              <a:t>Tsunami [8]</a:t>
             </a:r>
           </a:p>
           <a:p>
             <a:pPr lvl="1"/>
             <a:r>
               <a:rPr lang="en-US" dirty="0"/>
-              <a:t>Strictly UDP-based protocol</a:t>
+              <a:t>Data transfer over UDP</a:t>
             </a:r>
           </a:p>
           <a:p>
             <a:pPr lvl="1"/>
             <a:r>
               <a:rPr lang="en-US" dirty="0"/>
-              <a:t>Congestion Control</a:t>
+              <a:t>Rate-Controlled Protocol</a:t>
             </a:r>
           </a:p>
           <a:p>
             <a:pPr lvl="2"/>
             <a:r>
               <a:rPr lang="en-US" dirty="0"/>
-              <a:t>Rate Control</a:t>
+              <a:t>Feedback loop over TCP</a:t>
+            </a:r>
+          </a:p>
+          <a:p>
+            <a:pPr lvl="1"/>
+            <a:r>
+              <a:rPr lang="en-US" dirty="0"/>
+              <a:t>Performance:</a:t>
             </a:r>
           </a:p>
           <a:p>
             <a:pPr lvl="2"/>
             <a:r>
               <a:rPr lang="en-US" dirty="0"/>
-              <a:t>Window-based Flow Control</a:t>
-            </a:r>
-          </a:p>
-          <a:p>
-            <a:pPr lvl="1"/>
-            <a:r>
-              <a:rPr lang="en-US" dirty="0"/>
-              <a:t>Performance:</a:t>
-            </a:r>
-          </a:p>
-          <a:p>
-            <a:pPr lvl="2"/>
-            <a:r>
-              <a:rPr lang="en-US" dirty="0"/>
-              <a:t>Throughput of 940 Mbps</a:t>
-            </a:r>
-          </a:p>
-          <a:p>
-            <a:pPr lvl="1"/>
-            <a:endParaRPr lang="en-US" dirty="0"/>
-          </a:p>
-          <a:p>
-            <a:pPr lvl="1"/>
-            <a:endParaRPr lang="en-US" dirty="0"/>
+              <a:t>Average Throughput of 850 Mbps</a:t>
+            </a:r>
           </a:p>
         </p:txBody>
       </p:sp>
     </p:spTree>
     <p:extLst>
       <p:ext uri="{BB962C8B-B14F-4D97-AF65-F5344CB8AC3E}">
-        <p14:creationId xmlns:p14="http://schemas.microsoft.com/office/powerpoint/2010/main" val="3418099606"/>
+        <p14:creationId xmlns:p14="http://schemas.microsoft.com/office/powerpoint/2010/main" val="2204022530"/>
       </p:ext>
     </p:extLst>
   </p:cSld>
@@ -10681,48 +9179,61 @@
           <a:lstStyle/>
           <a:p>
             <a:r>
-              <a:rPr lang="en-US" dirty="0"/>
-              <a:t>UDP-based Solutions</a:t>
-            </a:r>
-          </a:p>
-          <a:p>
-            <a:pPr lvl="1"/>
-            <a:r>
-              <a:rPr lang="en-US" dirty="0"/>
-              <a:t>Reliable Blast UDP (RBUDP) [3]</a:t>
-            </a:r>
-          </a:p>
-          <a:p>
-            <a:pPr lvl="1"/>
-            <a:r>
-              <a:rPr lang="en-US" dirty="0"/>
-              <a:t>UDP-based Data Transfer (UDT) [7]</a:t>
-            </a:r>
-          </a:p>
-          <a:p>
-            <a:pPr lvl="1"/>
-            <a:r>
-              <a:rPr lang="en-US" dirty="0"/>
-              <a:t>Tsunami [8]</a:t>
-            </a:r>
-          </a:p>
-          <a:p>
-            <a:pPr lvl="1"/>
-            <a:r>
-              <a:rPr lang="en-US" dirty="0" err="1"/>
-              <a:t>Aspera’s</a:t>
-            </a:r>
-            <a:r>
-              <a:rPr lang="en-US" dirty="0"/>
-              <a:t> fast and secure protocol (</a:t>
-            </a:r>
-            <a:r>
               <a:rPr lang="en-US" dirty="0" err="1"/>
               <a:t>fasp</a:t>
             </a:r>
             <a:r>
               <a:rPr lang="en-US" dirty="0"/>
-              <a:t>) [1][2]</a:t>
+              <a:t> [1][2]</a:t>
+            </a:r>
+          </a:p>
+          <a:p>
+            <a:pPr lvl="1"/>
+            <a:r>
+              <a:rPr lang="en-US" dirty="0"/>
+              <a:t>Data transfer over UDP</a:t>
+            </a:r>
+          </a:p>
+          <a:p>
+            <a:pPr lvl="1"/>
+            <a:r>
+              <a:rPr lang="en-US" dirty="0"/>
+              <a:t>Rate-Controlled Protocol</a:t>
+            </a:r>
+          </a:p>
+          <a:p>
+            <a:pPr lvl="2"/>
+            <a:r>
+              <a:rPr lang="en-US" dirty="0"/>
+              <a:t>Feedback loop over TCP</a:t>
+            </a:r>
+          </a:p>
+          <a:p>
+            <a:pPr lvl="1"/>
+            <a:r>
+              <a:rPr lang="en-US" dirty="0"/>
+              <a:t>Retransmission over TCP</a:t>
+            </a:r>
+          </a:p>
+          <a:p>
+            <a:pPr lvl="1"/>
+            <a:r>
+              <a:rPr lang="en-US" dirty="0"/>
+              <a:t>Custom End-System Hardware</a:t>
+            </a:r>
+          </a:p>
+          <a:p>
+            <a:pPr lvl="1"/>
+            <a:r>
+              <a:rPr lang="en-US" dirty="0"/>
+              <a:t>Performance:</a:t>
+            </a:r>
+          </a:p>
+          <a:p>
+            <a:pPr lvl="2"/>
+            <a:r>
+              <a:rPr lang="en-US" dirty="0"/>
+              <a:t>Throughput &gt; 950 Mbps</a:t>
             </a:r>
           </a:p>
         </p:txBody>
@@ -10730,7 +9241,7 @@
     </p:spTree>
     <p:extLst>
       <p:ext uri="{BB962C8B-B14F-4D97-AF65-F5344CB8AC3E}">
-        <p14:creationId xmlns:p14="http://schemas.microsoft.com/office/powerpoint/2010/main" val="458297175"/>
+        <p14:creationId xmlns:p14="http://schemas.microsoft.com/office/powerpoint/2010/main" val="2651897324"/>
       </p:ext>
     </p:extLst>
   </p:cSld>
@@ -10762,7 +9273,7 @@
           <p:cNvPr id="2" name="Title 1">
             <a:extLst>
               <a:ext uri="{FF2B5EF4-FFF2-40B4-BE49-F238E27FC236}">
-                <a16:creationId xmlns:a16="http://schemas.microsoft.com/office/drawing/2014/main" id="{A3F60A3A-C9D8-DD4B-9B5B-5609059AFF5E}"/>
+                <a16:creationId xmlns:a16="http://schemas.microsoft.com/office/drawing/2014/main" id="{5532F8E8-F482-C44F-B665-F7461809028E}"/>
               </a:ext>
             </a:extLst>
           </p:cNvPr>
@@ -10780,70 +9291,119 @@
           <a:p>
             <a:r>
               <a:rPr lang="en-US" dirty="0"/>
+              <a:t>Overview</a:t>
+            </a:r>
+          </a:p>
+        </p:txBody>
+      </p:sp>
+      <p:sp>
+        <p:nvSpPr>
+          <p:cNvPr id="3" name="Content Placeholder 2">
+            <a:extLst>
+              <a:ext uri="{FF2B5EF4-FFF2-40B4-BE49-F238E27FC236}">
+                <a16:creationId xmlns:a16="http://schemas.microsoft.com/office/drawing/2014/main" id="{D74B3917-BBAD-C04F-AAA5-055D21AC0A3E}"/>
+              </a:ext>
+            </a:extLst>
+          </p:cNvPr>
+          <p:cNvSpPr>
+            <a:spLocks noGrp="1"/>
+          </p:cNvSpPr>
+          <p:nvPr>
+            <p:ph idx="1"/>
+          </p:nvPr>
+        </p:nvSpPr>
+        <p:spPr/>
+        <p:txBody>
+          <a:bodyPr/>
+          <a:lstStyle/>
+          <a:p>
+            <a:r>
+              <a:rPr lang="en-US" dirty="0">
+                <a:solidFill>
+                  <a:schemeClr val="tx1">
+                    <a:lumMod val="65000"/>
+                  </a:schemeClr>
+                </a:solidFill>
+              </a:rPr>
+              <a:t>Motivation</a:t>
+            </a:r>
+          </a:p>
+          <a:p>
+            <a:r>
+              <a:rPr lang="en-US" dirty="0">
+                <a:solidFill>
+                  <a:schemeClr val="tx1">
+                    <a:lumMod val="65000"/>
+                  </a:schemeClr>
+                </a:solidFill>
+              </a:rPr>
+              <a:t>Problem</a:t>
+            </a:r>
+          </a:p>
+          <a:p>
+            <a:r>
+              <a:rPr lang="en-US" dirty="0">
+                <a:solidFill>
+                  <a:schemeClr val="tx1">
+                    <a:lumMod val="65000"/>
+                  </a:schemeClr>
+                </a:solidFill>
+              </a:rPr>
+              <a:t>Preliminary Work</a:t>
+            </a:r>
+          </a:p>
+          <a:p>
+            <a:r>
+              <a:rPr lang="en-US" dirty="0">
+                <a:solidFill>
+                  <a:schemeClr val="tx1">
+                    <a:lumMod val="65000"/>
+                  </a:schemeClr>
+                </a:solidFill>
+              </a:rPr>
               <a:t>Related Work</a:t>
             </a:r>
           </a:p>
-        </p:txBody>
-      </p:sp>
-      <p:sp>
-        <p:nvSpPr>
-          <p:cNvPr id="3" name="Content Placeholder 2">
-            <a:extLst>
-              <a:ext uri="{FF2B5EF4-FFF2-40B4-BE49-F238E27FC236}">
-                <a16:creationId xmlns:a16="http://schemas.microsoft.com/office/drawing/2014/main" id="{2DEF0F4C-9532-4546-B223-A87D6EA61B65}"/>
-              </a:ext>
-            </a:extLst>
-          </p:cNvPr>
-          <p:cNvSpPr>
-            <a:spLocks noGrp="1"/>
-          </p:cNvSpPr>
-          <p:nvPr>
-            <p:ph idx="1"/>
-          </p:nvPr>
-        </p:nvSpPr>
-        <p:spPr/>
-        <p:txBody>
-          <a:bodyPr/>
-          <a:lstStyle/>
-          <a:p>
-            <a:r>
-              <a:rPr lang="en-US" dirty="0"/>
-              <a:t>Tsunami [8]</a:t>
-            </a:r>
-          </a:p>
-          <a:p>
-            <a:pPr lvl="1"/>
-            <a:r>
-              <a:rPr lang="en-US" dirty="0"/>
-              <a:t>Data transfer over UDP</a:t>
-            </a:r>
-          </a:p>
-          <a:p>
-            <a:pPr lvl="1"/>
-            <a:r>
-              <a:rPr lang="en-US" dirty="0"/>
-              <a:t>Rate-Controlled Protocol</a:t>
-            </a:r>
-          </a:p>
-          <a:p>
-            <a:pPr lvl="2"/>
-            <a:r>
-              <a:rPr lang="en-US" dirty="0"/>
-              <a:t>Feedback loop over TCP</a:t>
-            </a:r>
-          </a:p>
-          <a:p>
-            <a:pPr lvl="1"/>
-            <a:r>
-              <a:rPr lang="en-US" dirty="0"/>
-              <a:t>Performance:</a:t>
-            </a:r>
-          </a:p>
-          <a:p>
-            <a:pPr lvl="2"/>
-            <a:r>
-              <a:rPr lang="en-US" dirty="0"/>
-              <a:t>Average Throughput of 850 Mbps</a:t>
+          <a:p>
+            <a:r>
+              <a:rPr lang="en-US" dirty="0"/>
+              <a:t>Protocol Design</a:t>
+            </a:r>
+          </a:p>
+          <a:p>
+            <a:r>
+              <a:rPr lang="en-US" dirty="0">
+                <a:solidFill>
+                  <a:schemeClr val="tx1">
+                    <a:lumMod val="65000"/>
+                  </a:schemeClr>
+                </a:solidFill>
+              </a:rPr>
+              <a:t>Architecture &amp; Implementation</a:t>
+            </a:r>
+          </a:p>
+          <a:p>
+            <a:r>
+              <a:rPr lang="en-US" dirty="0">
+                <a:solidFill>
+                  <a:schemeClr val="tx1">
+                    <a:lumMod val="65000"/>
+                  </a:schemeClr>
+                </a:solidFill>
+              </a:rPr>
+              <a:t>Testing &amp; Analysis</a:t>
+            </a:r>
+          </a:p>
+          <a:p>
+            <a:r>
+              <a:rPr lang="en-US" dirty="0">
+                <a:solidFill>
+                  <a:schemeClr val="tx1">
+                    <a:lumMod val="65000"/>
+                  </a:schemeClr>
+                </a:solidFill>
+              </a:rPr>
+              <a:t>Challenges &amp; Future Work</a:t>
             </a:r>
           </a:p>
         </p:txBody>
@@ -10851,7 +9411,7 @@
     </p:spTree>
     <p:extLst>
       <p:ext uri="{BB962C8B-B14F-4D97-AF65-F5344CB8AC3E}">
-        <p14:creationId xmlns:p14="http://schemas.microsoft.com/office/powerpoint/2010/main" val="2204022530"/>
+        <p14:creationId xmlns:p14="http://schemas.microsoft.com/office/powerpoint/2010/main" val="3662828855"/>
       </p:ext>
     </p:extLst>
   </p:cSld>
@@ -10883,7 +9443,7 @@
           <p:cNvPr id="2" name="Title 1">
             <a:extLst>
               <a:ext uri="{FF2B5EF4-FFF2-40B4-BE49-F238E27FC236}">
-                <a16:creationId xmlns:a16="http://schemas.microsoft.com/office/drawing/2014/main" id="{A3F60A3A-C9D8-DD4B-9B5B-5609059AFF5E}"/>
+                <a16:creationId xmlns:a16="http://schemas.microsoft.com/office/drawing/2014/main" id="{60EFD820-C57B-9A44-985D-49DDDD0DA48E}"/>
               </a:ext>
             </a:extLst>
           </p:cNvPr>
@@ -10901,7 +9461,7 @@
           <a:p>
             <a:r>
               <a:rPr lang="en-US" dirty="0"/>
-              <a:t>Related Work</a:t>
+              <a:t>Protocol Design</a:t>
             </a:r>
           </a:p>
         </p:txBody>
@@ -10911,7 +9471,7 @@
           <p:cNvPr id="3" name="Content Placeholder 2">
             <a:extLst>
               <a:ext uri="{FF2B5EF4-FFF2-40B4-BE49-F238E27FC236}">
-                <a16:creationId xmlns:a16="http://schemas.microsoft.com/office/drawing/2014/main" id="{2DEF0F4C-9532-4546-B223-A87D6EA61B65}"/>
+                <a16:creationId xmlns:a16="http://schemas.microsoft.com/office/drawing/2014/main" id="{7E47C10F-81AB-314A-9277-8AF0EDB35C98}"/>
               </a:ext>
             </a:extLst>
           </p:cNvPr>
@@ -10929,47 +9489,21 @@
           <a:p>
             <a:r>
               <a:rPr lang="en-US" dirty="0"/>
-              <a:t>UDP-based Solutions</a:t>
+              <a:t>Multi-Channel Data Transfer Protocol (MCDTP)</a:t>
             </a:r>
           </a:p>
           <a:p>
             <a:pPr lvl="1"/>
             <a:r>
               <a:rPr lang="en-US" dirty="0"/>
-              <a:t>Reliable Blast UDP (RBUDP) [3]</a:t>
+              <a:t>Lean</a:t>
             </a:r>
           </a:p>
           <a:p>
             <a:pPr lvl="1"/>
             <a:r>
               <a:rPr lang="en-US" dirty="0"/>
-              <a:t>UDP-based Data Transfer (UDT) [7]</a:t>
-            </a:r>
-          </a:p>
-          <a:p>
-            <a:pPr lvl="1"/>
-            <a:r>
-              <a:rPr lang="en-US" dirty="0"/>
-              <a:t>Tsunami [8]</a:t>
-            </a:r>
-          </a:p>
-          <a:p>
-            <a:pPr lvl="1"/>
-            <a:r>
-              <a:rPr lang="en-US" dirty="0" err="1"/>
-              <a:t>Aspera’s</a:t>
-            </a:r>
-            <a:r>
-              <a:rPr lang="en-US" dirty="0"/>
-              <a:t> fast and secure protocol (</a:t>
-            </a:r>
-            <a:r>
-              <a:rPr lang="en-US" dirty="0" err="1"/>
-              <a:t>fasp</a:t>
-            </a:r>
-            <a:r>
-              <a:rPr lang="en-US" dirty="0"/>
-              <a:t>) [1][2]</a:t>
+              <a:t>Minimalistic</a:t>
             </a:r>
           </a:p>
         </p:txBody>
@@ -10977,7 +9511,7 @@
     </p:spTree>
     <p:extLst>
       <p:ext uri="{BB962C8B-B14F-4D97-AF65-F5344CB8AC3E}">
-        <p14:creationId xmlns:p14="http://schemas.microsoft.com/office/powerpoint/2010/main" val="3403799062"/>
+        <p14:creationId xmlns:p14="http://schemas.microsoft.com/office/powerpoint/2010/main" val="1366581405"/>
       </p:ext>
     </p:extLst>
   </p:cSld>
@@ -11009,7 +9543,7 @@
           <p:cNvPr id="2" name="Title 1">
             <a:extLst>
               <a:ext uri="{FF2B5EF4-FFF2-40B4-BE49-F238E27FC236}">
-                <a16:creationId xmlns:a16="http://schemas.microsoft.com/office/drawing/2014/main" id="{A3F60A3A-C9D8-DD4B-9B5B-5609059AFF5E}"/>
+                <a16:creationId xmlns:a16="http://schemas.microsoft.com/office/drawing/2014/main" id="{60EFD820-C57B-9A44-985D-49DDDD0DA48E}"/>
               </a:ext>
             </a:extLst>
           </p:cNvPr>
@@ -11027,7 +9561,7 @@
           <a:p>
             <a:r>
               <a:rPr lang="en-US" dirty="0"/>
-              <a:t>Related Work</a:t>
+              <a:t>Protocol Design</a:t>
             </a:r>
           </a:p>
         </p:txBody>
@@ -11037,7 +9571,7 @@
           <p:cNvPr id="3" name="Content Placeholder 2">
             <a:extLst>
               <a:ext uri="{FF2B5EF4-FFF2-40B4-BE49-F238E27FC236}">
-                <a16:creationId xmlns:a16="http://schemas.microsoft.com/office/drawing/2014/main" id="{2DEF0F4C-9532-4546-B223-A87D6EA61B65}"/>
+                <a16:creationId xmlns:a16="http://schemas.microsoft.com/office/drawing/2014/main" id="{7E47C10F-81AB-314A-9277-8AF0EDB35C98}"/>
               </a:ext>
             </a:extLst>
           </p:cNvPr>
@@ -11054,61 +9588,8 @@
           <a:lstStyle/>
           <a:p>
             <a:r>
-              <a:rPr lang="en-US" dirty="0" err="1"/>
-              <a:t>fasp</a:t>
-            </a:r>
-            <a:r>
-              <a:rPr lang="en-US" dirty="0"/>
-              <a:t> [1][2]</a:t>
-            </a:r>
-          </a:p>
-          <a:p>
-            <a:pPr lvl="1"/>
-            <a:r>
-              <a:rPr lang="en-US" dirty="0"/>
-              <a:t>Data transfer over UDP</a:t>
-            </a:r>
-          </a:p>
-          <a:p>
-            <a:pPr lvl="1"/>
-            <a:r>
-              <a:rPr lang="en-US" dirty="0"/>
-              <a:t>Rate-Controlled Protocol</a:t>
-            </a:r>
-          </a:p>
-          <a:p>
-            <a:pPr lvl="2"/>
-            <a:r>
-              <a:rPr lang="en-US" dirty="0"/>
-              <a:t>Feedback loop over TCP</a:t>
-            </a:r>
-          </a:p>
-          <a:p>
-            <a:pPr lvl="1"/>
-            <a:r>
-              <a:rPr lang="en-US" dirty="0"/>
-              <a:t>Retransmission over TCP</a:t>
-            </a:r>
-          </a:p>
-          <a:p>
-            <a:pPr lvl="1"/>
-            <a:r>
-              <a:rPr lang="en-US" dirty="0"/>
-              <a:t>Custom End-System Hardware</a:t>
-            </a:r>
-          </a:p>
-          <a:p>
-            <a:pPr lvl="1"/>
-            <a:r>
-              <a:rPr lang="en-US" dirty="0"/>
-              <a:t>Performance:</a:t>
-            </a:r>
-          </a:p>
-          <a:p>
-            <a:pPr lvl="2"/>
-            <a:r>
-              <a:rPr lang="en-US" dirty="0"/>
-              <a:t>Throughput &gt; 950 Mbps</a:t>
+              <a:rPr lang="en-US" dirty="0"/>
+              <a:t>Handshakes</a:t>
             </a:r>
           </a:p>
         </p:txBody>
@@ -11116,7 +9597,7 @@
     </p:spTree>
     <p:extLst>
       <p:ext uri="{BB962C8B-B14F-4D97-AF65-F5344CB8AC3E}">
-        <p14:creationId xmlns:p14="http://schemas.microsoft.com/office/powerpoint/2010/main" val="2651897324"/>
+        <p14:creationId xmlns:p14="http://schemas.microsoft.com/office/powerpoint/2010/main" val="3811372446"/>
       </p:ext>
     </p:extLst>
   </p:cSld>
@@ -11229,362 +9710,6 @@
 </file>
 
 <file path=ppt/slides/slide40.xml><?xml version="1.0" encoding="utf-8"?>
-<p:sld xmlns:a="http://schemas.openxmlformats.org/drawingml/2006/main" xmlns:r="http://schemas.openxmlformats.org/officeDocument/2006/relationships" xmlns:p="http://schemas.openxmlformats.org/presentationml/2006/main">
-  <p:cSld>
-    <p:spTree>
-      <p:nvGrpSpPr>
-        <p:cNvPr id="1" name=""/>
-        <p:cNvGrpSpPr/>
-        <p:nvPr/>
-      </p:nvGrpSpPr>
-      <p:grpSpPr>
-        <a:xfrm>
-          <a:off x="0" y="0"/>
-          <a:ext cx="0" cy="0"/>
-          <a:chOff x="0" y="0"/>
-          <a:chExt cx="0" cy="0"/>
-        </a:xfrm>
-      </p:grpSpPr>
-      <p:sp>
-        <p:nvSpPr>
-          <p:cNvPr id="2" name="Title 1">
-            <a:extLst>
-              <a:ext uri="{FF2B5EF4-FFF2-40B4-BE49-F238E27FC236}">
-                <a16:creationId xmlns:a16="http://schemas.microsoft.com/office/drawing/2014/main" id="{5532F8E8-F482-C44F-B665-F7461809028E}"/>
-              </a:ext>
-            </a:extLst>
-          </p:cNvPr>
-          <p:cNvSpPr>
-            <a:spLocks noGrp="1"/>
-          </p:cNvSpPr>
-          <p:nvPr>
-            <p:ph type="title"/>
-          </p:nvPr>
-        </p:nvSpPr>
-        <p:spPr/>
-        <p:txBody>
-          <a:bodyPr/>
-          <a:lstStyle/>
-          <a:p>
-            <a:r>
-              <a:rPr lang="en-US" dirty="0"/>
-              <a:t>Overview</a:t>
-            </a:r>
-          </a:p>
-        </p:txBody>
-      </p:sp>
-      <p:sp>
-        <p:nvSpPr>
-          <p:cNvPr id="3" name="Content Placeholder 2">
-            <a:extLst>
-              <a:ext uri="{FF2B5EF4-FFF2-40B4-BE49-F238E27FC236}">
-                <a16:creationId xmlns:a16="http://schemas.microsoft.com/office/drawing/2014/main" id="{D74B3917-BBAD-C04F-AAA5-055D21AC0A3E}"/>
-              </a:ext>
-            </a:extLst>
-          </p:cNvPr>
-          <p:cNvSpPr>
-            <a:spLocks noGrp="1"/>
-          </p:cNvSpPr>
-          <p:nvPr>
-            <p:ph idx="1"/>
-          </p:nvPr>
-        </p:nvSpPr>
-        <p:spPr/>
-        <p:txBody>
-          <a:bodyPr/>
-          <a:lstStyle/>
-          <a:p>
-            <a:r>
-              <a:rPr lang="en-US" dirty="0">
-                <a:solidFill>
-                  <a:schemeClr val="tx1">
-                    <a:lumMod val="65000"/>
-                  </a:schemeClr>
-                </a:solidFill>
-              </a:rPr>
-              <a:t>Motivation</a:t>
-            </a:r>
-          </a:p>
-          <a:p>
-            <a:r>
-              <a:rPr lang="en-US" dirty="0">
-                <a:solidFill>
-                  <a:schemeClr val="tx1">
-                    <a:lumMod val="65000"/>
-                  </a:schemeClr>
-                </a:solidFill>
-              </a:rPr>
-              <a:t>Problem</a:t>
-            </a:r>
-          </a:p>
-          <a:p>
-            <a:r>
-              <a:rPr lang="en-US" dirty="0">
-                <a:solidFill>
-                  <a:schemeClr val="tx1">
-                    <a:lumMod val="65000"/>
-                  </a:schemeClr>
-                </a:solidFill>
-              </a:rPr>
-              <a:t>Preliminary Work</a:t>
-            </a:r>
-          </a:p>
-          <a:p>
-            <a:r>
-              <a:rPr lang="en-US" dirty="0">
-                <a:solidFill>
-                  <a:schemeClr val="tx1">
-                    <a:lumMod val="65000"/>
-                  </a:schemeClr>
-                </a:solidFill>
-              </a:rPr>
-              <a:t>Related Work</a:t>
-            </a:r>
-          </a:p>
-          <a:p>
-            <a:r>
-              <a:rPr lang="en-US" dirty="0"/>
-              <a:t>Protocol Design</a:t>
-            </a:r>
-          </a:p>
-          <a:p>
-            <a:r>
-              <a:rPr lang="en-US" dirty="0">
-                <a:solidFill>
-                  <a:schemeClr val="tx1">
-                    <a:lumMod val="65000"/>
-                  </a:schemeClr>
-                </a:solidFill>
-              </a:rPr>
-              <a:t>Architecture &amp; Implementation</a:t>
-            </a:r>
-          </a:p>
-          <a:p>
-            <a:r>
-              <a:rPr lang="en-US" dirty="0">
-                <a:solidFill>
-                  <a:schemeClr val="tx1">
-                    <a:lumMod val="65000"/>
-                  </a:schemeClr>
-                </a:solidFill>
-              </a:rPr>
-              <a:t>Testing &amp; Analysis</a:t>
-            </a:r>
-          </a:p>
-          <a:p>
-            <a:r>
-              <a:rPr lang="en-US" dirty="0">
-                <a:solidFill>
-                  <a:schemeClr val="tx1">
-                    <a:lumMod val="65000"/>
-                  </a:schemeClr>
-                </a:solidFill>
-              </a:rPr>
-              <a:t>Challenges &amp; Future Work</a:t>
-            </a:r>
-          </a:p>
-        </p:txBody>
-      </p:sp>
-    </p:spTree>
-    <p:extLst>
-      <p:ext uri="{BB962C8B-B14F-4D97-AF65-F5344CB8AC3E}">
-        <p14:creationId xmlns:p14="http://schemas.microsoft.com/office/powerpoint/2010/main" val="3662828855"/>
-      </p:ext>
-    </p:extLst>
-  </p:cSld>
-  <p:clrMapOvr>
-    <a:masterClrMapping/>
-  </p:clrMapOvr>
-</p:sld>
-</file>
-
-<file path=ppt/slides/slide41.xml><?xml version="1.0" encoding="utf-8"?>
-<p:sld xmlns:a="http://schemas.openxmlformats.org/drawingml/2006/main" xmlns:r="http://schemas.openxmlformats.org/officeDocument/2006/relationships" xmlns:p="http://schemas.openxmlformats.org/presentationml/2006/main">
-  <p:cSld>
-    <p:spTree>
-      <p:nvGrpSpPr>
-        <p:cNvPr id="1" name=""/>
-        <p:cNvGrpSpPr/>
-        <p:nvPr/>
-      </p:nvGrpSpPr>
-      <p:grpSpPr>
-        <a:xfrm>
-          <a:off x="0" y="0"/>
-          <a:ext cx="0" cy="0"/>
-          <a:chOff x="0" y="0"/>
-          <a:chExt cx="0" cy="0"/>
-        </a:xfrm>
-      </p:grpSpPr>
-      <p:sp>
-        <p:nvSpPr>
-          <p:cNvPr id="2" name="Title 1">
-            <a:extLst>
-              <a:ext uri="{FF2B5EF4-FFF2-40B4-BE49-F238E27FC236}">
-                <a16:creationId xmlns:a16="http://schemas.microsoft.com/office/drawing/2014/main" id="{60EFD820-C57B-9A44-985D-49DDDD0DA48E}"/>
-              </a:ext>
-            </a:extLst>
-          </p:cNvPr>
-          <p:cNvSpPr>
-            <a:spLocks noGrp="1"/>
-          </p:cNvSpPr>
-          <p:nvPr>
-            <p:ph type="title"/>
-          </p:nvPr>
-        </p:nvSpPr>
-        <p:spPr/>
-        <p:txBody>
-          <a:bodyPr/>
-          <a:lstStyle/>
-          <a:p>
-            <a:r>
-              <a:rPr lang="en-US" dirty="0"/>
-              <a:t>Protocol Design</a:t>
-            </a:r>
-          </a:p>
-        </p:txBody>
-      </p:sp>
-      <p:sp>
-        <p:nvSpPr>
-          <p:cNvPr id="3" name="Content Placeholder 2">
-            <a:extLst>
-              <a:ext uri="{FF2B5EF4-FFF2-40B4-BE49-F238E27FC236}">
-                <a16:creationId xmlns:a16="http://schemas.microsoft.com/office/drawing/2014/main" id="{7E47C10F-81AB-314A-9277-8AF0EDB35C98}"/>
-              </a:ext>
-            </a:extLst>
-          </p:cNvPr>
-          <p:cNvSpPr>
-            <a:spLocks noGrp="1"/>
-          </p:cNvSpPr>
-          <p:nvPr>
-            <p:ph idx="1"/>
-          </p:nvPr>
-        </p:nvSpPr>
-        <p:spPr/>
-        <p:txBody>
-          <a:bodyPr/>
-          <a:lstStyle/>
-          <a:p>
-            <a:r>
-              <a:rPr lang="en-US" dirty="0"/>
-              <a:t>Multi-Channel Data Transfer Protocol (MCDTP)</a:t>
-            </a:r>
-          </a:p>
-          <a:p>
-            <a:pPr lvl="1"/>
-            <a:r>
-              <a:rPr lang="en-US" dirty="0"/>
-              <a:t>Lean</a:t>
-            </a:r>
-          </a:p>
-          <a:p>
-            <a:pPr lvl="1"/>
-            <a:r>
-              <a:rPr lang="en-US" dirty="0"/>
-              <a:t>Minimalistic</a:t>
-            </a:r>
-          </a:p>
-        </p:txBody>
-      </p:sp>
-    </p:spTree>
-    <p:extLst>
-      <p:ext uri="{BB962C8B-B14F-4D97-AF65-F5344CB8AC3E}">
-        <p14:creationId xmlns:p14="http://schemas.microsoft.com/office/powerpoint/2010/main" val="1366581405"/>
-      </p:ext>
-    </p:extLst>
-  </p:cSld>
-  <p:clrMapOvr>
-    <a:masterClrMapping/>
-  </p:clrMapOvr>
-</p:sld>
-</file>
-
-<file path=ppt/slides/slide42.xml><?xml version="1.0" encoding="utf-8"?>
-<p:sld xmlns:a="http://schemas.openxmlformats.org/drawingml/2006/main" xmlns:r="http://schemas.openxmlformats.org/officeDocument/2006/relationships" xmlns:p="http://schemas.openxmlformats.org/presentationml/2006/main">
-  <p:cSld>
-    <p:spTree>
-      <p:nvGrpSpPr>
-        <p:cNvPr id="1" name=""/>
-        <p:cNvGrpSpPr/>
-        <p:nvPr/>
-      </p:nvGrpSpPr>
-      <p:grpSpPr>
-        <a:xfrm>
-          <a:off x="0" y="0"/>
-          <a:ext cx="0" cy="0"/>
-          <a:chOff x="0" y="0"/>
-          <a:chExt cx="0" cy="0"/>
-        </a:xfrm>
-      </p:grpSpPr>
-      <p:sp>
-        <p:nvSpPr>
-          <p:cNvPr id="2" name="Title 1">
-            <a:extLst>
-              <a:ext uri="{FF2B5EF4-FFF2-40B4-BE49-F238E27FC236}">
-                <a16:creationId xmlns:a16="http://schemas.microsoft.com/office/drawing/2014/main" id="{60EFD820-C57B-9A44-985D-49DDDD0DA48E}"/>
-              </a:ext>
-            </a:extLst>
-          </p:cNvPr>
-          <p:cNvSpPr>
-            <a:spLocks noGrp="1"/>
-          </p:cNvSpPr>
-          <p:nvPr>
-            <p:ph type="title"/>
-          </p:nvPr>
-        </p:nvSpPr>
-        <p:spPr/>
-        <p:txBody>
-          <a:bodyPr/>
-          <a:lstStyle/>
-          <a:p>
-            <a:r>
-              <a:rPr lang="en-US" dirty="0"/>
-              <a:t>Protocol Design</a:t>
-            </a:r>
-          </a:p>
-        </p:txBody>
-      </p:sp>
-      <p:sp>
-        <p:nvSpPr>
-          <p:cNvPr id="3" name="Content Placeholder 2">
-            <a:extLst>
-              <a:ext uri="{FF2B5EF4-FFF2-40B4-BE49-F238E27FC236}">
-                <a16:creationId xmlns:a16="http://schemas.microsoft.com/office/drawing/2014/main" id="{7E47C10F-81AB-314A-9277-8AF0EDB35C98}"/>
-              </a:ext>
-            </a:extLst>
-          </p:cNvPr>
-          <p:cNvSpPr>
-            <a:spLocks noGrp="1"/>
-          </p:cNvSpPr>
-          <p:nvPr>
-            <p:ph idx="1"/>
-          </p:nvPr>
-        </p:nvSpPr>
-        <p:spPr/>
-        <p:txBody>
-          <a:bodyPr/>
-          <a:lstStyle/>
-          <a:p>
-            <a:r>
-              <a:rPr lang="en-US" dirty="0"/>
-              <a:t>Handshakes</a:t>
-            </a:r>
-          </a:p>
-        </p:txBody>
-      </p:sp>
-    </p:spTree>
-    <p:extLst>
-      <p:ext uri="{BB962C8B-B14F-4D97-AF65-F5344CB8AC3E}">
-        <p14:creationId xmlns:p14="http://schemas.microsoft.com/office/powerpoint/2010/main" val="3811372446"/>
-      </p:ext>
-    </p:extLst>
-  </p:cSld>
-  <p:clrMapOvr>
-    <a:masterClrMapping/>
-  </p:clrMapOvr>
-</p:sld>
-</file>
-
-<file path=ppt/slides/slide43.xml><?xml version="1.0" encoding="utf-8"?>
 <p:sld xmlns:a="http://schemas.openxmlformats.org/drawingml/2006/main" xmlns:r="http://schemas.openxmlformats.org/officeDocument/2006/relationships" xmlns:p="http://schemas.openxmlformats.org/presentationml/2006/main">
   <p:cSld>
     <p:spTree>
@@ -11701,7 +9826,7 @@
 </p:sld>
 </file>
 
-<file path=ppt/slides/slide44.xml><?xml version="1.0" encoding="utf-8"?>
+<file path=ppt/slides/slide41.xml><?xml version="1.0" encoding="utf-8"?>
 <p:sld xmlns:a="http://schemas.openxmlformats.org/drawingml/2006/main" xmlns:r="http://schemas.openxmlformats.org/officeDocument/2006/relationships" xmlns:p="http://schemas.openxmlformats.org/presentationml/2006/main">
   <p:cSld>
     <p:spTree>
@@ -11823,7 +9948,7 @@
 </p:sld>
 </file>
 
-<file path=ppt/slides/slide45.xml><?xml version="1.0" encoding="utf-8"?>
+<file path=ppt/slides/slide42.xml><?xml version="1.0" encoding="utf-8"?>
 <p:sld xmlns:a="http://schemas.openxmlformats.org/drawingml/2006/main" xmlns:r="http://schemas.openxmlformats.org/officeDocument/2006/relationships" xmlns:p="http://schemas.openxmlformats.org/presentationml/2006/main">
   <p:cSld>
     <p:spTree>
@@ -11915,7 +10040,7 @@
 </p:sld>
 </file>
 
-<file path=ppt/slides/slide46.xml><?xml version="1.0" encoding="utf-8"?>
+<file path=ppt/slides/slide43.xml><?xml version="1.0" encoding="utf-8"?>
 <p:sld xmlns:a="http://schemas.openxmlformats.org/drawingml/2006/main" xmlns:r="http://schemas.openxmlformats.org/officeDocument/2006/relationships" xmlns:p="http://schemas.openxmlformats.org/presentationml/2006/main">
   <p:cSld>
     <p:spTree>
@@ -12003,7 +10128,7 @@
 </p:sld>
 </file>
 
-<file path=ppt/slides/slide47.xml><?xml version="1.0" encoding="utf-8"?>
+<file path=ppt/slides/slide44.xml><?xml version="1.0" encoding="utf-8"?>
 <p:sld xmlns:a="http://schemas.openxmlformats.org/drawingml/2006/main" xmlns:r="http://schemas.openxmlformats.org/officeDocument/2006/relationships" xmlns:p="http://schemas.openxmlformats.org/presentationml/2006/main">
   <p:cSld>
     <p:spTree>
@@ -12089,7 +10214,7 @@
 </p:sld>
 </file>
 
-<file path=ppt/slides/slide48.xml><?xml version="1.0" encoding="utf-8"?>
+<file path=ppt/slides/slide45.xml><?xml version="1.0" encoding="utf-8"?>
 <p:sld xmlns:a="http://schemas.openxmlformats.org/drawingml/2006/main" xmlns:r="http://schemas.openxmlformats.org/officeDocument/2006/relationships" xmlns:p="http://schemas.openxmlformats.org/presentationml/2006/main">
   <p:cSld>
     <p:spTree>
@@ -12187,7 +10312,7 @@
 </p:sld>
 </file>
 
-<file path=ppt/slides/slide49.xml><?xml version="1.0" encoding="utf-8"?>
+<file path=ppt/slides/slide46.xml><?xml version="1.0" encoding="utf-8"?>
 <p:sld xmlns:a="http://schemas.openxmlformats.org/drawingml/2006/main" xmlns:r="http://schemas.openxmlformats.org/officeDocument/2006/relationships" xmlns:p="http://schemas.openxmlformats.org/presentationml/2006/main">
   <p:cSld>
     <p:spTree>
@@ -12274,189 +10399,7 @@
 </p:sld>
 </file>
 
-<file path=ppt/slides/slide5.xml><?xml version="1.0" encoding="utf-8"?>
-<p:sld xmlns:a="http://schemas.openxmlformats.org/drawingml/2006/main" xmlns:r="http://schemas.openxmlformats.org/officeDocument/2006/relationships" xmlns:p="http://schemas.openxmlformats.org/presentationml/2006/main">
-  <p:cSld>
-    <p:spTree>
-      <p:nvGrpSpPr>
-        <p:cNvPr id="1" name=""/>
-        <p:cNvGrpSpPr/>
-        <p:nvPr/>
-      </p:nvGrpSpPr>
-      <p:grpSpPr>
-        <a:xfrm>
-          <a:off x="0" y="0"/>
-          <a:ext cx="0" cy="0"/>
-          <a:chOff x="0" y="0"/>
-          <a:chExt cx="0" cy="0"/>
-        </a:xfrm>
-      </p:grpSpPr>
-      <p:sp>
-        <p:nvSpPr>
-          <p:cNvPr id="2" name="Title 1">
-            <a:extLst>
-              <a:ext uri="{FF2B5EF4-FFF2-40B4-BE49-F238E27FC236}">
-                <a16:creationId xmlns:a16="http://schemas.microsoft.com/office/drawing/2014/main" id="{5532F8E8-F482-C44F-B665-F7461809028E}"/>
-              </a:ext>
-            </a:extLst>
-          </p:cNvPr>
-          <p:cNvSpPr>
-            <a:spLocks noGrp="1"/>
-          </p:cNvSpPr>
-          <p:nvPr>
-            <p:ph type="title"/>
-          </p:nvPr>
-        </p:nvSpPr>
-        <p:spPr/>
-        <p:txBody>
-          <a:bodyPr/>
-          <a:lstStyle/>
-          <a:p>
-            <a:r>
-              <a:rPr lang="en-US" dirty="0"/>
-              <a:t>Overview</a:t>
-            </a:r>
-          </a:p>
-        </p:txBody>
-      </p:sp>
-      <p:sp>
-        <p:nvSpPr>
-          <p:cNvPr id="3" name="Content Placeholder 2">
-            <a:extLst>
-              <a:ext uri="{FF2B5EF4-FFF2-40B4-BE49-F238E27FC236}">
-                <a16:creationId xmlns:a16="http://schemas.microsoft.com/office/drawing/2014/main" id="{D74B3917-BBAD-C04F-AAA5-055D21AC0A3E}"/>
-              </a:ext>
-            </a:extLst>
-          </p:cNvPr>
-          <p:cNvSpPr>
-            <a:spLocks noGrp="1"/>
-          </p:cNvSpPr>
-          <p:nvPr>
-            <p:ph idx="1"/>
-          </p:nvPr>
-        </p:nvSpPr>
-        <p:spPr/>
-        <p:txBody>
-          <a:bodyPr/>
-          <a:lstStyle/>
-          <a:p>
-            <a:r>
-              <a:rPr lang="en-US" dirty="0">
-                <a:solidFill>
-                  <a:schemeClr val="tx1">
-                    <a:lumMod val="65000"/>
-                  </a:schemeClr>
-                </a:solidFill>
-              </a:rPr>
-              <a:t>Motivation</a:t>
-            </a:r>
-          </a:p>
-          <a:p>
-            <a:r>
-              <a:rPr lang="en-US" dirty="0"/>
-              <a:t>Problem</a:t>
-            </a:r>
-          </a:p>
-          <a:p>
-            <a:r>
-              <a:rPr lang="en-US" dirty="0">
-                <a:solidFill>
-                  <a:schemeClr val="tx1">
-                    <a:lumMod val="65000"/>
-                  </a:schemeClr>
-                </a:solidFill>
-              </a:rPr>
-              <a:t>Preliminary Work</a:t>
-            </a:r>
-          </a:p>
-          <a:p>
-            <a:r>
-              <a:rPr lang="en-US" dirty="0">
-                <a:solidFill>
-                  <a:schemeClr val="tx1">
-                    <a:lumMod val="65000"/>
-                  </a:schemeClr>
-                </a:solidFill>
-              </a:rPr>
-              <a:t>Related Work</a:t>
-            </a:r>
-          </a:p>
-          <a:p>
-            <a:r>
-              <a:rPr lang="en-US" dirty="0">
-                <a:solidFill>
-                  <a:schemeClr val="tx1">
-                    <a:lumMod val="65000"/>
-                  </a:schemeClr>
-                </a:solidFill>
-              </a:rPr>
-              <a:t>Protocol Design</a:t>
-            </a:r>
-          </a:p>
-          <a:p>
-            <a:r>
-              <a:rPr lang="en-US" dirty="0">
-                <a:solidFill>
-                  <a:schemeClr val="tx1">
-                    <a:lumMod val="65000"/>
-                  </a:schemeClr>
-                </a:solidFill>
-              </a:rPr>
-              <a:t>Architecture</a:t>
-            </a:r>
-          </a:p>
-          <a:p>
-            <a:r>
-              <a:rPr lang="en-US" dirty="0">
-                <a:solidFill>
-                  <a:schemeClr val="tx1">
-                    <a:lumMod val="65000"/>
-                  </a:schemeClr>
-                </a:solidFill>
-              </a:rPr>
-              <a:t>Implementation</a:t>
-            </a:r>
-          </a:p>
-          <a:p>
-            <a:r>
-              <a:rPr lang="en-US" dirty="0">
-                <a:solidFill>
-                  <a:schemeClr val="tx1">
-                    <a:lumMod val="65000"/>
-                  </a:schemeClr>
-                </a:solidFill>
-              </a:rPr>
-              <a:t>Testing &amp; Analysis</a:t>
-            </a:r>
-          </a:p>
-          <a:p>
-            <a:r>
-              <a:rPr lang="en-US" dirty="0">
-                <a:solidFill>
-                  <a:schemeClr val="tx1">
-                    <a:lumMod val="65000"/>
-                  </a:schemeClr>
-                </a:solidFill>
-              </a:rPr>
-              <a:t>Challenges &amp; Future Work</a:t>
-            </a:r>
-          </a:p>
-        </p:txBody>
-      </p:sp>
-    </p:spTree>
-    <p:extLst>
-      <p:ext uri="{BB962C8B-B14F-4D97-AF65-F5344CB8AC3E}">
-        <p14:creationId xmlns:p14="http://schemas.microsoft.com/office/powerpoint/2010/main" val="2620012654"/>
-      </p:ext>
-    </p:extLst>
-  </p:cSld>
-  <p:clrMapOvr>
-    <a:masterClrMapping/>
-  </p:clrMapOvr>
-</p:sld>
-</file>
-
-<file path=ppt/slides/slide50.xml><?xml version="1.0" encoding="utf-8"?>
+<file path=ppt/slides/slide47.xml><?xml version="1.0" encoding="utf-8"?>
 <p:sld xmlns:a="http://schemas.openxmlformats.org/drawingml/2006/main" xmlns:r="http://schemas.openxmlformats.org/officeDocument/2006/relationships" xmlns:p="http://schemas.openxmlformats.org/presentationml/2006/main">
   <p:cSld>
     <p:spTree>
@@ -12542,7 +10485,7 @@
 </p:sld>
 </file>
 
-<file path=ppt/slides/slide51.xml><?xml version="1.0" encoding="utf-8"?>
+<file path=ppt/slides/slide48.xml><?xml version="1.0" encoding="utf-8"?>
 <p:sld xmlns:a="http://schemas.openxmlformats.org/drawingml/2006/main" xmlns:r="http://schemas.openxmlformats.org/officeDocument/2006/relationships" xmlns:p="http://schemas.openxmlformats.org/presentationml/2006/main">
   <p:cSld>
     <p:spTree>
@@ -12646,7 +10589,7 @@
 </p:sld>
 </file>
 
-<file path=ppt/slides/slide52.xml><?xml version="1.0" encoding="utf-8"?>
+<file path=ppt/slides/slide49.xml><?xml version="1.0" encoding="utf-8"?>
 <p:sld xmlns:a="http://schemas.openxmlformats.org/drawingml/2006/main" xmlns:r="http://schemas.openxmlformats.org/officeDocument/2006/relationships" xmlns:p="http://schemas.openxmlformats.org/presentationml/2006/main">
   <p:cSld>
     <p:spTree>
@@ -12733,6 +10676,580 @@
 </p:sld>
 </file>
 
+<file path=ppt/slides/slide5.xml><?xml version="1.0" encoding="utf-8"?>
+<p:sld xmlns:a="http://schemas.openxmlformats.org/drawingml/2006/main" xmlns:r="http://schemas.openxmlformats.org/officeDocument/2006/relationships" xmlns:p="http://schemas.openxmlformats.org/presentationml/2006/main">
+  <p:cSld>
+    <p:spTree>
+      <p:nvGrpSpPr>
+        <p:cNvPr id="1" name=""/>
+        <p:cNvGrpSpPr/>
+        <p:nvPr/>
+      </p:nvGrpSpPr>
+      <p:grpSpPr>
+        <a:xfrm>
+          <a:off x="0" y="0"/>
+          <a:ext cx="0" cy="0"/>
+          <a:chOff x="0" y="0"/>
+          <a:chExt cx="0" cy="0"/>
+        </a:xfrm>
+      </p:grpSpPr>
+      <p:sp>
+        <p:nvSpPr>
+          <p:cNvPr id="2" name="Title 1">
+            <a:extLst>
+              <a:ext uri="{FF2B5EF4-FFF2-40B4-BE49-F238E27FC236}">
+                <a16:creationId xmlns:a16="http://schemas.microsoft.com/office/drawing/2014/main" id="{5532F8E8-F482-C44F-B665-F7461809028E}"/>
+              </a:ext>
+            </a:extLst>
+          </p:cNvPr>
+          <p:cNvSpPr>
+            <a:spLocks noGrp="1"/>
+          </p:cNvSpPr>
+          <p:nvPr>
+            <p:ph type="title"/>
+          </p:nvPr>
+        </p:nvSpPr>
+        <p:spPr/>
+        <p:txBody>
+          <a:bodyPr/>
+          <a:lstStyle/>
+          <a:p>
+            <a:r>
+              <a:rPr lang="en-US" dirty="0"/>
+              <a:t>Overview</a:t>
+            </a:r>
+          </a:p>
+        </p:txBody>
+      </p:sp>
+      <p:sp>
+        <p:nvSpPr>
+          <p:cNvPr id="3" name="Content Placeholder 2">
+            <a:extLst>
+              <a:ext uri="{FF2B5EF4-FFF2-40B4-BE49-F238E27FC236}">
+                <a16:creationId xmlns:a16="http://schemas.microsoft.com/office/drawing/2014/main" id="{D74B3917-BBAD-C04F-AAA5-055D21AC0A3E}"/>
+              </a:ext>
+            </a:extLst>
+          </p:cNvPr>
+          <p:cNvSpPr>
+            <a:spLocks noGrp="1"/>
+          </p:cNvSpPr>
+          <p:nvPr>
+            <p:ph idx="1"/>
+          </p:nvPr>
+        </p:nvSpPr>
+        <p:spPr/>
+        <p:txBody>
+          <a:bodyPr/>
+          <a:lstStyle/>
+          <a:p>
+            <a:r>
+              <a:rPr lang="en-US" dirty="0">
+                <a:solidFill>
+                  <a:schemeClr val="tx1">
+                    <a:lumMod val="65000"/>
+                  </a:schemeClr>
+                </a:solidFill>
+              </a:rPr>
+              <a:t>Motivation</a:t>
+            </a:r>
+          </a:p>
+          <a:p>
+            <a:r>
+              <a:rPr lang="en-US" dirty="0"/>
+              <a:t>Problem</a:t>
+            </a:r>
+          </a:p>
+          <a:p>
+            <a:r>
+              <a:rPr lang="en-US" dirty="0">
+                <a:solidFill>
+                  <a:schemeClr val="tx1">
+                    <a:lumMod val="65000"/>
+                  </a:schemeClr>
+                </a:solidFill>
+              </a:rPr>
+              <a:t>Preliminary Work</a:t>
+            </a:r>
+          </a:p>
+          <a:p>
+            <a:r>
+              <a:rPr lang="en-US" dirty="0">
+                <a:solidFill>
+                  <a:schemeClr val="tx1">
+                    <a:lumMod val="65000"/>
+                  </a:schemeClr>
+                </a:solidFill>
+              </a:rPr>
+              <a:t>Related Work</a:t>
+            </a:r>
+          </a:p>
+          <a:p>
+            <a:r>
+              <a:rPr lang="en-US" dirty="0">
+                <a:solidFill>
+                  <a:schemeClr val="tx1">
+                    <a:lumMod val="65000"/>
+                  </a:schemeClr>
+                </a:solidFill>
+              </a:rPr>
+              <a:t>Protocol Design</a:t>
+            </a:r>
+          </a:p>
+          <a:p>
+            <a:r>
+              <a:rPr lang="en-US" dirty="0">
+                <a:solidFill>
+                  <a:schemeClr val="tx1">
+                    <a:lumMod val="65000"/>
+                  </a:schemeClr>
+                </a:solidFill>
+              </a:rPr>
+              <a:t>Architecture</a:t>
+            </a:r>
+          </a:p>
+          <a:p>
+            <a:r>
+              <a:rPr lang="en-US" dirty="0">
+                <a:solidFill>
+                  <a:schemeClr val="tx1">
+                    <a:lumMod val="65000"/>
+                  </a:schemeClr>
+                </a:solidFill>
+              </a:rPr>
+              <a:t>Implementation</a:t>
+            </a:r>
+          </a:p>
+          <a:p>
+            <a:r>
+              <a:rPr lang="en-US" dirty="0">
+                <a:solidFill>
+                  <a:schemeClr val="tx1">
+                    <a:lumMod val="65000"/>
+                  </a:schemeClr>
+                </a:solidFill>
+              </a:rPr>
+              <a:t>Testing &amp; Analysis</a:t>
+            </a:r>
+          </a:p>
+          <a:p>
+            <a:r>
+              <a:rPr lang="en-US" dirty="0">
+                <a:solidFill>
+                  <a:schemeClr val="tx1">
+                    <a:lumMod val="65000"/>
+                  </a:schemeClr>
+                </a:solidFill>
+              </a:rPr>
+              <a:t>Challenges &amp; Future Work</a:t>
+            </a:r>
+          </a:p>
+        </p:txBody>
+      </p:sp>
+    </p:spTree>
+    <p:extLst>
+      <p:ext uri="{BB962C8B-B14F-4D97-AF65-F5344CB8AC3E}">
+        <p14:creationId xmlns:p14="http://schemas.microsoft.com/office/powerpoint/2010/main" val="2620012654"/>
+      </p:ext>
+    </p:extLst>
+  </p:cSld>
+  <p:clrMapOvr>
+    <a:masterClrMapping/>
+  </p:clrMapOvr>
+</p:sld>
+</file>
+
+<file path=ppt/slides/slide50.xml><?xml version="1.0" encoding="utf-8"?>
+<p:sld xmlns:a="http://schemas.openxmlformats.org/drawingml/2006/main" xmlns:r="http://schemas.openxmlformats.org/officeDocument/2006/relationships" xmlns:p="http://schemas.openxmlformats.org/presentationml/2006/main">
+  <p:cSld>
+    <p:spTree>
+      <p:nvGrpSpPr>
+        <p:cNvPr id="1" name=""/>
+        <p:cNvGrpSpPr/>
+        <p:nvPr/>
+      </p:nvGrpSpPr>
+      <p:grpSpPr>
+        <a:xfrm>
+          <a:off x="0" y="0"/>
+          <a:ext cx="0" cy="0"/>
+          <a:chOff x="0" y="0"/>
+          <a:chExt cx="0" cy="0"/>
+        </a:xfrm>
+      </p:grpSpPr>
+      <p:sp>
+        <p:nvSpPr>
+          <p:cNvPr id="2" name="Title 1">
+            <a:extLst>
+              <a:ext uri="{FF2B5EF4-FFF2-40B4-BE49-F238E27FC236}">
+                <a16:creationId xmlns:a16="http://schemas.microsoft.com/office/drawing/2014/main" id="{5532F8E8-F482-C44F-B665-F7461809028E}"/>
+              </a:ext>
+            </a:extLst>
+          </p:cNvPr>
+          <p:cNvSpPr>
+            <a:spLocks noGrp="1"/>
+          </p:cNvSpPr>
+          <p:nvPr>
+            <p:ph type="title"/>
+          </p:nvPr>
+        </p:nvSpPr>
+        <p:spPr/>
+        <p:txBody>
+          <a:bodyPr/>
+          <a:lstStyle/>
+          <a:p>
+            <a:r>
+              <a:rPr lang="en-US" dirty="0"/>
+              <a:t>Overview</a:t>
+            </a:r>
+          </a:p>
+        </p:txBody>
+      </p:sp>
+      <p:sp>
+        <p:nvSpPr>
+          <p:cNvPr id="3" name="Content Placeholder 2">
+            <a:extLst>
+              <a:ext uri="{FF2B5EF4-FFF2-40B4-BE49-F238E27FC236}">
+                <a16:creationId xmlns:a16="http://schemas.microsoft.com/office/drawing/2014/main" id="{D74B3917-BBAD-C04F-AAA5-055D21AC0A3E}"/>
+              </a:ext>
+            </a:extLst>
+          </p:cNvPr>
+          <p:cNvSpPr>
+            <a:spLocks noGrp="1"/>
+          </p:cNvSpPr>
+          <p:nvPr>
+            <p:ph idx="1"/>
+          </p:nvPr>
+        </p:nvSpPr>
+        <p:spPr/>
+        <p:txBody>
+          <a:bodyPr/>
+          <a:lstStyle/>
+          <a:p>
+            <a:r>
+              <a:rPr lang="en-US" dirty="0">
+                <a:solidFill>
+                  <a:schemeClr val="tx1">
+                    <a:lumMod val="65000"/>
+                  </a:schemeClr>
+                </a:solidFill>
+              </a:rPr>
+              <a:t>Motivation</a:t>
+            </a:r>
+          </a:p>
+          <a:p>
+            <a:r>
+              <a:rPr lang="en-US" dirty="0">
+                <a:solidFill>
+                  <a:schemeClr val="tx1">
+                    <a:lumMod val="65000"/>
+                  </a:schemeClr>
+                </a:solidFill>
+              </a:rPr>
+              <a:t>Problem</a:t>
+            </a:r>
+          </a:p>
+          <a:p>
+            <a:r>
+              <a:rPr lang="en-US" dirty="0">
+                <a:solidFill>
+                  <a:schemeClr val="tx1">
+                    <a:lumMod val="65000"/>
+                  </a:schemeClr>
+                </a:solidFill>
+              </a:rPr>
+              <a:t>Preliminary Work</a:t>
+            </a:r>
+          </a:p>
+          <a:p>
+            <a:r>
+              <a:rPr lang="en-US" dirty="0">
+                <a:solidFill>
+                  <a:schemeClr val="tx1">
+                    <a:lumMod val="65000"/>
+                  </a:schemeClr>
+                </a:solidFill>
+              </a:rPr>
+              <a:t>Related Work</a:t>
+            </a:r>
+          </a:p>
+          <a:p>
+            <a:r>
+              <a:rPr lang="en-US" dirty="0">
+                <a:solidFill>
+                  <a:schemeClr val="tx1">
+                    <a:lumMod val="65000"/>
+                  </a:schemeClr>
+                </a:solidFill>
+              </a:rPr>
+              <a:t>Protocol Design</a:t>
+            </a:r>
+          </a:p>
+          <a:p>
+            <a:r>
+              <a:rPr lang="en-US" dirty="0"/>
+              <a:t>Architecture &amp; Implementation</a:t>
+            </a:r>
+          </a:p>
+          <a:p>
+            <a:r>
+              <a:rPr lang="en-US" dirty="0">
+                <a:solidFill>
+                  <a:schemeClr val="tx1">
+                    <a:lumMod val="65000"/>
+                  </a:schemeClr>
+                </a:solidFill>
+              </a:rPr>
+              <a:t>Testing &amp; Analysis</a:t>
+            </a:r>
+          </a:p>
+          <a:p>
+            <a:r>
+              <a:rPr lang="en-US" dirty="0">
+                <a:solidFill>
+                  <a:schemeClr val="tx1">
+                    <a:lumMod val="65000"/>
+                  </a:schemeClr>
+                </a:solidFill>
+              </a:rPr>
+              <a:t>Challenges &amp; Future Work</a:t>
+            </a:r>
+          </a:p>
+        </p:txBody>
+      </p:sp>
+    </p:spTree>
+    <p:extLst>
+      <p:ext uri="{BB962C8B-B14F-4D97-AF65-F5344CB8AC3E}">
+        <p14:creationId xmlns:p14="http://schemas.microsoft.com/office/powerpoint/2010/main" val="1698552307"/>
+      </p:ext>
+    </p:extLst>
+  </p:cSld>
+  <p:clrMapOvr>
+    <a:masterClrMapping/>
+  </p:clrMapOvr>
+</p:sld>
+</file>
+
+<file path=ppt/slides/slide51.xml><?xml version="1.0" encoding="utf-8"?>
+<p:sld xmlns:a="http://schemas.openxmlformats.org/drawingml/2006/main" xmlns:r="http://schemas.openxmlformats.org/officeDocument/2006/relationships" xmlns:p="http://schemas.openxmlformats.org/presentationml/2006/main">
+  <p:cSld>
+    <p:spTree>
+      <p:nvGrpSpPr>
+        <p:cNvPr id="1" name=""/>
+        <p:cNvGrpSpPr/>
+        <p:nvPr/>
+      </p:nvGrpSpPr>
+      <p:grpSpPr>
+        <a:xfrm>
+          <a:off x="0" y="0"/>
+          <a:ext cx="0" cy="0"/>
+          <a:chOff x="0" y="0"/>
+          <a:chExt cx="0" cy="0"/>
+        </a:xfrm>
+      </p:grpSpPr>
+      <p:sp>
+        <p:nvSpPr>
+          <p:cNvPr id="2" name="Title 1">
+            <a:extLst>
+              <a:ext uri="{FF2B5EF4-FFF2-40B4-BE49-F238E27FC236}">
+                <a16:creationId xmlns:a16="http://schemas.microsoft.com/office/drawing/2014/main" id="{8C3B7BFE-1866-D14D-B139-B841E1DD0E2F}"/>
+              </a:ext>
+            </a:extLst>
+          </p:cNvPr>
+          <p:cNvSpPr>
+            <a:spLocks noGrp="1"/>
+          </p:cNvSpPr>
+          <p:nvPr>
+            <p:ph type="title"/>
+          </p:nvPr>
+        </p:nvSpPr>
+        <p:spPr/>
+        <p:txBody>
+          <a:bodyPr/>
+          <a:lstStyle/>
+          <a:p>
+            <a:r>
+              <a:rPr lang="en-US" dirty="0"/>
+              <a:t>Architecture &amp; Implementation</a:t>
+            </a:r>
+          </a:p>
+        </p:txBody>
+      </p:sp>
+      <p:sp>
+        <p:nvSpPr>
+          <p:cNvPr id="3" name="Content Placeholder 2">
+            <a:extLst>
+              <a:ext uri="{FF2B5EF4-FFF2-40B4-BE49-F238E27FC236}">
+                <a16:creationId xmlns:a16="http://schemas.microsoft.com/office/drawing/2014/main" id="{3B012262-3EB0-0E4B-B58E-69BBF0ADB18F}"/>
+              </a:ext>
+            </a:extLst>
+          </p:cNvPr>
+          <p:cNvSpPr>
+            <a:spLocks noGrp="1"/>
+          </p:cNvSpPr>
+          <p:nvPr>
+            <p:ph idx="1"/>
+          </p:nvPr>
+        </p:nvSpPr>
+        <p:spPr/>
+        <p:txBody>
+          <a:bodyPr/>
+          <a:lstStyle/>
+          <a:p>
+            <a:r>
+              <a:rPr lang="en-US" dirty="0"/>
+              <a:t>MCDTP Implementation (</a:t>
+            </a:r>
+            <a:r>
+              <a:rPr lang="en-US" dirty="0" err="1"/>
+              <a:t>MCDTPi</a:t>
+            </a:r>
+            <a:r>
+              <a:rPr lang="en-US" dirty="0"/>
+              <a:t>) Architecture</a:t>
+            </a:r>
+          </a:p>
+          <a:p>
+            <a:pPr lvl="1"/>
+            <a:r>
+              <a:rPr lang="en-US" dirty="0"/>
+              <a:t>Modular</a:t>
+            </a:r>
+          </a:p>
+          <a:p>
+            <a:pPr lvl="1"/>
+            <a:r>
+              <a:rPr lang="en-US" dirty="0"/>
+              <a:t>Asynchronous</a:t>
+            </a:r>
+          </a:p>
+        </p:txBody>
+      </p:sp>
+    </p:spTree>
+    <p:extLst>
+      <p:ext uri="{BB962C8B-B14F-4D97-AF65-F5344CB8AC3E}">
+        <p14:creationId xmlns:p14="http://schemas.microsoft.com/office/powerpoint/2010/main" val="1723033220"/>
+      </p:ext>
+    </p:extLst>
+  </p:cSld>
+  <p:clrMapOvr>
+    <a:masterClrMapping/>
+  </p:clrMapOvr>
+</p:sld>
+</file>
+
+<file path=ppt/slides/slide52.xml><?xml version="1.0" encoding="utf-8"?>
+<p:sld xmlns:a="http://schemas.openxmlformats.org/drawingml/2006/main" xmlns:r="http://schemas.openxmlformats.org/officeDocument/2006/relationships" xmlns:p="http://schemas.openxmlformats.org/presentationml/2006/main">
+  <p:cSld>
+    <p:spTree>
+      <p:nvGrpSpPr>
+        <p:cNvPr id="1" name=""/>
+        <p:cNvGrpSpPr/>
+        <p:nvPr/>
+      </p:nvGrpSpPr>
+      <p:grpSpPr>
+        <a:xfrm>
+          <a:off x="0" y="0"/>
+          <a:ext cx="0" cy="0"/>
+          <a:chOff x="0" y="0"/>
+          <a:chExt cx="0" cy="0"/>
+        </a:xfrm>
+      </p:grpSpPr>
+      <p:sp>
+        <p:nvSpPr>
+          <p:cNvPr id="2" name="Title 1">
+            <a:extLst>
+              <a:ext uri="{FF2B5EF4-FFF2-40B4-BE49-F238E27FC236}">
+                <a16:creationId xmlns:a16="http://schemas.microsoft.com/office/drawing/2014/main" id="{8C3B7BFE-1866-D14D-B139-B841E1DD0E2F}"/>
+              </a:ext>
+            </a:extLst>
+          </p:cNvPr>
+          <p:cNvSpPr>
+            <a:spLocks noGrp="1"/>
+          </p:cNvSpPr>
+          <p:nvPr>
+            <p:ph type="title"/>
+          </p:nvPr>
+        </p:nvSpPr>
+        <p:spPr/>
+        <p:txBody>
+          <a:bodyPr/>
+          <a:lstStyle/>
+          <a:p>
+            <a:r>
+              <a:rPr lang="en-US" dirty="0"/>
+              <a:t>Architecture &amp; Implementation</a:t>
+            </a:r>
+          </a:p>
+        </p:txBody>
+      </p:sp>
+      <p:sp>
+        <p:nvSpPr>
+          <p:cNvPr id="3" name="Content Placeholder 2">
+            <a:extLst>
+              <a:ext uri="{FF2B5EF4-FFF2-40B4-BE49-F238E27FC236}">
+                <a16:creationId xmlns:a16="http://schemas.microsoft.com/office/drawing/2014/main" id="{3B012262-3EB0-0E4B-B58E-69BBF0ADB18F}"/>
+              </a:ext>
+            </a:extLst>
+          </p:cNvPr>
+          <p:cNvSpPr>
+            <a:spLocks noGrp="1"/>
+          </p:cNvSpPr>
+          <p:nvPr>
+            <p:ph idx="1"/>
+          </p:nvPr>
+        </p:nvSpPr>
+        <p:spPr/>
+        <p:txBody>
+          <a:bodyPr/>
+          <a:lstStyle/>
+          <a:p>
+            <a:r>
+              <a:rPr lang="en-US" dirty="0"/>
+              <a:t>MCDTP Implementation (</a:t>
+            </a:r>
+            <a:r>
+              <a:rPr lang="en-US" dirty="0" err="1"/>
+              <a:t>MCDTPi</a:t>
+            </a:r>
+            <a:r>
+              <a:rPr lang="en-US" dirty="0"/>
+              <a:t>) Architecture</a:t>
+            </a:r>
+          </a:p>
+          <a:p>
+            <a:pPr lvl="1"/>
+            <a:r>
+              <a:rPr lang="en-US" dirty="0"/>
+              <a:t>Modular</a:t>
+            </a:r>
+          </a:p>
+          <a:p>
+            <a:pPr lvl="1"/>
+            <a:r>
+              <a:rPr lang="en-US" dirty="0">
+                <a:solidFill>
+                  <a:schemeClr val="tx1">
+                    <a:lumMod val="65000"/>
+                  </a:schemeClr>
+                </a:solidFill>
+              </a:rPr>
+              <a:t>Asynchronous</a:t>
+            </a:r>
+          </a:p>
+        </p:txBody>
+      </p:sp>
+    </p:spTree>
+    <p:extLst>
+      <p:ext uri="{BB962C8B-B14F-4D97-AF65-F5344CB8AC3E}">
+        <p14:creationId xmlns:p14="http://schemas.microsoft.com/office/powerpoint/2010/main" val="235419577"/>
+      </p:ext>
+    </p:extLst>
+  </p:cSld>
+  <p:clrMapOvr>
+    <a:masterClrMapping/>
+  </p:clrMapOvr>
+</p:sld>
+</file>
+
 <file path=ppt/slides/slide53.xml><?xml version="1.0" encoding="utf-8"?>
 <p:sld xmlns:a="http://schemas.openxmlformats.org/drawingml/2006/main" xmlns:r="http://schemas.openxmlformats.org/officeDocument/2006/relationships" xmlns:p="http://schemas.openxmlformats.org/presentationml/2006/main">
   <p:cSld>
@@ -12755,7 +11272,7 @@
           <p:cNvPr id="2" name="Title 1">
             <a:extLst>
               <a:ext uri="{FF2B5EF4-FFF2-40B4-BE49-F238E27FC236}">
-                <a16:creationId xmlns:a16="http://schemas.microsoft.com/office/drawing/2014/main" id="{5532F8E8-F482-C44F-B665-F7461809028E}"/>
+                <a16:creationId xmlns:a16="http://schemas.microsoft.com/office/drawing/2014/main" id="{820E8712-BA42-D349-AC9A-716F022B5AB8}"/>
               </a:ext>
             </a:extLst>
           </p:cNvPr>
@@ -12773,127 +11290,43 @@
           <a:p>
             <a:r>
               <a:rPr lang="en-US" dirty="0"/>
-              <a:t>Overview</a:t>
-            </a:r>
-          </a:p>
-        </p:txBody>
-      </p:sp>
-      <p:sp>
-        <p:nvSpPr>
-          <p:cNvPr id="3" name="Content Placeholder 2">
-            <a:extLst>
-              <a:ext uri="{FF2B5EF4-FFF2-40B4-BE49-F238E27FC236}">
-                <a16:creationId xmlns:a16="http://schemas.microsoft.com/office/drawing/2014/main" id="{D74B3917-BBAD-C04F-AAA5-055D21AC0A3E}"/>
-              </a:ext>
-            </a:extLst>
-          </p:cNvPr>
-          <p:cNvSpPr>
-            <a:spLocks noGrp="1"/>
-          </p:cNvSpPr>
+              <a:t>Architecture &amp; Implementation</a:t>
+            </a:r>
+          </a:p>
+        </p:txBody>
+      </p:sp>
+      <p:pic>
+        <p:nvPicPr>
+          <p:cNvPr id="5" name="Content Placeholder 4">
+            <a:extLst>
+              <a:ext uri="{FF2B5EF4-FFF2-40B4-BE49-F238E27FC236}">
+                <a16:creationId xmlns:a16="http://schemas.microsoft.com/office/drawing/2014/main" id="{3C6918C3-1FA1-E648-BBAB-91A87DEA7D3B}"/>
+              </a:ext>
+            </a:extLst>
+          </p:cNvPr>
+          <p:cNvPicPr>
+            <a:picLocks noGrp="1" noChangeAspect="1"/>
+          </p:cNvPicPr>
           <p:nvPr>
             <p:ph idx="1"/>
           </p:nvPr>
-        </p:nvSpPr>
-        <p:spPr/>
-        <p:txBody>
-          <a:bodyPr/>
-          <a:lstStyle/>
-          <a:p>
-            <a:r>
-              <a:rPr lang="en-US" dirty="0">
-                <a:solidFill>
-                  <a:schemeClr val="tx1">
-                    <a:lumMod val="65000"/>
-                  </a:schemeClr>
-                </a:solidFill>
-              </a:rPr>
-              <a:t>Motivation</a:t>
-            </a:r>
-          </a:p>
-          <a:p>
-            <a:r>
-              <a:rPr lang="en-US" dirty="0">
-                <a:solidFill>
-                  <a:schemeClr val="tx1">
-                    <a:lumMod val="65000"/>
-                  </a:schemeClr>
-                </a:solidFill>
-              </a:rPr>
-              <a:t>Problem</a:t>
-            </a:r>
-          </a:p>
-          <a:p>
-            <a:r>
-              <a:rPr lang="en-US" dirty="0">
-                <a:solidFill>
-                  <a:schemeClr val="tx1">
-                    <a:lumMod val="65000"/>
-                  </a:schemeClr>
-                </a:solidFill>
-              </a:rPr>
-              <a:t>Preliminary Work</a:t>
-            </a:r>
-          </a:p>
-          <a:p>
-            <a:r>
-              <a:rPr lang="en-US" dirty="0">
-                <a:solidFill>
-                  <a:schemeClr val="tx1">
-                    <a:lumMod val="65000"/>
-                  </a:schemeClr>
-                </a:solidFill>
-              </a:rPr>
-              <a:t>Related Work</a:t>
-            </a:r>
-          </a:p>
-          <a:p>
-            <a:r>
-              <a:rPr lang="en-US" dirty="0">
-                <a:solidFill>
-                  <a:schemeClr val="tx1">
-                    <a:lumMod val="65000"/>
-                  </a:schemeClr>
-                </a:solidFill>
-              </a:rPr>
-              <a:t>Protocol Design</a:t>
-            </a:r>
-          </a:p>
-          <a:p>
-            <a:r>
-              <a:rPr lang="en-US" dirty="0"/>
-              <a:t>Architecture &amp; Implementation</a:t>
-            </a:r>
-          </a:p>
-          <a:p>
-            <a:r>
-              <a:rPr lang="en-US" dirty="0">
-                <a:solidFill>
-                  <a:schemeClr val="tx1">
-                    <a:lumMod val="65000"/>
-                  </a:schemeClr>
-                </a:solidFill>
-              </a:rPr>
-              <a:t>Testing &amp; Analysis</a:t>
-            </a:r>
-          </a:p>
-          <a:p>
-            <a:r>
-              <a:rPr lang="en-US" dirty="0">
-                <a:solidFill>
-                  <a:schemeClr val="tx1">
-                    <a:lumMod val="65000"/>
-                  </a:schemeClr>
-                </a:solidFill>
-              </a:rPr>
-              <a:t>Challenges &amp; Future Work</a:t>
-            </a:r>
-          </a:p>
-        </p:txBody>
-      </p:sp>
+        </p:nvPicPr>
+        <p:blipFill rotWithShape="1">
+          <a:blip r:embed="rId2"/>
+          <a:srcRect t="28931"/>
+          <a:stretch/>
+        </p:blipFill>
+        <p:spPr>
+          <a:xfrm>
+            <a:off x="1981082" y="2791753"/>
+            <a:ext cx="8308321" cy="3426486"/>
+          </a:xfrm>
+        </p:spPr>
+      </p:pic>
     </p:spTree>
     <p:extLst>
       <p:ext uri="{BB962C8B-B14F-4D97-AF65-F5344CB8AC3E}">
-        <p14:creationId xmlns:p14="http://schemas.microsoft.com/office/powerpoint/2010/main" val="1698552307"/>
+        <p14:creationId xmlns:p14="http://schemas.microsoft.com/office/powerpoint/2010/main" val="962488400"/>
       </p:ext>
     </p:extLst>
   </p:cSld>
@@ -12925,7 +11358,7 @@
           <p:cNvPr id="2" name="Title 1">
             <a:extLst>
               <a:ext uri="{FF2B5EF4-FFF2-40B4-BE49-F238E27FC236}">
-                <a16:creationId xmlns:a16="http://schemas.microsoft.com/office/drawing/2014/main" id="{8C3B7BFE-1866-D14D-B139-B841E1DD0E2F}"/>
+                <a16:creationId xmlns:a16="http://schemas.microsoft.com/office/drawing/2014/main" id="{FB3DD0FC-38E6-874C-BDFC-C49FF4FF2B93}"/>
               </a:ext>
             </a:extLst>
           </p:cNvPr>
@@ -12950,58 +11383,69 @@
       </p:sp>
       <p:sp>
         <p:nvSpPr>
-          <p:cNvPr id="3" name="Content Placeholder 2">
-            <a:extLst>
-              <a:ext uri="{FF2B5EF4-FFF2-40B4-BE49-F238E27FC236}">
-                <a16:creationId xmlns:a16="http://schemas.microsoft.com/office/drawing/2014/main" id="{3B012262-3EB0-0E4B-B58E-69BBF0ADB18F}"/>
-              </a:ext>
-            </a:extLst>
-          </p:cNvPr>
-          <p:cNvSpPr>
-            <a:spLocks noGrp="1"/>
-          </p:cNvSpPr>
-          <p:nvPr>
-            <p:ph idx="1"/>
-          </p:nvPr>
-        </p:nvSpPr>
-        <p:spPr/>
-        <p:txBody>
-          <a:bodyPr/>
-          <a:lstStyle/>
-          <a:p>
-            <a:r>
-              <a:rPr lang="en-US" dirty="0"/>
-              <a:t>MCDTP Implementation (</a:t>
-            </a:r>
-            <a:r>
-              <a:rPr lang="en-US" dirty="0" err="1"/>
-              <a:t>MCDTPi</a:t>
-            </a:r>
-            <a:r>
-              <a:rPr lang="en-US" dirty="0"/>
-              <a:t>) Architecture</a:t>
-            </a:r>
-          </a:p>
-          <a:p>
-            <a:pPr lvl="1"/>
-            <a:r>
-              <a:rPr lang="en-US" dirty="0"/>
-              <a:t>Modular</a:t>
-            </a:r>
-          </a:p>
-          <a:p>
-            <a:pPr lvl="1"/>
-            <a:r>
-              <a:rPr lang="en-US" dirty="0"/>
-              <a:t>Asynchronous</a:t>
-            </a:r>
-          </a:p>
-        </p:txBody>
-      </p:sp>
+          <p:cNvPr id="5" name="Text Placeholder 4">
+            <a:extLst>
+              <a:ext uri="{FF2B5EF4-FFF2-40B4-BE49-F238E27FC236}">
+                <a16:creationId xmlns:a16="http://schemas.microsoft.com/office/drawing/2014/main" id="{360E8AE2-BC3B-7A4D-88D7-C4D154203F22}"/>
+              </a:ext>
+            </a:extLst>
+          </p:cNvPr>
+          <p:cNvSpPr>
+            <a:spLocks noGrp="1"/>
+          </p:cNvSpPr>
+          <p:nvPr>
+            <p:ph type="body" sz="quarter" idx="3"/>
+          </p:nvPr>
+        </p:nvSpPr>
+        <p:spPr>
+          <a:xfrm>
+            <a:off x="1189529" y="2183802"/>
+            <a:ext cx="10316671" cy="823912"/>
+          </a:xfrm>
+        </p:spPr>
+        <p:txBody>
+          <a:bodyPr/>
+          <a:lstStyle/>
+          <a:p>
+            <a:r>
+              <a:rPr lang="en-US" dirty="0"/>
+              <a:t>Helper Modules</a:t>
+            </a:r>
+          </a:p>
+        </p:txBody>
+      </p:sp>
+      <p:pic>
+        <p:nvPicPr>
+          <p:cNvPr id="8" name="Content Placeholder 7">
+            <a:extLst>
+              <a:ext uri="{FF2B5EF4-FFF2-40B4-BE49-F238E27FC236}">
+                <a16:creationId xmlns:a16="http://schemas.microsoft.com/office/drawing/2014/main" id="{AAA22234-A1D4-B441-BDC9-CFE87A60485C}"/>
+              </a:ext>
+            </a:extLst>
+          </p:cNvPr>
+          <p:cNvPicPr>
+            <a:picLocks noGrp="1" noChangeAspect="1"/>
+          </p:cNvPicPr>
+          <p:nvPr>
+            <p:ph sz="quarter" idx="4"/>
+          </p:nvPr>
+        </p:nvPicPr>
+        <p:blipFill rotWithShape="1">
+          <a:blip r:embed="rId2"/>
+          <a:srcRect t="45346" b="-1"/>
+          <a:stretch/>
+        </p:blipFill>
+        <p:spPr>
+          <a:xfrm>
+            <a:off x="2569405" y="3867994"/>
+            <a:ext cx="6999649" cy="2350244"/>
+          </a:xfrm>
+        </p:spPr>
+      </p:pic>
     </p:spTree>
     <p:extLst>
       <p:ext uri="{BB962C8B-B14F-4D97-AF65-F5344CB8AC3E}">
-        <p14:creationId xmlns:p14="http://schemas.microsoft.com/office/powerpoint/2010/main" val="1723033220"/>
+        <p14:creationId xmlns:p14="http://schemas.microsoft.com/office/powerpoint/2010/main" val="3002694755"/>
       </p:ext>
     </p:extLst>
   </p:cSld>
@@ -13033,7 +11477,7 @@
           <p:cNvPr id="2" name="Title 1">
             <a:extLst>
               <a:ext uri="{FF2B5EF4-FFF2-40B4-BE49-F238E27FC236}">
-                <a16:creationId xmlns:a16="http://schemas.microsoft.com/office/drawing/2014/main" id="{8C3B7BFE-1866-D14D-B139-B841E1DD0E2F}"/>
+                <a16:creationId xmlns:a16="http://schemas.microsoft.com/office/drawing/2014/main" id="{820E8712-BA42-D349-AC9A-716F022B5AB8}"/>
               </a:ext>
             </a:extLst>
           </p:cNvPr>
@@ -13056,66 +11500,38 @@
           </a:p>
         </p:txBody>
       </p:sp>
-      <p:sp>
-        <p:nvSpPr>
-          <p:cNvPr id="3" name="Content Placeholder 2">
-            <a:extLst>
-              <a:ext uri="{FF2B5EF4-FFF2-40B4-BE49-F238E27FC236}">
-                <a16:creationId xmlns:a16="http://schemas.microsoft.com/office/drawing/2014/main" id="{3B012262-3EB0-0E4B-B58E-69BBF0ADB18F}"/>
-              </a:ext>
-            </a:extLst>
-          </p:cNvPr>
-          <p:cNvSpPr>
-            <a:spLocks noGrp="1"/>
-          </p:cNvSpPr>
+      <p:pic>
+        <p:nvPicPr>
+          <p:cNvPr id="5" name="Content Placeholder 4">
+            <a:extLst>
+              <a:ext uri="{FF2B5EF4-FFF2-40B4-BE49-F238E27FC236}">
+                <a16:creationId xmlns:a16="http://schemas.microsoft.com/office/drawing/2014/main" id="{3C6918C3-1FA1-E648-BBAB-91A87DEA7D3B}"/>
+              </a:ext>
+            </a:extLst>
+          </p:cNvPr>
+          <p:cNvPicPr>
+            <a:picLocks noGrp="1" noChangeAspect="1"/>
+          </p:cNvPicPr>
           <p:nvPr>
             <p:ph idx="1"/>
           </p:nvPr>
-        </p:nvSpPr>
-        <p:spPr/>
-        <p:txBody>
-          <a:bodyPr/>
-          <a:lstStyle/>
-          <a:p>
-            <a:r>
-              <a:rPr lang="en-US" dirty="0"/>
-              <a:t>MCDTP Implementation (</a:t>
-            </a:r>
-            <a:r>
-              <a:rPr lang="en-US" dirty="0" err="1"/>
-              <a:t>MCDTPi</a:t>
-            </a:r>
-            <a:r>
-              <a:rPr lang="en-US" dirty="0"/>
-              <a:t>) Architecture</a:t>
-            </a:r>
-          </a:p>
-          <a:p>
-            <a:pPr lvl="1"/>
-            <a:r>
-              <a:rPr lang="en-US" dirty="0"/>
-              <a:t>Modular</a:t>
-            </a:r>
-          </a:p>
-          <a:p>
-            <a:pPr lvl="1"/>
-            <a:r>
-              <a:rPr lang="en-US" dirty="0">
-                <a:solidFill>
-                  <a:schemeClr val="tx1">
-                    <a:lumMod val="65000"/>
-                  </a:schemeClr>
-                </a:solidFill>
-              </a:rPr>
-              <a:t>Asynchronous</a:t>
-            </a:r>
-          </a:p>
-        </p:txBody>
-      </p:sp>
+        </p:nvPicPr>
+        <p:blipFill rotWithShape="1">
+          <a:blip r:embed="rId2"/>
+          <a:srcRect t="28931"/>
+          <a:stretch/>
+        </p:blipFill>
+        <p:spPr>
+          <a:xfrm>
+            <a:off x="1981082" y="2791753"/>
+            <a:ext cx="8308321" cy="3426486"/>
+          </a:xfrm>
+        </p:spPr>
+      </p:pic>
     </p:spTree>
     <p:extLst>
       <p:ext uri="{BB962C8B-B14F-4D97-AF65-F5344CB8AC3E}">
-        <p14:creationId xmlns:p14="http://schemas.microsoft.com/office/powerpoint/2010/main" val="235419577"/>
+        <p14:creationId xmlns:p14="http://schemas.microsoft.com/office/powerpoint/2010/main" val="2268600366"/>
       </p:ext>
     </p:extLst>
   </p:cSld>
@@ -13147,7 +11563,7 @@
           <p:cNvPr id="2" name="Title 1">
             <a:extLst>
               <a:ext uri="{FF2B5EF4-FFF2-40B4-BE49-F238E27FC236}">
-                <a16:creationId xmlns:a16="http://schemas.microsoft.com/office/drawing/2014/main" id="{820E8712-BA42-D349-AC9A-716F022B5AB8}"/>
+                <a16:creationId xmlns:a16="http://schemas.microsoft.com/office/drawing/2014/main" id="{FFE699F6-1EEB-904B-A94B-33C3CB79416C}"/>
               </a:ext>
             </a:extLst>
           </p:cNvPr>
@@ -13175,7 +11591,7 @@
           <p:cNvPr id="5" name="Content Placeholder 4">
             <a:extLst>
               <a:ext uri="{FF2B5EF4-FFF2-40B4-BE49-F238E27FC236}">
-                <a16:creationId xmlns:a16="http://schemas.microsoft.com/office/drawing/2014/main" id="{3C6918C3-1FA1-E648-BBAB-91A87DEA7D3B}"/>
+                <a16:creationId xmlns:a16="http://schemas.microsoft.com/office/drawing/2014/main" id="{C1A4E6B7-93D8-3B46-9BC0-140CD9DB91C9}"/>
               </a:ext>
             </a:extLst>
           </p:cNvPr>
@@ -13188,20 +11604,20 @@
         </p:nvPicPr>
         <p:blipFill rotWithShape="1">
           <a:blip r:embed="rId2"/>
-          <a:srcRect t="28931"/>
+          <a:srcRect t="29534"/>
           <a:stretch/>
         </p:blipFill>
         <p:spPr>
           <a:xfrm>
-            <a:off x="1981082" y="2791753"/>
-            <a:ext cx="8308321" cy="3426486"/>
+            <a:off x="3366287" y="2439877"/>
+            <a:ext cx="5801295" cy="3778362"/>
           </a:xfrm>
         </p:spPr>
       </p:pic>
     </p:spTree>
     <p:extLst>
       <p:ext uri="{BB962C8B-B14F-4D97-AF65-F5344CB8AC3E}">
-        <p14:creationId xmlns:p14="http://schemas.microsoft.com/office/powerpoint/2010/main" val="962488400"/>
+        <p14:creationId xmlns:p14="http://schemas.microsoft.com/office/powerpoint/2010/main" val="3024475237"/>
       </p:ext>
     </p:extLst>
   </p:cSld>
@@ -13233,7 +11649,7 @@
           <p:cNvPr id="2" name="Title 1">
             <a:extLst>
               <a:ext uri="{FF2B5EF4-FFF2-40B4-BE49-F238E27FC236}">
-                <a16:creationId xmlns:a16="http://schemas.microsoft.com/office/drawing/2014/main" id="{FB3DD0FC-38E6-874C-BDFC-C49FF4FF2B93}"/>
+                <a16:creationId xmlns:a16="http://schemas.microsoft.com/office/drawing/2014/main" id="{60D31C1D-4F36-064A-AD55-618738B62C8A}"/>
               </a:ext>
             </a:extLst>
           </p:cNvPr>
@@ -13258,43 +11674,90 @@
       </p:sp>
       <p:sp>
         <p:nvSpPr>
-          <p:cNvPr id="5" name="Text Placeholder 4">
-            <a:extLst>
-              <a:ext uri="{FF2B5EF4-FFF2-40B4-BE49-F238E27FC236}">
-                <a16:creationId xmlns:a16="http://schemas.microsoft.com/office/drawing/2014/main" id="{360E8AE2-BC3B-7A4D-88D7-C4D154203F22}"/>
-              </a:ext>
-            </a:extLst>
-          </p:cNvPr>
-          <p:cNvSpPr>
-            <a:spLocks noGrp="1"/>
-          </p:cNvSpPr>
-          <p:nvPr>
-            <p:ph type="body" sz="quarter" idx="3"/>
-          </p:nvPr>
-        </p:nvSpPr>
-        <p:spPr>
-          <a:xfrm>
-            <a:off x="1189529" y="2183802"/>
-            <a:ext cx="10316671" cy="823912"/>
-          </a:xfrm>
-        </p:spPr>
-        <p:txBody>
-          <a:bodyPr/>
-          <a:lstStyle/>
-          <a:p>
-            <a:r>
-              <a:rPr lang="en-US" dirty="0"/>
-              <a:t>Helper Modules</a:t>
-            </a:r>
+          <p:cNvPr id="3" name="Content Placeholder 2">
+            <a:extLst>
+              <a:ext uri="{FF2B5EF4-FFF2-40B4-BE49-F238E27FC236}">
+                <a16:creationId xmlns:a16="http://schemas.microsoft.com/office/drawing/2014/main" id="{FB6FCA9F-7A4E-AB46-80A6-975743602F65}"/>
+              </a:ext>
+            </a:extLst>
+          </p:cNvPr>
+          <p:cNvSpPr>
+            <a:spLocks noGrp="1"/>
+          </p:cNvSpPr>
+          <p:nvPr>
+            <p:ph sz="half" idx="1"/>
+          </p:nvPr>
+        </p:nvSpPr>
+        <p:spPr/>
+        <p:txBody>
+          <a:bodyPr/>
+          <a:lstStyle/>
+          <a:p>
+            <a:r>
+              <a:rPr lang="en-US" dirty="0"/>
+              <a:t>Memory Mapped File Module</a:t>
+            </a:r>
+          </a:p>
+          <a:p>
+            <a:pPr lvl="1"/>
+            <a:r>
+              <a:rPr lang="en-US" dirty="0"/>
+              <a:t>Top layer in I/O module</a:t>
+            </a:r>
+          </a:p>
+          <a:p>
+            <a:pPr lvl="1"/>
+            <a:r>
+              <a:rPr lang="en-US" dirty="0"/>
+              <a:t>Based on .NET Framework data structure [9]</a:t>
+            </a:r>
+          </a:p>
+          <a:p>
+            <a:pPr lvl="1"/>
+            <a:r>
+              <a:rPr lang="en-US" dirty="0"/>
+              <a:t>Manages all partitions of a file</a:t>
+            </a:r>
+          </a:p>
+          <a:p>
+            <a:pPr lvl="1"/>
+            <a:r>
+              <a:rPr lang="en-US" dirty="0"/>
+              <a:t>Configurable</a:t>
+            </a:r>
+          </a:p>
+          <a:p>
+            <a:pPr lvl="2"/>
+            <a:r>
+              <a:rPr lang="en-US" dirty="0"/>
+              <a:t>Specify file to open</a:t>
+            </a:r>
+          </a:p>
+          <a:p>
+            <a:pPr lvl="2"/>
+            <a:r>
+              <a:rPr lang="en-US" dirty="0"/>
+              <a:t>Number of partitions to create</a:t>
+            </a:r>
+          </a:p>
+          <a:p>
+            <a:pPr lvl="2"/>
+            <a:r>
+              <a:rPr lang="en-US" dirty="0"/>
+              <a:t>Partition configuration</a:t>
+            </a:r>
+          </a:p>
+          <a:p>
+            <a:endParaRPr lang="en-US" dirty="0"/>
           </a:p>
         </p:txBody>
       </p:sp>
       <p:pic>
         <p:nvPicPr>
-          <p:cNvPr id="8" name="Content Placeholder 7">
-            <a:extLst>
-              <a:ext uri="{FF2B5EF4-FFF2-40B4-BE49-F238E27FC236}">
-                <a16:creationId xmlns:a16="http://schemas.microsoft.com/office/drawing/2014/main" id="{AAA22234-A1D4-B441-BDC9-CFE87A60485C}"/>
+          <p:cNvPr id="6" name="Content Placeholder 5">
+            <a:extLst>
+              <a:ext uri="{FF2B5EF4-FFF2-40B4-BE49-F238E27FC236}">
+                <a16:creationId xmlns:a16="http://schemas.microsoft.com/office/drawing/2014/main" id="{60EC7BD8-02D2-7F47-86C8-08EA5F7ABEA2}"/>
               </a:ext>
             </a:extLst>
           </p:cNvPr>
@@ -13302,25 +11765,25 @@
             <a:picLocks noGrp="1" noChangeAspect="1"/>
           </p:cNvPicPr>
           <p:nvPr>
-            <p:ph sz="quarter" idx="4"/>
+            <p:ph sz="half" idx="2"/>
           </p:nvPr>
         </p:nvPicPr>
         <p:blipFill rotWithShape="1">
           <a:blip r:embed="rId2"/>
-          <a:srcRect t="45346" b="-1"/>
+          <a:srcRect t="29879"/>
           <a:stretch/>
         </p:blipFill>
         <p:spPr>
           <a:xfrm>
-            <a:off x="2569405" y="3867994"/>
-            <a:ext cx="6999649" cy="2350244"/>
+            <a:off x="6662182" y="2464525"/>
+            <a:ext cx="4354036" cy="2821895"/>
           </a:xfrm>
         </p:spPr>
       </p:pic>
     </p:spTree>
     <p:extLst>
       <p:ext uri="{BB962C8B-B14F-4D97-AF65-F5344CB8AC3E}">
-        <p14:creationId xmlns:p14="http://schemas.microsoft.com/office/powerpoint/2010/main" val="3002694755"/>
+        <p14:creationId xmlns:p14="http://schemas.microsoft.com/office/powerpoint/2010/main" val="3784950974"/>
       </p:ext>
     </p:extLst>
   </p:cSld>
@@ -13352,7 +11815,7 @@
           <p:cNvPr id="2" name="Title 1">
             <a:extLst>
               <a:ext uri="{FF2B5EF4-FFF2-40B4-BE49-F238E27FC236}">
-                <a16:creationId xmlns:a16="http://schemas.microsoft.com/office/drawing/2014/main" id="{820E8712-BA42-D349-AC9A-716F022B5AB8}"/>
+                <a16:creationId xmlns:a16="http://schemas.microsoft.com/office/drawing/2014/main" id="{60D31C1D-4F36-064A-AD55-618738B62C8A}"/>
               </a:ext>
             </a:extLst>
           </p:cNvPr>
@@ -13372,15 +11835,88 @@
               <a:rPr lang="en-US" dirty="0"/>
               <a:t>Architecture &amp; Implementation</a:t>
             </a:r>
+          </a:p>
+        </p:txBody>
+      </p:sp>
+      <p:sp>
+        <p:nvSpPr>
+          <p:cNvPr id="3" name="Content Placeholder 2">
+            <a:extLst>
+              <a:ext uri="{FF2B5EF4-FFF2-40B4-BE49-F238E27FC236}">
+                <a16:creationId xmlns:a16="http://schemas.microsoft.com/office/drawing/2014/main" id="{FB6FCA9F-7A4E-AB46-80A6-975743602F65}"/>
+              </a:ext>
+            </a:extLst>
+          </p:cNvPr>
+          <p:cNvSpPr>
+            <a:spLocks noGrp="1"/>
+          </p:cNvSpPr>
+          <p:nvPr>
+            <p:ph sz="half" idx="1"/>
+          </p:nvPr>
+        </p:nvSpPr>
+        <p:spPr/>
+        <p:txBody>
+          <a:bodyPr/>
+          <a:lstStyle/>
+          <a:p>
+            <a:r>
+              <a:rPr lang="en-US" dirty="0"/>
+              <a:t>Partition Module</a:t>
+            </a:r>
+          </a:p>
+          <a:p>
+            <a:pPr lvl="1"/>
+            <a:r>
+              <a:rPr lang="en-US" dirty="0"/>
+              <a:t>Represents a segment of a file</a:t>
+            </a:r>
+          </a:p>
+          <a:p>
+            <a:pPr lvl="1"/>
+            <a:r>
+              <a:rPr lang="en-US" dirty="0"/>
+              <a:t>Manages file pointer and buffer</a:t>
+            </a:r>
+          </a:p>
+          <a:p>
+            <a:pPr lvl="1"/>
+            <a:r>
+              <a:rPr lang="en-US" dirty="0"/>
+              <a:t>File access is read or write only</a:t>
+            </a:r>
+          </a:p>
+          <a:p>
+            <a:pPr lvl="1"/>
+            <a:r>
+              <a:rPr lang="en-US" dirty="0"/>
+              <a:t>Configurable</a:t>
+            </a:r>
+          </a:p>
+          <a:p>
+            <a:pPr lvl="2"/>
+            <a:r>
+              <a:rPr lang="en-US" dirty="0"/>
+              <a:t>Minimum buffer size before reading more data</a:t>
+            </a:r>
+          </a:p>
+          <a:p>
+            <a:pPr lvl="2"/>
+            <a:r>
+              <a:rPr lang="en-US" dirty="0"/>
+              <a:t>Maximum buffer size before flushing to disk</a:t>
+            </a:r>
+          </a:p>
+          <a:p>
+            <a:endParaRPr lang="en-US" dirty="0"/>
           </a:p>
         </p:txBody>
       </p:sp>
       <p:pic>
         <p:nvPicPr>
-          <p:cNvPr id="5" name="Content Placeholder 4">
-            <a:extLst>
-              <a:ext uri="{FF2B5EF4-FFF2-40B4-BE49-F238E27FC236}">
-                <a16:creationId xmlns:a16="http://schemas.microsoft.com/office/drawing/2014/main" id="{3C6918C3-1FA1-E648-BBAB-91A87DEA7D3B}"/>
+          <p:cNvPr id="6" name="Content Placeholder 5">
+            <a:extLst>
+              <a:ext uri="{FF2B5EF4-FFF2-40B4-BE49-F238E27FC236}">
+                <a16:creationId xmlns:a16="http://schemas.microsoft.com/office/drawing/2014/main" id="{60EC7BD8-02D2-7F47-86C8-08EA5F7ABEA2}"/>
               </a:ext>
             </a:extLst>
           </p:cNvPr>
@@ -13388,25 +11924,25 @@
             <a:picLocks noGrp="1" noChangeAspect="1"/>
           </p:cNvPicPr>
           <p:nvPr>
-            <p:ph idx="1"/>
+            <p:ph sz="half" idx="2"/>
           </p:nvPr>
         </p:nvPicPr>
         <p:blipFill rotWithShape="1">
           <a:blip r:embed="rId2"/>
-          <a:srcRect t="28931"/>
+          <a:srcRect t="29879"/>
           <a:stretch/>
         </p:blipFill>
         <p:spPr>
           <a:xfrm>
-            <a:off x="1981082" y="2791753"/>
-            <a:ext cx="8308321" cy="3426486"/>
+            <a:off x="6662182" y="2464525"/>
+            <a:ext cx="4354036" cy="2821895"/>
           </a:xfrm>
         </p:spPr>
       </p:pic>
     </p:spTree>
     <p:extLst>
       <p:ext uri="{BB962C8B-B14F-4D97-AF65-F5344CB8AC3E}">
-        <p14:creationId xmlns:p14="http://schemas.microsoft.com/office/powerpoint/2010/main" val="2268600366"/>
+        <p14:creationId xmlns:p14="http://schemas.microsoft.com/office/powerpoint/2010/main" val="2403669487"/>
       </p:ext>
     </p:extLst>
   </p:cSld>
@@ -13438,7 +11974,7 @@
           <p:cNvPr id="2" name="Title 1">
             <a:extLst>
               <a:ext uri="{FF2B5EF4-FFF2-40B4-BE49-F238E27FC236}">
-                <a16:creationId xmlns:a16="http://schemas.microsoft.com/office/drawing/2014/main" id="{FFE699F6-1EEB-904B-A94B-33C3CB79416C}"/>
+                <a16:creationId xmlns:a16="http://schemas.microsoft.com/office/drawing/2014/main" id="{60D31C1D-4F36-064A-AD55-618738B62C8A}"/>
               </a:ext>
             </a:extLst>
           </p:cNvPr>
@@ -13458,15 +11994,60 @@
               <a:rPr lang="en-US" dirty="0"/>
               <a:t>Architecture &amp; Implementation</a:t>
             </a:r>
+          </a:p>
+        </p:txBody>
+      </p:sp>
+      <p:sp>
+        <p:nvSpPr>
+          <p:cNvPr id="3" name="Content Placeholder 2">
+            <a:extLst>
+              <a:ext uri="{FF2B5EF4-FFF2-40B4-BE49-F238E27FC236}">
+                <a16:creationId xmlns:a16="http://schemas.microsoft.com/office/drawing/2014/main" id="{FB6FCA9F-7A4E-AB46-80A6-975743602F65}"/>
+              </a:ext>
+            </a:extLst>
+          </p:cNvPr>
+          <p:cNvSpPr>
+            <a:spLocks noGrp="1"/>
+          </p:cNvSpPr>
+          <p:nvPr>
+            <p:ph sz="half" idx="1"/>
+          </p:nvPr>
+        </p:nvSpPr>
+        <p:spPr/>
+        <p:txBody>
+          <a:bodyPr/>
+          <a:lstStyle/>
+          <a:p>
+            <a:r>
+              <a:rPr lang="en-US" dirty="0"/>
+              <a:t>Memory Stream Module</a:t>
+            </a:r>
+          </a:p>
+          <a:p>
+            <a:pPr lvl="1"/>
+            <a:r>
+              <a:rPr lang="en-US" dirty="0"/>
+              <a:t>Based on .NET Framework data structure [9]</a:t>
+            </a:r>
+          </a:p>
+          <a:p>
+            <a:pPr lvl="1"/>
+            <a:r>
+              <a:rPr lang="en-US" dirty="0"/>
+              <a:t>Unbounded Capacity</a:t>
+            </a:r>
+          </a:p>
+          <a:p>
+            <a:endParaRPr lang="en-US" dirty="0"/>
           </a:p>
         </p:txBody>
       </p:sp>
       <p:pic>
         <p:nvPicPr>
-          <p:cNvPr id="5" name="Content Placeholder 4">
-            <a:extLst>
-              <a:ext uri="{FF2B5EF4-FFF2-40B4-BE49-F238E27FC236}">
-                <a16:creationId xmlns:a16="http://schemas.microsoft.com/office/drawing/2014/main" id="{C1A4E6B7-93D8-3B46-9BC0-140CD9DB91C9}"/>
+          <p:cNvPr id="6" name="Content Placeholder 5">
+            <a:extLst>
+              <a:ext uri="{FF2B5EF4-FFF2-40B4-BE49-F238E27FC236}">
+                <a16:creationId xmlns:a16="http://schemas.microsoft.com/office/drawing/2014/main" id="{60EC7BD8-02D2-7F47-86C8-08EA5F7ABEA2}"/>
               </a:ext>
             </a:extLst>
           </p:cNvPr>
@@ -13474,25 +12055,25 @@
             <a:picLocks noGrp="1" noChangeAspect="1"/>
           </p:cNvPicPr>
           <p:nvPr>
-            <p:ph idx="1"/>
+            <p:ph sz="half" idx="2"/>
           </p:nvPr>
         </p:nvPicPr>
         <p:blipFill rotWithShape="1">
           <a:blip r:embed="rId2"/>
-          <a:srcRect t="29534"/>
+          <a:srcRect t="29879"/>
           <a:stretch/>
         </p:blipFill>
         <p:spPr>
           <a:xfrm>
-            <a:off x="3366287" y="2439877"/>
-            <a:ext cx="5801295" cy="3778362"/>
+            <a:off x="6662182" y="2464525"/>
+            <a:ext cx="4354036" cy="2821895"/>
           </a:xfrm>
         </p:spPr>
       </p:pic>
     </p:spTree>
     <p:extLst>
       <p:ext uri="{BB962C8B-B14F-4D97-AF65-F5344CB8AC3E}">
-        <p14:creationId xmlns:p14="http://schemas.microsoft.com/office/powerpoint/2010/main" val="3024475237"/>
+        <p14:creationId xmlns:p14="http://schemas.microsoft.com/office/powerpoint/2010/main" val="2079845712"/>
       </p:ext>
     </p:extLst>
   </p:cSld>
@@ -13617,7 +12198,7 @@
           <p:cNvPr id="2" name="Title 1">
             <a:extLst>
               <a:ext uri="{FF2B5EF4-FFF2-40B4-BE49-F238E27FC236}">
-                <a16:creationId xmlns:a16="http://schemas.microsoft.com/office/drawing/2014/main" id="{60D31C1D-4F36-064A-AD55-618738B62C8A}"/>
+                <a16:creationId xmlns:a16="http://schemas.microsoft.com/office/drawing/2014/main" id="{E11A748C-9C6A-6C48-A9CA-B54860AF0348}"/>
               </a:ext>
             </a:extLst>
           </p:cNvPr>
@@ -13637,95 +12218,15 @@
               <a:rPr lang="en-US" dirty="0"/>
               <a:t>Architecture &amp; Implementation</a:t>
             </a:r>
-          </a:p>
-        </p:txBody>
-      </p:sp>
-      <p:sp>
-        <p:nvSpPr>
-          <p:cNvPr id="3" name="Content Placeholder 2">
-            <a:extLst>
-              <a:ext uri="{FF2B5EF4-FFF2-40B4-BE49-F238E27FC236}">
-                <a16:creationId xmlns:a16="http://schemas.microsoft.com/office/drawing/2014/main" id="{FB6FCA9F-7A4E-AB46-80A6-975743602F65}"/>
-              </a:ext>
-            </a:extLst>
-          </p:cNvPr>
-          <p:cNvSpPr>
-            <a:spLocks noGrp="1"/>
-          </p:cNvSpPr>
-          <p:nvPr>
-            <p:ph sz="half" idx="1"/>
-          </p:nvPr>
-        </p:nvSpPr>
-        <p:spPr/>
-        <p:txBody>
-          <a:bodyPr/>
-          <a:lstStyle/>
-          <a:p>
-            <a:r>
-              <a:rPr lang="en-US" dirty="0"/>
-              <a:t>Memory Mapped File Module</a:t>
-            </a:r>
-          </a:p>
-          <a:p>
-            <a:pPr lvl="1"/>
-            <a:r>
-              <a:rPr lang="en-US" dirty="0"/>
-              <a:t>Top layer in I/O module</a:t>
-            </a:r>
-          </a:p>
-          <a:p>
-            <a:pPr lvl="1"/>
-            <a:r>
-              <a:rPr lang="en-US" dirty="0"/>
-              <a:t>Based on .NET Framework data structure [9]</a:t>
-            </a:r>
-          </a:p>
-          <a:p>
-            <a:pPr lvl="1"/>
-            <a:r>
-              <a:rPr lang="en-US" dirty="0"/>
-              <a:t>Manages all partitions of a file</a:t>
-            </a:r>
-          </a:p>
-          <a:p>
-            <a:pPr lvl="1"/>
-            <a:r>
-              <a:rPr lang="en-US" dirty="0"/>
-              <a:t>Configurable</a:t>
-            </a:r>
-          </a:p>
-          <a:p>
-            <a:pPr lvl="2"/>
-            <a:r>
-              <a:rPr lang="en-US" dirty="0"/>
-              <a:t>Specify file to open</a:t>
-            </a:r>
-          </a:p>
-          <a:p>
-            <a:pPr lvl="2"/>
-            <a:r>
-              <a:rPr lang="en-US" dirty="0"/>
-              <a:t>Number of partitions to create</a:t>
-            </a:r>
-          </a:p>
-          <a:p>
-            <a:pPr lvl="2"/>
-            <a:r>
-              <a:rPr lang="en-US" dirty="0"/>
-              <a:t>Partition configuration</a:t>
-            </a:r>
-          </a:p>
-          <a:p>
-            <a:endParaRPr lang="en-US" dirty="0"/>
           </a:p>
         </p:txBody>
       </p:sp>
       <p:pic>
         <p:nvPicPr>
-          <p:cNvPr id="6" name="Content Placeholder 5">
-            <a:extLst>
-              <a:ext uri="{FF2B5EF4-FFF2-40B4-BE49-F238E27FC236}">
-                <a16:creationId xmlns:a16="http://schemas.microsoft.com/office/drawing/2014/main" id="{60EC7BD8-02D2-7F47-86C8-08EA5F7ABEA2}"/>
+          <p:cNvPr id="5" name="Content Placeholder 4">
+            <a:extLst>
+              <a:ext uri="{FF2B5EF4-FFF2-40B4-BE49-F238E27FC236}">
+                <a16:creationId xmlns:a16="http://schemas.microsoft.com/office/drawing/2014/main" id="{E9C1881A-844A-E341-A37F-727B7D3C3E6D}"/>
               </a:ext>
             </a:extLst>
           </p:cNvPr>
@@ -13733,25 +12234,25 @@
             <a:picLocks noGrp="1" noChangeAspect="1"/>
           </p:cNvPicPr>
           <p:nvPr>
-            <p:ph sz="half" idx="2"/>
+            <p:ph idx="1"/>
           </p:nvPr>
         </p:nvPicPr>
         <p:blipFill rotWithShape="1">
           <a:blip r:embed="rId2"/>
-          <a:srcRect t="29879"/>
+          <a:srcRect t="30312"/>
           <a:stretch/>
         </p:blipFill>
         <p:spPr>
           <a:xfrm>
-            <a:off x="6662182" y="2464525"/>
-            <a:ext cx="4354036" cy="2821895"/>
+            <a:off x="2410404" y="2708367"/>
+            <a:ext cx="6908388" cy="3509872"/>
           </a:xfrm>
         </p:spPr>
       </p:pic>
     </p:spTree>
     <p:extLst>
       <p:ext uri="{BB962C8B-B14F-4D97-AF65-F5344CB8AC3E}">
-        <p14:creationId xmlns:p14="http://schemas.microsoft.com/office/powerpoint/2010/main" val="3784950974"/>
+        <p14:creationId xmlns:p14="http://schemas.microsoft.com/office/powerpoint/2010/main" val="4285748626"/>
       </p:ext>
     </p:extLst>
   </p:cSld>
@@ -13783,7 +12284,7 @@
           <p:cNvPr id="2" name="Title 1">
             <a:extLst>
               <a:ext uri="{FF2B5EF4-FFF2-40B4-BE49-F238E27FC236}">
-                <a16:creationId xmlns:a16="http://schemas.microsoft.com/office/drawing/2014/main" id="{60D31C1D-4F36-064A-AD55-618738B62C8A}"/>
+                <a16:creationId xmlns:a16="http://schemas.microsoft.com/office/drawing/2014/main" id="{49266AC0-39B5-7E42-9C50-8295F209C04C}"/>
               </a:ext>
             </a:extLst>
           </p:cNvPr>
@@ -13811,7 +12312,7 @@
           <p:cNvPr id="3" name="Content Placeholder 2">
             <a:extLst>
               <a:ext uri="{FF2B5EF4-FFF2-40B4-BE49-F238E27FC236}">
-                <a16:creationId xmlns:a16="http://schemas.microsoft.com/office/drawing/2014/main" id="{FB6FCA9F-7A4E-AB46-80A6-975743602F65}"/>
+                <a16:creationId xmlns:a16="http://schemas.microsoft.com/office/drawing/2014/main" id="{44FF2768-BAC6-3E48-A788-C962A261A565}"/>
               </a:ext>
             </a:extLst>
           </p:cNvPr>
@@ -13829,49 +12330,28 @@
           <a:p>
             <a:r>
               <a:rPr lang="en-US" dirty="0"/>
-              <a:t>Partition Module</a:t>
+              <a:t>Protocol Module</a:t>
             </a:r>
           </a:p>
           <a:p>
             <a:pPr lvl="1"/>
             <a:r>
               <a:rPr lang="en-US" dirty="0"/>
-              <a:t>Represents a segment of a file</a:t>
-            </a:r>
-          </a:p>
-          <a:p>
-            <a:pPr lvl="1"/>
-            <a:r>
-              <a:rPr lang="en-US" dirty="0"/>
-              <a:t>Manages file pointer and buffer</a:t>
-            </a:r>
-          </a:p>
-          <a:p>
-            <a:pPr lvl="1"/>
-            <a:r>
-              <a:rPr lang="en-US" dirty="0"/>
-              <a:t>File access is read or write only</a:t>
-            </a:r>
-          </a:p>
-          <a:p>
-            <a:pPr lvl="1"/>
-            <a:r>
-              <a:rPr lang="en-US" dirty="0"/>
-              <a:t>Configurable</a:t>
+              <a:t>Handles packet parsing and composing</a:t>
             </a:r>
           </a:p>
           <a:p>
             <a:pPr lvl="2"/>
             <a:r>
               <a:rPr lang="en-US" dirty="0"/>
-              <a:t>Minimum buffer size before reading more data</a:t>
+              <a:t>TCP Packets</a:t>
             </a:r>
           </a:p>
           <a:p>
             <a:pPr lvl="2"/>
             <a:r>
               <a:rPr lang="en-US" dirty="0"/>
-              <a:t>Maximum buffer size before flushing to disk</a:t>
+              <a:t>UDP Packets</a:t>
             </a:r>
           </a:p>
           <a:p>
@@ -13884,7 +12364,7 @@
           <p:cNvPr id="6" name="Content Placeholder 5">
             <a:extLst>
               <a:ext uri="{FF2B5EF4-FFF2-40B4-BE49-F238E27FC236}">
-                <a16:creationId xmlns:a16="http://schemas.microsoft.com/office/drawing/2014/main" id="{60EC7BD8-02D2-7F47-86C8-08EA5F7ABEA2}"/>
+                <a16:creationId xmlns:a16="http://schemas.microsoft.com/office/drawing/2014/main" id="{F1ADE5AD-02D8-E04D-B36A-FAF7330A95B6}"/>
               </a:ext>
             </a:extLst>
           </p:cNvPr>
@@ -13897,20 +12377,20 @@
         </p:nvPicPr>
         <p:blipFill rotWithShape="1">
           <a:blip r:embed="rId2"/>
-          <a:srcRect t="29879"/>
+          <a:srcRect t="30073"/>
           <a:stretch/>
         </p:blipFill>
         <p:spPr>
           <a:xfrm>
-            <a:off x="6662182" y="2464525"/>
-            <a:ext cx="4354036" cy="2821895"/>
+            <a:off x="6172200" y="2420976"/>
+            <a:ext cx="5334000" cy="2719267"/>
           </a:xfrm>
         </p:spPr>
       </p:pic>
     </p:spTree>
     <p:extLst>
       <p:ext uri="{BB962C8B-B14F-4D97-AF65-F5344CB8AC3E}">
-        <p14:creationId xmlns:p14="http://schemas.microsoft.com/office/powerpoint/2010/main" val="2403669487"/>
+        <p14:creationId xmlns:p14="http://schemas.microsoft.com/office/powerpoint/2010/main" val="3393051901"/>
       </p:ext>
     </p:extLst>
   </p:cSld>
@@ -13942,7 +12422,7 @@
           <p:cNvPr id="2" name="Title 1">
             <a:extLst>
               <a:ext uri="{FF2B5EF4-FFF2-40B4-BE49-F238E27FC236}">
-                <a16:creationId xmlns:a16="http://schemas.microsoft.com/office/drawing/2014/main" id="{60D31C1D-4F36-064A-AD55-618738B62C8A}"/>
+                <a16:creationId xmlns:a16="http://schemas.microsoft.com/office/drawing/2014/main" id="{48E255EC-31FF-BE41-BB1C-40EFBEDB187C}"/>
               </a:ext>
             </a:extLst>
           </p:cNvPr>
@@ -13970,7 +12450,7 @@
           <p:cNvPr id="3" name="Content Placeholder 2">
             <a:extLst>
               <a:ext uri="{FF2B5EF4-FFF2-40B4-BE49-F238E27FC236}">
-                <a16:creationId xmlns:a16="http://schemas.microsoft.com/office/drawing/2014/main" id="{FB6FCA9F-7A4E-AB46-80A6-975743602F65}"/>
+                <a16:creationId xmlns:a16="http://schemas.microsoft.com/office/drawing/2014/main" id="{F9319933-223F-5848-88D2-27FB9E0A0696}"/>
               </a:ext>
             </a:extLst>
           </p:cNvPr>
@@ -13988,21 +12468,42 @@
           <a:p>
             <a:r>
               <a:rPr lang="en-US" dirty="0"/>
-              <a:t>Memory Stream Module</a:t>
+              <a:t>Sockets Module</a:t>
             </a:r>
           </a:p>
           <a:p>
             <a:pPr lvl="1"/>
             <a:r>
               <a:rPr lang="en-US" dirty="0"/>
-              <a:t>Based on .NET Framework data structure [9]</a:t>
+              <a:t>Manages Socket connection</a:t>
             </a:r>
           </a:p>
           <a:p>
             <a:pPr lvl="1"/>
             <a:r>
               <a:rPr lang="en-US" dirty="0"/>
-              <a:t>Unbounded Capacity</a:t>
+              <a:t>Queues Packets</a:t>
+            </a:r>
+          </a:p>
+          <a:p>
+            <a:pPr lvl="1"/>
+            <a:r>
+              <a:rPr lang="en-US" dirty="0"/>
+              <a:t>Configurable</a:t>
+            </a:r>
+          </a:p>
+          <a:p>
+            <a:pPr lvl="2"/>
+            <a:r>
+              <a:rPr lang="en-US" dirty="0"/>
+              <a:t>Specify TCP or UDP</a:t>
+            </a:r>
+          </a:p>
+          <a:p>
+            <a:pPr lvl="2"/>
+            <a:r>
+              <a:rPr lang="en-US" dirty="0"/>
+              <a:t>Set pre- and post-I/O-operations</a:t>
             </a:r>
           </a:p>
           <a:p>
@@ -14015,7 +12516,7 @@
           <p:cNvPr id="6" name="Content Placeholder 5">
             <a:extLst>
               <a:ext uri="{FF2B5EF4-FFF2-40B4-BE49-F238E27FC236}">
-                <a16:creationId xmlns:a16="http://schemas.microsoft.com/office/drawing/2014/main" id="{60EC7BD8-02D2-7F47-86C8-08EA5F7ABEA2}"/>
+                <a16:creationId xmlns:a16="http://schemas.microsoft.com/office/drawing/2014/main" id="{FDBD4B95-CBBA-0640-B736-DCC72A903BBD}"/>
               </a:ext>
             </a:extLst>
           </p:cNvPr>
@@ -14028,20 +12529,20 @@
         </p:nvPicPr>
         <p:blipFill rotWithShape="1">
           <a:blip r:embed="rId2"/>
-          <a:srcRect t="29879"/>
+          <a:srcRect t="29849"/>
           <a:stretch/>
         </p:blipFill>
         <p:spPr>
           <a:xfrm>
-            <a:off x="6662182" y="2464525"/>
-            <a:ext cx="4354036" cy="2821895"/>
+            <a:off x="6172200" y="2420979"/>
+            <a:ext cx="5334000" cy="2727975"/>
           </a:xfrm>
         </p:spPr>
       </p:pic>
     </p:spTree>
     <p:extLst>
       <p:ext uri="{BB962C8B-B14F-4D97-AF65-F5344CB8AC3E}">
-        <p14:creationId xmlns:p14="http://schemas.microsoft.com/office/powerpoint/2010/main" val="2079845712"/>
+        <p14:creationId xmlns:p14="http://schemas.microsoft.com/office/powerpoint/2010/main" val="989876979"/>
       </p:ext>
     </p:extLst>
   </p:cSld>
@@ -14073,7 +12574,7 @@
           <p:cNvPr id="2" name="Title 1">
             <a:extLst>
               <a:ext uri="{FF2B5EF4-FFF2-40B4-BE49-F238E27FC236}">
-                <a16:creationId xmlns:a16="http://schemas.microsoft.com/office/drawing/2014/main" id="{E11A748C-9C6A-6C48-A9CA-B54860AF0348}"/>
+                <a16:creationId xmlns:a16="http://schemas.microsoft.com/office/drawing/2014/main" id="{A4E09B33-8F85-9042-B3EA-1F5178827C13}"/>
               </a:ext>
             </a:extLst>
           </p:cNvPr>
@@ -14093,15 +12594,95 @@
               <a:rPr lang="en-US" dirty="0"/>
               <a:t>Architecture &amp; Implementation</a:t>
             </a:r>
+          </a:p>
+        </p:txBody>
+      </p:sp>
+      <p:sp>
+        <p:nvSpPr>
+          <p:cNvPr id="3" name="Content Placeholder 2">
+            <a:extLst>
+              <a:ext uri="{FF2B5EF4-FFF2-40B4-BE49-F238E27FC236}">
+                <a16:creationId xmlns:a16="http://schemas.microsoft.com/office/drawing/2014/main" id="{8CA130CA-9BBA-7943-A6A2-47DEFAAED467}"/>
+              </a:ext>
+            </a:extLst>
+          </p:cNvPr>
+          <p:cNvSpPr>
+            <a:spLocks noGrp="1"/>
+          </p:cNvSpPr>
+          <p:nvPr>
+            <p:ph sz="half" idx="1"/>
+          </p:nvPr>
+        </p:nvSpPr>
+        <p:spPr/>
+        <p:txBody>
+          <a:bodyPr/>
+          <a:lstStyle/>
+          <a:p>
+            <a:r>
+              <a:rPr lang="en-US" dirty="0"/>
+              <a:t>Packet Management Module</a:t>
+            </a:r>
+          </a:p>
+          <a:p>
+            <a:pPr lvl="1"/>
+            <a:r>
+              <a:rPr lang="en-US" dirty="0"/>
+              <a:t>Buffers and prepares packets</a:t>
+            </a:r>
+          </a:p>
+          <a:p>
+            <a:pPr lvl="1"/>
+            <a:r>
+              <a:rPr lang="en-US" dirty="0"/>
+              <a:t>Tracks UDP packets for single channel</a:t>
+            </a:r>
+          </a:p>
+          <a:p>
+            <a:pPr lvl="1"/>
+            <a:r>
+              <a:rPr lang="en-US" dirty="0"/>
+              <a:t>Multi-phase Transfer</a:t>
+            </a:r>
+          </a:p>
+          <a:p>
+            <a:pPr lvl="2"/>
+            <a:r>
+              <a:rPr lang="en-US" dirty="0"/>
+              <a:t>Bulk Transfer</a:t>
+            </a:r>
+          </a:p>
+          <a:p>
+            <a:pPr lvl="2"/>
+            <a:r>
+              <a:rPr lang="en-US" dirty="0"/>
+              <a:t>Retransmission</a:t>
+            </a:r>
+          </a:p>
+          <a:p>
+            <a:pPr lvl="1"/>
+            <a:r>
+              <a:rPr lang="en-US" dirty="0"/>
+              <a:t>Configurable</a:t>
+            </a:r>
+          </a:p>
+          <a:p>
+            <a:pPr lvl="2"/>
+            <a:r>
+              <a:rPr lang="en-US" dirty="0"/>
+              <a:t>Buffer thresholds for flushing and replenishing</a:t>
+            </a:r>
+          </a:p>
+          <a:p>
+            <a:endParaRPr lang="en-US" dirty="0"/>
           </a:p>
         </p:txBody>
       </p:sp>
       <p:pic>
         <p:nvPicPr>
-          <p:cNvPr id="5" name="Content Placeholder 4">
-            <a:extLst>
-              <a:ext uri="{FF2B5EF4-FFF2-40B4-BE49-F238E27FC236}">
-                <a16:creationId xmlns:a16="http://schemas.microsoft.com/office/drawing/2014/main" id="{E9C1881A-844A-E341-A37F-727B7D3C3E6D}"/>
+          <p:cNvPr id="6" name="Content Placeholder 5">
+            <a:extLst>
+              <a:ext uri="{FF2B5EF4-FFF2-40B4-BE49-F238E27FC236}">
+                <a16:creationId xmlns:a16="http://schemas.microsoft.com/office/drawing/2014/main" id="{B1E0F904-F97B-4342-BC5A-FF5389912478}"/>
               </a:ext>
             </a:extLst>
           </p:cNvPr>
@@ -14109,25 +12690,25 @@
             <a:picLocks noGrp="1" noChangeAspect="1"/>
           </p:cNvPicPr>
           <p:nvPr>
-            <p:ph idx="1"/>
+            <p:ph sz="half" idx="2"/>
           </p:nvPr>
         </p:nvPicPr>
         <p:blipFill rotWithShape="1">
           <a:blip r:embed="rId2"/>
-          <a:srcRect t="30312"/>
+          <a:srcRect t="30297"/>
           <a:stretch/>
         </p:blipFill>
         <p:spPr>
           <a:xfrm>
-            <a:off x="2410404" y="2708367"/>
-            <a:ext cx="6908388" cy="3509872"/>
+            <a:off x="6172200" y="2429690"/>
+            <a:ext cx="5334000" cy="2710557"/>
           </a:xfrm>
         </p:spPr>
       </p:pic>
     </p:spTree>
     <p:extLst>
       <p:ext uri="{BB962C8B-B14F-4D97-AF65-F5344CB8AC3E}">
-        <p14:creationId xmlns:p14="http://schemas.microsoft.com/office/powerpoint/2010/main" val="4285748626"/>
+        <p14:creationId xmlns:p14="http://schemas.microsoft.com/office/powerpoint/2010/main" val="3016342948"/>
       </p:ext>
     </p:extLst>
   </p:cSld>
@@ -14159,7 +12740,7 @@
           <p:cNvPr id="2" name="Title 1">
             <a:extLst>
               <a:ext uri="{FF2B5EF4-FFF2-40B4-BE49-F238E27FC236}">
-                <a16:creationId xmlns:a16="http://schemas.microsoft.com/office/drawing/2014/main" id="{49266AC0-39B5-7E42-9C50-8295F209C04C}"/>
+                <a16:creationId xmlns:a16="http://schemas.microsoft.com/office/drawing/2014/main" id="{820E8712-BA42-D349-AC9A-716F022B5AB8}"/>
               </a:ext>
             </a:extLst>
           </p:cNvPr>
@@ -14179,67 +12760,15 @@
               <a:rPr lang="en-US" dirty="0"/>
               <a:t>Architecture &amp; Implementation</a:t>
             </a:r>
-          </a:p>
-        </p:txBody>
-      </p:sp>
-      <p:sp>
-        <p:nvSpPr>
-          <p:cNvPr id="3" name="Content Placeholder 2">
-            <a:extLst>
-              <a:ext uri="{FF2B5EF4-FFF2-40B4-BE49-F238E27FC236}">
-                <a16:creationId xmlns:a16="http://schemas.microsoft.com/office/drawing/2014/main" id="{44FF2768-BAC6-3E48-A788-C962A261A565}"/>
-              </a:ext>
-            </a:extLst>
-          </p:cNvPr>
-          <p:cNvSpPr>
-            <a:spLocks noGrp="1"/>
-          </p:cNvSpPr>
-          <p:nvPr>
-            <p:ph sz="half" idx="1"/>
-          </p:nvPr>
-        </p:nvSpPr>
-        <p:spPr/>
-        <p:txBody>
-          <a:bodyPr/>
-          <a:lstStyle/>
-          <a:p>
-            <a:r>
-              <a:rPr lang="en-US" dirty="0"/>
-              <a:t>Protocol Module</a:t>
-            </a:r>
-          </a:p>
-          <a:p>
-            <a:pPr lvl="1"/>
-            <a:r>
-              <a:rPr lang="en-US" dirty="0"/>
-              <a:t>Handles packet parsing and composing</a:t>
-            </a:r>
-          </a:p>
-          <a:p>
-            <a:pPr lvl="2"/>
-            <a:r>
-              <a:rPr lang="en-US" dirty="0"/>
-              <a:t>TCP Packets</a:t>
-            </a:r>
-          </a:p>
-          <a:p>
-            <a:pPr lvl="2"/>
-            <a:r>
-              <a:rPr lang="en-US" dirty="0"/>
-              <a:t>UDP Packets</a:t>
-            </a:r>
-          </a:p>
-          <a:p>
-            <a:endParaRPr lang="en-US" dirty="0"/>
           </a:p>
         </p:txBody>
       </p:sp>
       <p:pic>
         <p:nvPicPr>
-          <p:cNvPr id="6" name="Content Placeholder 5">
-            <a:extLst>
-              <a:ext uri="{FF2B5EF4-FFF2-40B4-BE49-F238E27FC236}">
-                <a16:creationId xmlns:a16="http://schemas.microsoft.com/office/drawing/2014/main" id="{F1ADE5AD-02D8-E04D-B36A-FAF7330A95B6}"/>
+          <p:cNvPr id="5" name="Content Placeholder 4">
+            <a:extLst>
+              <a:ext uri="{FF2B5EF4-FFF2-40B4-BE49-F238E27FC236}">
+                <a16:creationId xmlns:a16="http://schemas.microsoft.com/office/drawing/2014/main" id="{3C6918C3-1FA1-E648-BBAB-91A87DEA7D3B}"/>
               </a:ext>
             </a:extLst>
           </p:cNvPr>
@@ -14247,25 +12776,25 @@
             <a:picLocks noGrp="1" noChangeAspect="1"/>
           </p:cNvPicPr>
           <p:nvPr>
-            <p:ph sz="half" idx="2"/>
+            <p:ph idx="1"/>
           </p:nvPr>
         </p:nvPicPr>
         <p:blipFill rotWithShape="1">
           <a:blip r:embed="rId2"/>
-          <a:srcRect t="30073"/>
+          <a:srcRect t="28931"/>
           <a:stretch/>
         </p:blipFill>
         <p:spPr>
           <a:xfrm>
-            <a:off x="6172200" y="2420976"/>
-            <a:ext cx="5334000" cy="2719267"/>
+            <a:off x="1981082" y="2791753"/>
+            <a:ext cx="8308321" cy="3426486"/>
           </a:xfrm>
         </p:spPr>
       </p:pic>
     </p:spTree>
     <p:extLst>
       <p:ext uri="{BB962C8B-B14F-4D97-AF65-F5344CB8AC3E}">
-        <p14:creationId xmlns:p14="http://schemas.microsoft.com/office/powerpoint/2010/main" val="3393051901"/>
+        <p14:creationId xmlns:p14="http://schemas.microsoft.com/office/powerpoint/2010/main" val="2637523180"/>
       </p:ext>
     </p:extLst>
   </p:cSld>
@@ -14297,7 +12826,7 @@
           <p:cNvPr id="2" name="Title 1">
             <a:extLst>
               <a:ext uri="{FF2B5EF4-FFF2-40B4-BE49-F238E27FC236}">
-                <a16:creationId xmlns:a16="http://schemas.microsoft.com/office/drawing/2014/main" id="{48E255EC-31FF-BE41-BB1C-40EFBEDB187C}"/>
+                <a16:creationId xmlns:a16="http://schemas.microsoft.com/office/drawing/2014/main" id="{AABD6C35-B390-C44D-A8B8-F408DFAD6EE5}"/>
               </a:ext>
             </a:extLst>
           </p:cNvPr>
@@ -14325,7 +12854,7 @@
           <p:cNvPr id="3" name="Content Placeholder 2">
             <a:extLst>
               <a:ext uri="{FF2B5EF4-FFF2-40B4-BE49-F238E27FC236}">
-                <a16:creationId xmlns:a16="http://schemas.microsoft.com/office/drawing/2014/main" id="{F9319933-223F-5848-88D2-27FB9E0A0696}"/>
+                <a16:creationId xmlns:a16="http://schemas.microsoft.com/office/drawing/2014/main" id="{7224DAF8-8356-B646-ACE0-828F513127A1}"/>
               </a:ext>
             </a:extLst>
           </p:cNvPr>
@@ -14343,27 +12872,34 @@
           <a:p>
             <a:r>
               <a:rPr lang="en-US" dirty="0"/>
-              <a:t>Sockets Module</a:t>
+              <a:t>FTP Module</a:t>
             </a:r>
           </a:p>
           <a:p>
             <a:pPr lvl="1"/>
             <a:r>
               <a:rPr lang="en-US" dirty="0"/>
-              <a:t>Manages Socket connection</a:t>
+              <a:t>Manages data transfer channels</a:t>
             </a:r>
           </a:p>
           <a:p>
             <a:pPr lvl="1"/>
             <a:r>
               <a:rPr lang="en-US" dirty="0"/>
-              <a:t>Queues Packets</a:t>
+              <a:t>Performs handshakes per MCDTP specification</a:t>
             </a:r>
           </a:p>
           <a:p>
             <a:pPr lvl="1"/>
             <a:r>
               <a:rPr lang="en-US" dirty="0"/>
+              <a:t>Connects all submodules together</a:t>
+            </a:r>
+          </a:p>
+          <a:p>
+            <a:pPr lvl="1"/>
+            <a:r>
+              <a:rPr lang="en-US" dirty="0"/>
               <a:t>Configurable</a:t>
             </a:r>
           </a:p>
@@ -14371,14 +12907,14 @@
             <a:pPr lvl="2"/>
             <a:r>
               <a:rPr lang="en-US" dirty="0"/>
-              <a:t>Specify TCP or UDP</a:t>
+              <a:t>Specify configurations for configurable submodules</a:t>
             </a:r>
           </a:p>
           <a:p>
             <a:pPr lvl="2"/>
             <a:r>
               <a:rPr lang="en-US" dirty="0"/>
-              <a:t>Set pre- and post-I/O-operations</a:t>
+              <a:t>Specify client or server</a:t>
             </a:r>
           </a:p>
           <a:p>
@@ -14391,7 +12927,7 @@
           <p:cNvPr id="6" name="Content Placeholder 5">
             <a:extLst>
               <a:ext uri="{FF2B5EF4-FFF2-40B4-BE49-F238E27FC236}">
-                <a16:creationId xmlns:a16="http://schemas.microsoft.com/office/drawing/2014/main" id="{FDBD4B95-CBBA-0640-B736-DCC72A903BBD}"/>
+                <a16:creationId xmlns:a16="http://schemas.microsoft.com/office/drawing/2014/main" id="{D0D15D0A-ABF7-7745-8A8D-A6321C16A2C0}"/>
               </a:ext>
             </a:extLst>
           </p:cNvPr>
@@ -14404,20 +12940,20 @@
         </p:nvPicPr>
         <p:blipFill rotWithShape="1">
           <a:blip r:embed="rId2"/>
-          <a:srcRect t="29849"/>
+          <a:srcRect t="29467"/>
           <a:stretch/>
         </p:blipFill>
         <p:spPr>
           <a:xfrm>
-            <a:off x="6172200" y="2420979"/>
-            <a:ext cx="5334000" cy="2727975"/>
+            <a:off x="6172200" y="2786741"/>
+            <a:ext cx="5334000" cy="2183235"/>
           </a:xfrm>
         </p:spPr>
       </p:pic>
     </p:spTree>
     <p:extLst>
       <p:ext uri="{BB962C8B-B14F-4D97-AF65-F5344CB8AC3E}">
-        <p14:creationId xmlns:p14="http://schemas.microsoft.com/office/powerpoint/2010/main" val="989876979"/>
+        <p14:creationId xmlns:p14="http://schemas.microsoft.com/office/powerpoint/2010/main" val="2780044485"/>
       </p:ext>
     </p:extLst>
   </p:cSld>
@@ -14449,7 +12985,7 @@
           <p:cNvPr id="2" name="Title 1">
             <a:extLst>
               <a:ext uri="{FF2B5EF4-FFF2-40B4-BE49-F238E27FC236}">
-                <a16:creationId xmlns:a16="http://schemas.microsoft.com/office/drawing/2014/main" id="{A4E09B33-8F85-9042-B3EA-1F5178827C13}"/>
+                <a16:creationId xmlns:a16="http://schemas.microsoft.com/office/drawing/2014/main" id="{8C3B7BFE-1866-D14D-B139-B841E1DD0E2F}"/>
               </a:ext>
             </a:extLst>
           </p:cNvPr>
@@ -14477,113 +13013,57 @@
           <p:cNvPr id="3" name="Content Placeholder 2">
             <a:extLst>
               <a:ext uri="{FF2B5EF4-FFF2-40B4-BE49-F238E27FC236}">
-                <a16:creationId xmlns:a16="http://schemas.microsoft.com/office/drawing/2014/main" id="{8CA130CA-9BBA-7943-A6A2-47DEFAAED467}"/>
-              </a:ext>
-            </a:extLst>
-          </p:cNvPr>
-          <p:cNvSpPr>
-            <a:spLocks noGrp="1"/>
-          </p:cNvSpPr>
-          <p:nvPr>
-            <p:ph sz="half" idx="1"/>
-          </p:nvPr>
-        </p:nvSpPr>
-        <p:spPr/>
-        <p:txBody>
-          <a:bodyPr/>
-          <a:lstStyle/>
-          <a:p>
-            <a:r>
-              <a:rPr lang="en-US" dirty="0"/>
-              <a:t>Packet Management Module</a:t>
+                <a16:creationId xmlns:a16="http://schemas.microsoft.com/office/drawing/2014/main" id="{3B012262-3EB0-0E4B-B58E-69BBF0ADB18F}"/>
+              </a:ext>
+            </a:extLst>
+          </p:cNvPr>
+          <p:cNvSpPr>
+            <a:spLocks noGrp="1"/>
+          </p:cNvSpPr>
+          <p:nvPr>
+            <p:ph idx="1"/>
+          </p:nvPr>
+        </p:nvSpPr>
+        <p:spPr/>
+        <p:txBody>
+          <a:bodyPr/>
+          <a:lstStyle/>
+          <a:p>
+            <a:r>
+              <a:rPr lang="en-US" dirty="0" err="1"/>
+              <a:t>MCDTPi</a:t>
+            </a:r>
+            <a:r>
+              <a:rPr lang="en-US" dirty="0"/>
+              <a:t> Architecture</a:t>
             </a:r>
           </a:p>
           <a:p>
             <a:pPr lvl="1"/>
             <a:r>
-              <a:rPr lang="en-US" dirty="0"/>
-              <a:t>Buffers and prepares packets</a:t>
+              <a:rPr lang="en-US" dirty="0">
+                <a:solidFill>
+                  <a:schemeClr val="tx1">
+                    <a:lumMod val="65000"/>
+                  </a:schemeClr>
+                </a:solidFill>
+              </a:rPr>
+              <a:t>Modular</a:t>
             </a:r>
           </a:p>
           <a:p>
             <a:pPr lvl="1"/>
             <a:r>
               <a:rPr lang="en-US" dirty="0"/>
-              <a:t>Tracks UDP packets for single channel</a:t>
-            </a:r>
-          </a:p>
-          <a:p>
-            <a:pPr lvl="1"/>
-            <a:r>
-              <a:rPr lang="en-US" dirty="0"/>
-              <a:t>Multi-phase Transfer</a:t>
-            </a:r>
-          </a:p>
-          <a:p>
-            <a:pPr lvl="2"/>
-            <a:r>
-              <a:rPr lang="en-US" dirty="0"/>
-              <a:t>Bulk Transfer</a:t>
-            </a:r>
-          </a:p>
-          <a:p>
-            <a:pPr lvl="2"/>
-            <a:r>
-              <a:rPr lang="en-US" dirty="0"/>
-              <a:t>Retransmission</a:t>
-            </a:r>
-          </a:p>
-          <a:p>
-            <a:pPr lvl="1"/>
-            <a:r>
-              <a:rPr lang="en-US" dirty="0"/>
-              <a:t>Configurable</a:t>
-            </a:r>
-          </a:p>
-          <a:p>
-            <a:pPr lvl="2"/>
-            <a:r>
-              <a:rPr lang="en-US" dirty="0"/>
-              <a:t>Buffer thresholds for flushing and replenishing</a:t>
-            </a:r>
-          </a:p>
-          <a:p>
-            <a:endParaRPr lang="en-US" dirty="0"/>
-          </a:p>
-        </p:txBody>
-      </p:sp>
-      <p:pic>
-        <p:nvPicPr>
-          <p:cNvPr id="6" name="Content Placeholder 5">
-            <a:extLst>
-              <a:ext uri="{FF2B5EF4-FFF2-40B4-BE49-F238E27FC236}">
-                <a16:creationId xmlns:a16="http://schemas.microsoft.com/office/drawing/2014/main" id="{B1E0F904-F97B-4342-BC5A-FF5389912478}"/>
-              </a:ext>
-            </a:extLst>
-          </p:cNvPr>
-          <p:cNvPicPr>
-            <a:picLocks noGrp="1" noChangeAspect="1"/>
-          </p:cNvPicPr>
-          <p:nvPr>
-            <p:ph sz="half" idx="2"/>
-          </p:nvPr>
-        </p:nvPicPr>
-        <p:blipFill rotWithShape="1">
-          <a:blip r:embed="rId2"/>
-          <a:srcRect t="30297"/>
-          <a:stretch/>
-        </p:blipFill>
-        <p:spPr>
-          <a:xfrm>
-            <a:off x="6172200" y="2429690"/>
-            <a:ext cx="5334000" cy="2710557"/>
-          </a:xfrm>
-        </p:spPr>
-      </p:pic>
+              <a:t>Asynchronous</a:t>
+            </a:r>
+          </a:p>
+        </p:txBody>
+      </p:sp>
     </p:spTree>
     <p:extLst>
       <p:ext uri="{BB962C8B-B14F-4D97-AF65-F5344CB8AC3E}">
-        <p14:creationId xmlns:p14="http://schemas.microsoft.com/office/powerpoint/2010/main" val="3016342948"/>
+        <p14:creationId xmlns:p14="http://schemas.microsoft.com/office/powerpoint/2010/main" val="3234568088"/>
       </p:ext>
     </p:extLst>
   </p:cSld>
@@ -14615,7 +13095,7 @@
           <p:cNvPr id="2" name="Title 1">
             <a:extLst>
               <a:ext uri="{FF2B5EF4-FFF2-40B4-BE49-F238E27FC236}">
-                <a16:creationId xmlns:a16="http://schemas.microsoft.com/office/drawing/2014/main" id="{820E8712-BA42-D349-AC9A-716F022B5AB8}"/>
+                <a16:creationId xmlns:a16="http://schemas.microsoft.com/office/drawing/2014/main" id="{66776F2E-816F-C643-82C0-C437225C266B}"/>
               </a:ext>
             </a:extLst>
           </p:cNvPr>
@@ -14638,38 +13118,59 @@
           </a:p>
         </p:txBody>
       </p:sp>
-      <p:pic>
-        <p:nvPicPr>
-          <p:cNvPr id="5" name="Content Placeholder 4">
-            <a:extLst>
-              <a:ext uri="{FF2B5EF4-FFF2-40B4-BE49-F238E27FC236}">
-                <a16:creationId xmlns:a16="http://schemas.microsoft.com/office/drawing/2014/main" id="{3C6918C3-1FA1-E648-BBAB-91A87DEA7D3B}"/>
-              </a:ext>
-            </a:extLst>
-          </p:cNvPr>
-          <p:cNvPicPr>
-            <a:picLocks noGrp="1" noChangeAspect="1"/>
-          </p:cNvPicPr>
+      <p:sp>
+        <p:nvSpPr>
+          <p:cNvPr id="3" name="Content Placeholder 2">
+            <a:extLst>
+              <a:ext uri="{FF2B5EF4-FFF2-40B4-BE49-F238E27FC236}">
+                <a16:creationId xmlns:a16="http://schemas.microsoft.com/office/drawing/2014/main" id="{0D3D1760-B26D-484D-BDB2-B6E156928849}"/>
+              </a:ext>
+            </a:extLst>
+          </p:cNvPr>
+          <p:cNvSpPr>
+            <a:spLocks noGrp="1"/>
+          </p:cNvSpPr>
           <p:nvPr>
             <p:ph idx="1"/>
           </p:nvPr>
-        </p:nvPicPr>
-        <p:blipFill rotWithShape="1">
-          <a:blip r:embed="rId2"/>
-          <a:srcRect t="28931"/>
-          <a:stretch/>
-        </p:blipFill>
-        <p:spPr>
-          <a:xfrm>
-            <a:off x="1981082" y="2791753"/>
-            <a:ext cx="8308321" cy="3426486"/>
-          </a:xfrm>
-        </p:spPr>
-      </p:pic>
+        </p:nvSpPr>
+        <p:spPr/>
+        <p:txBody>
+          <a:bodyPr/>
+          <a:lstStyle/>
+          <a:p>
+            <a:r>
+              <a:rPr lang="en-US" dirty="0"/>
+              <a:t>Asynchronous</a:t>
+            </a:r>
+          </a:p>
+          <a:p>
+            <a:pPr lvl="1"/>
+            <a:r>
+              <a:rPr lang="en-US" dirty="0"/>
+              <a:t>I/O module and Net module are non-blocking</a:t>
+            </a:r>
+          </a:p>
+          <a:p>
+            <a:pPr lvl="1"/>
+            <a:r>
+              <a:rPr lang="en-US" dirty="0"/>
+              <a:t>.NET Core Framework [9][10][11]</a:t>
+            </a:r>
+          </a:p>
+          <a:p>
+            <a:pPr lvl="2"/>
+            <a:r>
+              <a:rPr lang="en-US" dirty="0"/>
+              <a:t>Task Parallel Library (TPL)</a:t>
+            </a:r>
+          </a:p>
+        </p:txBody>
+      </p:sp>
     </p:spTree>
     <p:extLst>
       <p:ext uri="{BB962C8B-B14F-4D97-AF65-F5344CB8AC3E}">
-        <p14:creationId xmlns:p14="http://schemas.microsoft.com/office/powerpoint/2010/main" val="2637523180"/>
+        <p14:creationId xmlns:p14="http://schemas.microsoft.com/office/powerpoint/2010/main" val="2964813100"/>
       </p:ext>
     </p:extLst>
   </p:cSld>
@@ -14701,7 +13202,7 @@
           <p:cNvPr id="2" name="Title 1">
             <a:extLst>
               <a:ext uri="{FF2B5EF4-FFF2-40B4-BE49-F238E27FC236}">
-                <a16:creationId xmlns:a16="http://schemas.microsoft.com/office/drawing/2014/main" id="{AABD6C35-B390-C44D-A8B8-F408DFAD6EE5}"/>
+                <a16:creationId xmlns:a16="http://schemas.microsoft.com/office/drawing/2014/main" id="{5532F8E8-F482-C44F-B665-F7461809028E}"/>
               </a:ext>
             </a:extLst>
           </p:cNvPr>
@@ -14719,116 +13220,127 @@
           <a:p>
             <a:r>
               <a:rPr lang="en-US" dirty="0"/>
+              <a:t>Overview</a:t>
+            </a:r>
+          </a:p>
+        </p:txBody>
+      </p:sp>
+      <p:sp>
+        <p:nvSpPr>
+          <p:cNvPr id="3" name="Content Placeholder 2">
+            <a:extLst>
+              <a:ext uri="{FF2B5EF4-FFF2-40B4-BE49-F238E27FC236}">
+                <a16:creationId xmlns:a16="http://schemas.microsoft.com/office/drawing/2014/main" id="{D74B3917-BBAD-C04F-AAA5-055D21AC0A3E}"/>
+              </a:ext>
+            </a:extLst>
+          </p:cNvPr>
+          <p:cNvSpPr>
+            <a:spLocks noGrp="1"/>
+          </p:cNvSpPr>
+          <p:nvPr>
+            <p:ph idx="1"/>
+          </p:nvPr>
+        </p:nvSpPr>
+        <p:spPr/>
+        <p:txBody>
+          <a:bodyPr/>
+          <a:lstStyle/>
+          <a:p>
+            <a:r>
+              <a:rPr lang="en-US" dirty="0">
+                <a:solidFill>
+                  <a:schemeClr val="tx1">
+                    <a:lumMod val="65000"/>
+                  </a:schemeClr>
+                </a:solidFill>
+              </a:rPr>
+              <a:t>Motivation</a:t>
+            </a:r>
+          </a:p>
+          <a:p>
+            <a:r>
+              <a:rPr lang="en-US" dirty="0">
+                <a:solidFill>
+                  <a:schemeClr val="tx1">
+                    <a:lumMod val="65000"/>
+                  </a:schemeClr>
+                </a:solidFill>
+              </a:rPr>
+              <a:t>Problem</a:t>
+            </a:r>
+          </a:p>
+          <a:p>
+            <a:r>
+              <a:rPr lang="en-US" dirty="0">
+                <a:solidFill>
+                  <a:schemeClr val="tx1">
+                    <a:lumMod val="65000"/>
+                  </a:schemeClr>
+                </a:solidFill>
+              </a:rPr>
+              <a:t>Preliminary Work</a:t>
+            </a:r>
+          </a:p>
+          <a:p>
+            <a:r>
+              <a:rPr lang="en-US" dirty="0">
+                <a:solidFill>
+                  <a:schemeClr val="tx1">
+                    <a:lumMod val="65000"/>
+                  </a:schemeClr>
+                </a:solidFill>
+              </a:rPr>
+              <a:t>Related Work</a:t>
+            </a:r>
+          </a:p>
+          <a:p>
+            <a:r>
+              <a:rPr lang="en-US" dirty="0">
+                <a:solidFill>
+                  <a:schemeClr val="tx1">
+                    <a:lumMod val="65000"/>
+                  </a:schemeClr>
+                </a:solidFill>
+              </a:rPr>
+              <a:t>Protocol Design</a:t>
+            </a:r>
+          </a:p>
+          <a:p>
+            <a:r>
+              <a:rPr lang="en-US" dirty="0">
+                <a:solidFill>
+                  <a:schemeClr val="tx1">
+                    <a:lumMod val="65000"/>
+                  </a:schemeClr>
+                </a:solidFill>
+              </a:rPr>
               <a:t>Architecture &amp; Implementation</a:t>
             </a:r>
           </a:p>
-        </p:txBody>
-      </p:sp>
-      <p:sp>
-        <p:nvSpPr>
-          <p:cNvPr id="3" name="Content Placeholder 2">
-            <a:extLst>
-              <a:ext uri="{FF2B5EF4-FFF2-40B4-BE49-F238E27FC236}">
-                <a16:creationId xmlns:a16="http://schemas.microsoft.com/office/drawing/2014/main" id="{7224DAF8-8356-B646-ACE0-828F513127A1}"/>
-              </a:ext>
-            </a:extLst>
-          </p:cNvPr>
-          <p:cNvSpPr>
-            <a:spLocks noGrp="1"/>
-          </p:cNvSpPr>
-          <p:nvPr>
-            <p:ph sz="half" idx="1"/>
-          </p:nvPr>
-        </p:nvSpPr>
-        <p:spPr/>
-        <p:txBody>
-          <a:bodyPr/>
-          <a:lstStyle/>
-          <a:p>
-            <a:r>
-              <a:rPr lang="en-US" dirty="0"/>
-              <a:t>FTP Module</a:t>
-            </a:r>
-          </a:p>
-          <a:p>
-            <a:pPr lvl="1"/>
-            <a:r>
-              <a:rPr lang="en-US" dirty="0"/>
-              <a:t>Manages data transfer channels</a:t>
-            </a:r>
-          </a:p>
-          <a:p>
-            <a:pPr lvl="1"/>
-            <a:r>
-              <a:rPr lang="en-US" dirty="0"/>
-              <a:t>Performs handshakes per MCDTP specification</a:t>
-            </a:r>
-          </a:p>
-          <a:p>
-            <a:pPr lvl="1"/>
-            <a:r>
-              <a:rPr lang="en-US" dirty="0"/>
-              <a:t>Connects all submodules together</a:t>
-            </a:r>
-          </a:p>
-          <a:p>
-            <a:pPr lvl="1"/>
-            <a:r>
-              <a:rPr lang="en-US" dirty="0"/>
-              <a:t>Configurable</a:t>
-            </a:r>
-          </a:p>
-          <a:p>
-            <a:pPr lvl="2"/>
-            <a:r>
-              <a:rPr lang="en-US" dirty="0"/>
-              <a:t>Specify configurations for configurable submodules</a:t>
-            </a:r>
-          </a:p>
-          <a:p>
-            <a:pPr lvl="2"/>
-            <a:r>
-              <a:rPr lang="en-US" dirty="0"/>
-              <a:t>Specify client or server</a:t>
-            </a:r>
-          </a:p>
-          <a:p>
-            <a:endParaRPr lang="en-US" dirty="0"/>
-          </a:p>
-        </p:txBody>
-      </p:sp>
-      <p:pic>
-        <p:nvPicPr>
-          <p:cNvPr id="6" name="Content Placeholder 5">
-            <a:extLst>
-              <a:ext uri="{FF2B5EF4-FFF2-40B4-BE49-F238E27FC236}">
-                <a16:creationId xmlns:a16="http://schemas.microsoft.com/office/drawing/2014/main" id="{D0D15D0A-ABF7-7745-8A8D-A6321C16A2C0}"/>
-              </a:ext>
-            </a:extLst>
-          </p:cNvPr>
-          <p:cNvPicPr>
-            <a:picLocks noGrp="1" noChangeAspect="1"/>
-          </p:cNvPicPr>
-          <p:nvPr>
-            <p:ph sz="half" idx="2"/>
-          </p:nvPr>
-        </p:nvPicPr>
-        <p:blipFill rotWithShape="1">
-          <a:blip r:embed="rId2"/>
-          <a:srcRect t="29467"/>
-          <a:stretch/>
-        </p:blipFill>
-        <p:spPr>
-          <a:xfrm>
-            <a:off x="6172200" y="2786741"/>
-            <a:ext cx="5334000" cy="2183235"/>
-          </a:xfrm>
-        </p:spPr>
-      </p:pic>
+          <a:p>
+            <a:r>
+              <a:rPr lang="en-US" dirty="0"/>
+              <a:t>Testing &amp; Analysis</a:t>
+            </a:r>
+          </a:p>
+          <a:p>
+            <a:r>
+              <a:rPr lang="en-US" dirty="0">
+                <a:solidFill>
+                  <a:schemeClr val="tx1">
+                    <a:lumMod val="65000"/>
+                  </a:schemeClr>
+                </a:solidFill>
+              </a:rPr>
+              <a:t>Challenges &amp; Future Work</a:t>
+            </a:r>
+          </a:p>
+        </p:txBody>
+      </p:sp>
     </p:spTree>
     <p:extLst>
       <p:ext uri="{BB962C8B-B14F-4D97-AF65-F5344CB8AC3E}">
-        <p14:creationId xmlns:p14="http://schemas.microsoft.com/office/powerpoint/2010/main" val="2780044485"/>
+        <p14:creationId xmlns:p14="http://schemas.microsoft.com/office/powerpoint/2010/main" val="3991222111"/>
       </p:ext>
     </p:extLst>
   </p:cSld>
@@ -14860,7 +13372,7 @@
           <p:cNvPr id="2" name="Title 1">
             <a:extLst>
               <a:ext uri="{FF2B5EF4-FFF2-40B4-BE49-F238E27FC236}">
-                <a16:creationId xmlns:a16="http://schemas.microsoft.com/office/drawing/2014/main" id="{8C3B7BFE-1866-D14D-B139-B841E1DD0E2F}"/>
+                <a16:creationId xmlns:a16="http://schemas.microsoft.com/office/drawing/2014/main" id="{36B688A6-84D4-C740-AD97-6D702E047000}"/>
               </a:ext>
             </a:extLst>
           </p:cNvPr>
@@ -14878,7 +13390,7 @@
           <a:p>
             <a:r>
               <a:rPr lang="en-US" dirty="0"/>
-              <a:t>Architecture &amp; Implementation</a:t>
+              <a:t>Testing &amp; Analysis</a:t>
             </a:r>
           </a:p>
         </p:txBody>
@@ -14888,7 +13400,7 @@
           <p:cNvPr id="3" name="Content Placeholder 2">
             <a:extLst>
               <a:ext uri="{FF2B5EF4-FFF2-40B4-BE49-F238E27FC236}">
-                <a16:creationId xmlns:a16="http://schemas.microsoft.com/office/drawing/2014/main" id="{3B012262-3EB0-0E4B-B58E-69BBF0ADB18F}"/>
+                <a16:creationId xmlns:a16="http://schemas.microsoft.com/office/drawing/2014/main" id="{0E727485-8B7F-CC4C-9289-6EFC70CBC1C2}"/>
               </a:ext>
             </a:extLst>
           </p:cNvPr>
@@ -14905,32 +13417,75 @@
           <a:lstStyle/>
           <a:p>
             <a:r>
+              <a:rPr lang="en-US" dirty="0"/>
+              <a:t>Testing Environment</a:t>
+            </a:r>
+          </a:p>
+          <a:p>
+            <a:pPr lvl="1"/>
+            <a:r>
+              <a:rPr lang="en-US" dirty="0"/>
+              <a:t>Ubuntu 16.04 LTS</a:t>
+            </a:r>
+          </a:p>
+          <a:p>
+            <a:pPr lvl="1"/>
+            <a:r>
               <a:rPr lang="en-US" dirty="0" err="1"/>
-              <a:t>MCDTPi</a:t>
-            </a:r>
-            <a:r>
-              <a:rPr lang="en-US" dirty="0"/>
-              <a:t> Architecture</a:t>
+              <a:t>DigitalOcean</a:t>
+            </a:r>
+            <a:r>
+              <a:rPr lang="en-US" dirty="0"/>
+              <a:t> Specifications</a:t>
+            </a:r>
+          </a:p>
+          <a:p>
+            <a:pPr lvl="2"/>
+            <a:r>
+              <a:rPr lang="en-US" dirty="0"/>
+              <a:t>4 CPUs</a:t>
+            </a:r>
+          </a:p>
+          <a:p>
+            <a:pPr lvl="2"/>
+            <a:r>
+              <a:rPr lang="en-US" dirty="0"/>
+              <a:t>8GB of RAM</a:t>
+            </a:r>
+          </a:p>
+          <a:p>
+            <a:pPr lvl="2"/>
+            <a:r>
+              <a:rPr lang="en-US" dirty="0"/>
+              <a:t>80GB SSD</a:t>
+            </a:r>
+          </a:p>
+          <a:p>
+            <a:pPr lvl="2"/>
+            <a:r>
+              <a:rPr lang="en-US" dirty="0"/>
+              <a:t>5TB of transfer</a:t>
             </a:r>
           </a:p>
           <a:p>
             <a:pPr lvl="1"/>
             <a:r>
-              <a:rPr lang="en-US" dirty="0">
-                <a:solidFill>
-                  <a:schemeClr val="tx1">
-                    <a:lumMod val="65000"/>
-                  </a:schemeClr>
-                </a:solidFill>
-              </a:rPr>
-              <a:t>Modular</a:t>
-            </a:r>
-          </a:p>
-          <a:p>
-            <a:pPr lvl="1"/>
-            <a:r>
-              <a:rPr lang="en-US" dirty="0"/>
-              <a:t>Asynchronous</a:t>
+              <a:rPr lang="en-US" dirty="0"/>
+              <a:t>Two identically configured servers</a:t>
+            </a:r>
+          </a:p>
+          <a:p>
+            <a:pPr lvl="2"/>
+            <a:r>
+              <a:rPr lang="en-US" dirty="0"/>
+              <a:t>One in New York, USA</a:t>
+            </a:r>
+          </a:p>
+          <a:p>
+            <a:pPr lvl="2"/>
+            <a:r>
+              <a:rPr lang="en-US" dirty="0"/>
+              <a:t>One in Amsterdam, Netherlands</a:t>
             </a:r>
           </a:p>
         </p:txBody>
@@ -14938,7 +13493,7 @@
     </p:spTree>
     <p:extLst>
       <p:ext uri="{BB962C8B-B14F-4D97-AF65-F5344CB8AC3E}">
-        <p14:creationId xmlns:p14="http://schemas.microsoft.com/office/powerpoint/2010/main" val="3234568088"/>
+        <p14:creationId xmlns:p14="http://schemas.microsoft.com/office/powerpoint/2010/main" val="326752799"/>
       </p:ext>
     </p:extLst>
   </p:cSld>
@@ -15081,7 +13636,7 @@
           <p:cNvPr id="2" name="Title 1">
             <a:extLst>
               <a:ext uri="{FF2B5EF4-FFF2-40B4-BE49-F238E27FC236}">
-                <a16:creationId xmlns:a16="http://schemas.microsoft.com/office/drawing/2014/main" id="{66776F2E-816F-C643-82C0-C437225C266B}"/>
+                <a16:creationId xmlns:a16="http://schemas.microsoft.com/office/drawing/2014/main" id="{0C4AB209-CFDD-7C4E-B1D2-373DBF2E9FCC}"/>
               </a:ext>
             </a:extLst>
           </p:cNvPr>
@@ -15099,7 +13654,7 @@
           <a:p>
             <a:r>
               <a:rPr lang="en-US" dirty="0"/>
-              <a:t>Architecture &amp; Implementation</a:t>
+              <a:t>TESTING &amp; ANALYSIS</a:t>
             </a:r>
           </a:p>
         </p:txBody>
@@ -15109,7 +13664,7 @@
           <p:cNvPr id="3" name="Content Placeholder 2">
             <a:extLst>
               <a:ext uri="{FF2B5EF4-FFF2-40B4-BE49-F238E27FC236}">
-                <a16:creationId xmlns:a16="http://schemas.microsoft.com/office/drawing/2014/main" id="{0D3D1760-B26D-484D-BDB2-B6E156928849}"/>
+                <a16:creationId xmlns:a16="http://schemas.microsoft.com/office/drawing/2014/main" id="{20F64C88-DCE6-C248-BC4D-4ED23FD000B8}"/>
               </a:ext>
             </a:extLst>
           </p:cNvPr>
@@ -15127,14 +13682,56 @@
           <a:p>
             <a:r>
               <a:rPr lang="en-US" dirty="0"/>
-              <a:t>Asynchronous</a:t>
+              <a:t>Test Configurations</a:t>
             </a:r>
           </a:p>
           <a:p>
             <a:pPr lvl="1"/>
             <a:r>
               <a:rPr lang="en-US" dirty="0"/>
-              <a:t>I/O module and Net module are non-blocking</a:t>
+              <a:t>Channel Count</a:t>
+            </a:r>
+          </a:p>
+          <a:p>
+            <a:pPr lvl="2"/>
+            <a:r>
+              <a:rPr lang="en-US" dirty="0"/>
+              <a:t>1, 2, 4, and 8</a:t>
+            </a:r>
+          </a:p>
+          <a:p>
+            <a:pPr lvl="1"/>
+            <a:r>
+              <a:rPr lang="en-US" dirty="0"/>
+              <a:t>Data Source</a:t>
+            </a:r>
+          </a:p>
+          <a:p>
+            <a:pPr lvl="2"/>
+            <a:r>
+              <a:rPr lang="en-US" dirty="0"/>
+              <a:t>1GB in size</a:t>
+            </a:r>
+          </a:p>
+          <a:p>
+            <a:pPr lvl="1"/>
+            <a:r>
+              <a:rPr lang="en-US" dirty="0"/>
+              <a:t>Maximum Transmission Unit</a:t>
+            </a:r>
+          </a:p>
+          <a:p>
+            <a:pPr lvl="2"/>
+            <a:r>
+              <a:rPr lang="en-US" dirty="0"/>
+              <a:t>1500 bytes</a:t>
+            </a:r>
+          </a:p>
+          <a:p>
+            <a:pPr lvl="2"/>
+            <a:r>
+              <a:rPr lang="en-US" dirty="0"/>
+              <a:t>Using 1400 bytes to account for packet headers</a:t>
             </a:r>
           </a:p>
         </p:txBody>
@@ -15142,7 +13739,7 @@
     </p:spTree>
     <p:extLst>
       <p:ext uri="{BB962C8B-B14F-4D97-AF65-F5344CB8AC3E}">
-        <p14:creationId xmlns:p14="http://schemas.microsoft.com/office/powerpoint/2010/main" val="2864744602"/>
+        <p14:creationId xmlns:p14="http://schemas.microsoft.com/office/powerpoint/2010/main" val="2061729408"/>
       </p:ext>
     </p:extLst>
   </p:cSld>
@@ -15174,7 +13771,7 @@
           <p:cNvPr id="2" name="Title 1">
             <a:extLst>
               <a:ext uri="{FF2B5EF4-FFF2-40B4-BE49-F238E27FC236}">
-                <a16:creationId xmlns:a16="http://schemas.microsoft.com/office/drawing/2014/main" id="{66776F2E-816F-C643-82C0-C437225C266B}"/>
+                <a16:creationId xmlns:a16="http://schemas.microsoft.com/office/drawing/2014/main" id="{A963F670-DB63-774E-8FC5-844145A55111}"/>
               </a:ext>
             </a:extLst>
           </p:cNvPr>
@@ -15192,7 +13789,7 @@
           <a:p>
             <a:r>
               <a:rPr lang="en-US" dirty="0"/>
-              <a:t>Architecture &amp; Implementation</a:t>
+              <a:t>Testing &amp; Analysis</a:t>
             </a:r>
           </a:p>
         </p:txBody>
@@ -15202,7 +13799,7 @@
           <p:cNvPr id="3" name="Content Placeholder 2">
             <a:extLst>
               <a:ext uri="{FF2B5EF4-FFF2-40B4-BE49-F238E27FC236}">
-                <a16:creationId xmlns:a16="http://schemas.microsoft.com/office/drawing/2014/main" id="{0D3D1760-B26D-484D-BDB2-B6E156928849}"/>
+                <a16:creationId xmlns:a16="http://schemas.microsoft.com/office/drawing/2014/main" id="{C6C58BED-D03E-D84F-9732-3EE6B5B00026}"/>
               </a:ext>
             </a:extLst>
           </p:cNvPr>
@@ -15220,28 +13817,21 @@
           <a:p>
             <a:r>
               <a:rPr lang="en-US" dirty="0"/>
-              <a:t>Asynchronous</a:t>
+              <a:t>Test Metrics</a:t>
             </a:r>
           </a:p>
           <a:p>
             <a:pPr lvl="1"/>
             <a:r>
               <a:rPr lang="en-US" dirty="0"/>
-              <a:t>I/O module and Net module are non-blocking</a:t>
+              <a:t>Throughput</a:t>
             </a:r>
           </a:p>
           <a:p>
             <a:pPr lvl="1"/>
             <a:r>
               <a:rPr lang="en-US" dirty="0"/>
-              <a:t>.NET Core Framework [9][10][11]</a:t>
-            </a:r>
-          </a:p>
-          <a:p>
-            <a:pPr lvl="2"/>
-            <a:r>
-              <a:rPr lang="en-US" dirty="0"/>
-              <a:t>Task Parallel Library (TPL)</a:t>
+              <a:t>Packet Loss</a:t>
             </a:r>
           </a:p>
         </p:txBody>
@@ -15249,7 +13839,7 @@
     </p:spTree>
     <p:extLst>
       <p:ext uri="{BB962C8B-B14F-4D97-AF65-F5344CB8AC3E}">
-        <p14:creationId xmlns:p14="http://schemas.microsoft.com/office/powerpoint/2010/main" val="2964813100"/>
+        <p14:creationId xmlns:p14="http://schemas.microsoft.com/office/powerpoint/2010/main" val="692004533"/>
       </p:ext>
     </p:extLst>
   </p:cSld>
@@ -15281,7 +13871,7 @@
           <p:cNvPr id="2" name="Title 1">
             <a:extLst>
               <a:ext uri="{FF2B5EF4-FFF2-40B4-BE49-F238E27FC236}">
-                <a16:creationId xmlns:a16="http://schemas.microsoft.com/office/drawing/2014/main" id="{5532F8E8-F482-C44F-B665-F7461809028E}"/>
+                <a16:creationId xmlns:a16="http://schemas.microsoft.com/office/drawing/2014/main" id="{1BF3A72A-290C-EB4B-A95D-EAD93B784399}"/>
               </a:ext>
             </a:extLst>
           </p:cNvPr>
@@ -15299,127 +13889,129 @@
           <a:p>
             <a:r>
               <a:rPr lang="en-US" dirty="0"/>
-              <a:t>Overview</a:t>
-            </a:r>
-          </a:p>
-        </p:txBody>
-      </p:sp>
-      <p:sp>
-        <p:nvSpPr>
-          <p:cNvPr id="3" name="Content Placeholder 2">
-            <a:extLst>
-              <a:ext uri="{FF2B5EF4-FFF2-40B4-BE49-F238E27FC236}">
-                <a16:creationId xmlns:a16="http://schemas.microsoft.com/office/drawing/2014/main" id="{D74B3917-BBAD-C04F-AAA5-055D21AC0A3E}"/>
-              </a:ext>
-            </a:extLst>
-          </p:cNvPr>
-          <p:cNvSpPr>
-            <a:spLocks noGrp="1"/>
-          </p:cNvSpPr>
-          <p:nvPr>
-            <p:ph idx="1"/>
-          </p:nvPr>
-        </p:nvSpPr>
-        <p:spPr/>
-        <p:txBody>
-          <a:bodyPr/>
-          <a:lstStyle/>
-          <a:p>
-            <a:r>
-              <a:rPr lang="en-US" dirty="0">
-                <a:solidFill>
-                  <a:schemeClr val="tx1">
-                    <a:lumMod val="65000"/>
-                  </a:schemeClr>
-                </a:solidFill>
-              </a:rPr>
-              <a:t>Motivation</a:t>
-            </a:r>
-          </a:p>
-          <a:p>
-            <a:r>
-              <a:rPr lang="en-US" dirty="0">
-                <a:solidFill>
-                  <a:schemeClr val="tx1">
-                    <a:lumMod val="65000"/>
-                  </a:schemeClr>
-                </a:solidFill>
-              </a:rPr>
-              <a:t>Problem</a:t>
-            </a:r>
-          </a:p>
-          <a:p>
-            <a:r>
-              <a:rPr lang="en-US" dirty="0">
-                <a:solidFill>
-                  <a:schemeClr val="tx1">
-                    <a:lumMod val="65000"/>
-                  </a:schemeClr>
-                </a:solidFill>
-              </a:rPr>
-              <a:t>Preliminary Work</a:t>
-            </a:r>
-          </a:p>
-          <a:p>
-            <a:r>
-              <a:rPr lang="en-US" dirty="0">
-                <a:solidFill>
-                  <a:schemeClr val="tx1">
-                    <a:lumMod val="65000"/>
-                  </a:schemeClr>
-                </a:solidFill>
-              </a:rPr>
-              <a:t>Related Work</a:t>
-            </a:r>
-          </a:p>
-          <a:p>
-            <a:r>
-              <a:rPr lang="en-US" dirty="0">
-                <a:solidFill>
-                  <a:schemeClr val="tx1">
-                    <a:lumMod val="65000"/>
-                  </a:schemeClr>
-                </a:solidFill>
-              </a:rPr>
-              <a:t>Protocol Design</a:t>
-            </a:r>
-          </a:p>
-          <a:p>
-            <a:r>
-              <a:rPr lang="en-US" dirty="0">
-                <a:solidFill>
-                  <a:schemeClr val="tx1">
-                    <a:lumMod val="65000"/>
-                  </a:schemeClr>
-                </a:solidFill>
-              </a:rPr>
-              <a:t>Architecture &amp; Implementation</a:t>
-            </a:r>
-          </a:p>
-          <a:p>
-            <a:r>
-              <a:rPr lang="en-US" dirty="0"/>
               <a:t>Testing &amp; Analysis</a:t>
             </a:r>
           </a:p>
-          <a:p>
-            <a:r>
-              <a:rPr lang="en-US" dirty="0">
-                <a:solidFill>
-                  <a:schemeClr val="tx1">
-                    <a:lumMod val="65000"/>
-                  </a:schemeClr>
-                </a:solidFill>
-              </a:rPr>
-              <a:t>Challenges &amp; Future Work</a:t>
-            </a:r>
-          </a:p>
-        </p:txBody>
-      </p:sp>
+        </p:txBody>
+      </p:sp>
+      <p:sp>
+        <p:nvSpPr>
+          <p:cNvPr id="3" name="Text Placeholder 2">
+            <a:extLst>
+              <a:ext uri="{FF2B5EF4-FFF2-40B4-BE49-F238E27FC236}">
+                <a16:creationId xmlns:a16="http://schemas.microsoft.com/office/drawing/2014/main" id="{FF95559F-A255-9F44-B34C-595FC81033FC}"/>
+              </a:ext>
+            </a:extLst>
+          </p:cNvPr>
+          <p:cNvSpPr>
+            <a:spLocks noGrp="1"/>
+          </p:cNvSpPr>
+          <p:nvPr>
+            <p:ph type="body" idx="1"/>
+          </p:nvPr>
+        </p:nvSpPr>
+        <p:spPr/>
+        <p:txBody>
+          <a:bodyPr/>
+          <a:lstStyle/>
+          <a:p>
+            <a:r>
+              <a:rPr lang="en-US" dirty="0"/>
+              <a:t>Server Throughput</a:t>
+            </a:r>
+          </a:p>
+        </p:txBody>
+      </p:sp>
+      <p:pic>
+        <p:nvPicPr>
+          <p:cNvPr id="8" name="Content Placeholder 7">
+            <a:extLst>
+              <a:ext uri="{FF2B5EF4-FFF2-40B4-BE49-F238E27FC236}">
+                <a16:creationId xmlns:a16="http://schemas.microsoft.com/office/drawing/2014/main" id="{328EE5B1-45DB-724B-B8CC-66C12D1D3D4A}"/>
+              </a:ext>
+            </a:extLst>
+          </p:cNvPr>
+          <p:cNvPicPr>
+            <a:picLocks noGrp="1" noChangeAspect="1"/>
+          </p:cNvPicPr>
+          <p:nvPr>
+            <p:ph sz="half" idx="2"/>
+          </p:nvPr>
+        </p:nvPicPr>
+        <p:blipFill>
+          <a:blip r:embed="rId2"/>
+          <a:stretch>
+            <a:fillRect/>
+          </a:stretch>
+        </p:blipFill>
+        <p:spPr>
+          <a:xfrm>
+            <a:off x="849269" y="3132138"/>
+            <a:ext cx="4984836" cy="3086100"/>
+          </a:xfrm>
+        </p:spPr>
+      </p:pic>
+      <p:sp>
+        <p:nvSpPr>
+          <p:cNvPr id="5" name="Text Placeholder 4">
+            <a:extLst>
+              <a:ext uri="{FF2B5EF4-FFF2-40B4-BE49-F238E27FC236}">
+                <a16:creationId xmlns:a16="http://schemas.microsoft.com/office/drawing/2014/main" id="{87101954-7ED6-A648-B5F0-E83E383CECD3}"/>
+              </a:ext>
+            </a:extLst>
+          </p:cNvPr>
+          <p:cNvSpPr>
+            <a:spLocks noGrp="1"/>
+          </p:cNvSpPr>
+          <p:nvPr>
+            <p:ph type="body" sz="quarter" idx="3"/>
+          </p:nvPr>
+        </p:nvSpPr>
+        <p:spPr/>
+        <p:txBody>
+          <a:bodyPr/>
+          <a:lstStyle/>
+          <a:p>
+            <a:r>
+              <a:rPr lang="en-US" dirty="0"/>
+              <a:t>Client Throughput</a:t>
+            </a:r>
+          </a:p>
+        </p:txBody>
+      </p:sp>
+      <p:pic>
+        <p:nvPicPr>
+          <p:cNvPr id="10" name="Content Placeholder 9">
+            <a:extLst>
+              <a:ext uri="{FF2B5EF4-FFF2-40B4-BE49-F238E27FC236}">
+                <a16:creationId xmlns:a16="http://schemas.microsoft.com/office/drawing/2014/main" id="{8A74BB55-230C-444B-AFEC-B643E6ACEB11}"/>
+              </a:ext>
+            </a:extLst>
+          </p:cNvPr>
+          <p:cNvPicPr>
+            <a:picLocks noGrp="1" noChangeAspect="1"/>
+          </p:cNvPicPr>
+          <p:nvPr>
+            <p:ph sz="quarter" idx="4"/>
+          </p:nvPr>
+        </p:nvPicPr>
+        <p:blipFill>
+          <a:blip r:embed="rId3"/>
+          <a:stretch>
+            <a:fillRect/>
+          </a:stretch>
+        </p:blipFill>
+        <p:spPr>
+          <a:xfrm>
+            <a:off x="6346971" y="3132138"/>
+            <a:ext cx="4984457" cy="3086100"/>
+          </a:xfrm>
+        </p:spPr>
+      </p:pic>
     </p:spTree>
     <p:extLst>
       <p:ext uri="{BB962C8B-B14F-4D97-AF65-F5344CB8AC3E}">
-        <p14:creationId xmlns:p14="http://schemas.microsoft.com/office/powerpoint/2010/main" val="3991222111"/>
+        <p14:creationId xmlns:p14="http://schemas.microsoft.com/office/powerpoint/2010/main" val="3879994193"/>
       </p:ext>
     </p:extLst>
   </p:cSld>
@@ -15451,7 +14043,7 @@
           <p:cNvPr id="2" name="Title 1">
             <a:extLst>
               <a:ext uri="{FF2B5EF4-FFF2-40B4-BE49-F238E27FC236}">
-                <a16:creationId xmlns:a16="http://schemas.microsoft.com/office/drawing/2014/main" id="{36B688A6-84D4-C740-AD97-6D702E047000}"/>
+                <a16:creationId xmlns:a16="http://schemas.microsoft.com/office/drawing/2014/main" id="{2F0E4E34-949E-DE44-999B-E63B715F53A0}"/>
               </a:ext>
             </a:extLst>
           </p:cNvPr>
@@ -15476,43 +14068,70 @@
       </p:sp>
       <p:sp>
         <p:nvSpPr>
-          <p:cNvPr id="3" name="Content Placeholder 2">
-            <a:extLst>
-              <a:ext uri="{FF2B5EF4-FFF2-40B4-BE49-F238E27FC236}">
-                <a16:creationId xmlns:a16="http://schemas.microsoft.com/office/drawing/2014/main" id="{0E727485-8B7F-CC4C-9289-6EFC70CBC1C2}"/>
-              </a:ext>
-            </a:extLst>
-          </p:cNvPr>
-          <p:cNvSpPr>
-            <a:spLocks noGrp="1"/>
-          </p:cNvSpPr>
-          <p:nvPr>
-            <p:ph idx="1"/>
-          </p:nvPr>
-        </p:nvSpPr>
-        <p:spPr/>
-        <p:txBody>
-          <a:bodyPr/>
-          <a:lstStyle/>
-          <a:p>
-            <a:r>
-              <a:rPr lang="en-US" dirty="0"/>
-              <a:t>Testing Environment</a:t>
-            </a:r>
-          </a:p>
-          <a:p>
-            <a:pPr lvl="1"/>
-            <a:r>
-              <a:rPr lang="en-US" dirty="0"/>
-              <a:t>Ubuntu 16.04 LTS</a:t>
-            </a:r>
-          </a:p>
-        </p:txBody>
-      </p:sp>
+          <p:cNvPr id="3" name="Text Placeholder 2">
+            <a:extLst>
+              <a:ext uri="{FF2B5EF4-FFF2-40B4-BE49-F238E27FC236}">
+                <a16:creationId xmlns:a16="http://schemas.microsoft.com/office/drawing/2014/main" id="{8A69884E-AB23-DC42-A740-9CCC2AEE5D42}"/>
+              </a:ext>
+            </a:extLst>
+          </p:cNvPr>
+          <p:cNvSpPr>
+            <a:spLocks noGrp="1"/>
+          </p:cNvSpPr>
+          <p:nvPr>
+            <p:ph type="body" idx="1"/>
+          </p:nvPr>
+        </p:nvSpPr>
+        <p:spPr>
+          <a:xfrm>
+            <a:off x="4037926" y="2183802"/>
+            <a:ext cx="7468274" cy="823912"/>
+          </a:xfrm>
+        </p:spPr>
+        <p:txBody>
+          <a:bodyPr/>
+          <a:lstStyle/>
+          <a:p>
+            <a:r>
+              <a:rPr lang="en-US" dirty="0"/>
+              <a:t>Packet Loss Percentage</a:t>
+            </a:r>
+          </a:p>
+        </p:txBody>
+      </p:sp>
+      <p:pic>
+        <p:nvPicPr>
+          <p:cNvPr id="8" name="Content Placeholder 7">
+            <a:extLst>
+              <a:ext uri="{FF2B5EF4-FFF2-40B4-BE49-F238E27FC236}">
+                <a16:creationId xmlns:a16="http://schemas.microsoft.com/office/drawing/2014/main" id="{DADA5BAC-0418-7A45-8099-F02B6772D157}"/>
+              </a:ext>
+            </a:extLst>
+          </p:cNvPr>
+          <p:cNvPicPr>
+            <a:picLocks noGrp="1" noChangeAspect="1"/>
+          </p:cNvPicPr>
+          <p:nvPr>
+            <p:ph sz="half" idx="2"/>
+          </p:nvPr>
+        </p:nvPicPr>
+        <p:blipFill>
+          <a:blip r:embed="rId2"/>
+          <a:stretch>
+            <a:fillRect/>
+          </a:stretch>
+        </p:blipFill>
+        <p:spPr>
+          <a:xfrm>
+            <a:off x="3602390" y="3132138"/>
+            <a:ext cx="4987220" cy="3086100"/>
+          </a:xfrm>
+        </p:spPr>
+      </p:pic>
     </p:spTree>
     <p:extLst>
       <p:ext uri="{BB962C8B-B14F-4D97-AF65-F5344CB8AC3E}">
-        <p14:creationId xmlns:p14="http://schemas.microsoft.com/office/powerpoint/2010/main" val="358534499"/>
+        <p14:creationId xmlns:p14="http://schemas.microsoft.com/office/powerpoint/2010/main" val="1946405097"/>
       </p:ext>
     </p:extLst>
   </p:cSld>
@@ -15544,7 +14163,7 @@
           <p:cNvPr id="2" name="Title 1">
             <a:extLst>
               <a:ext uri="{FF2B5EF4-FFF2-40B4-BE49-F238E27FC236}">
-                <a16:creationId xmlns:a16="http://schemas.microsoft.com/office/drawing/2014/main" id="{36B688A6-84D4-C740-AD97-6D702E047000}"/>
+                <a16:creationId xmlns:a16="http://schemas.microsoft.com/office/drawing/2014/main" id="{5F8E1227-4F6B-EF41-8FBE-425EF4F45CB9}"/>
               </a:ext>
             </a:extLst>
           </p:cNvPr>
@@ -15569,82 +14188,122 @@
       </p:sp>
       <p:sp>
         <p:nvSpPr>
-          <p:cNvPr id="3" name="Content Placeholder 2">
-            <a:extLst>
-              <a:ext uri="{FF2B5EF4-FFF2-40B4-BE49-F238E27FC236}">
-                <a16:creationId xmlns:a16="http://schemas.microsoft.com/office/drawing/2014/main" id="{0E727485-8B7F-CC4C-9289-6EFC70CBC1C2}"/>
-              </a:ext>
-            </a:extLst>
-          </p:cNvPr>
-          <p:cNvSpPr>
-            <a:spLocks noGrp="1"/>
-          </p:cNvSpPr>
-          <p:nvPr>
-            <p:ph idx="1"/>
-          </p:nvPr>
-        </p:nvSpPr>
-        <p:spPr/>
-        <p:txBody>
-          <a:bodyPr/>
-          <a:lstStyle/>
-          <a:p>
-            <a:r>
-              <a:rPr lang="en-US" dirty="0"/>
-              <a:t>Testing Environment</a:t>
-            </a:r>
-          </a:p>
-          <a:p>
-            <a:pPr lvl="1"/>
-            <a:r>
-              <a:rPr lang="en-US" dirty="0"/>
-              <a:t>Ubuntu 16.04 LTS</a:t>
-            </a:r>
-          </a:p>
-          <a:p>
-            <a:pPr lvl="1"/>
-            <a:r>
-              <a:rPr lang="en-US" dirty="0" err="1"/>
-              <a:t>DigitalOcean</a:t>
-            </a:r>
-            <a:r>
-              <a:rPr lang="en-US" dirty="0"/>
-              <a:t> Specifications</a:t>
-            </a:r>
-          </a:p>
-          <a:p>
-            <a:pPr lvl="2"/>
-            <a:r>
-              <a:rPr lang="en-US" dirty="0"/>
-              <a:t>4 CPUs</a:t>
-            </a:r>
-          </a:p>
-          <a:p>
-            <a:pPr lvl="2"/>
-            <a:r>
-              <a:rPr lang="en-US" dirty="0"/>
-              <a:t>8GB of RAM</a:t>
-            </a:r>
-          </a:p>
-          <a:p>
-            <a:pPr lvl="2"/>
-            <a:r>
-              <a:rPr lang="en-US" dirty="0"/>
-              <a:t>80GB SSD</a:t>
-            </a:r>
-          </a:p>
-          <a:p>
-            <a:pPr lvl="2"/>
-            <a:r>
-              <a:rPr lang="en-US" dirty="0"/>
-              <a:t>5TB of transfer</a:t>
-            </a:r>
-          </a:p>
-        </p:txBody>
-      </p:sp>
+          <p:cNvPr id="3" name="Text Placeholder 2">
+            <a:extLst>
+              <a:ext uri="{FF2B5EF4-FFF2-40B4-BE49-F238E27FC236}">
+                <a16:creationId xmlns:a16="http://schemas.microsoft.com/office/drawing/2014/main" id="{0DD9D59B-7D82-464D-910B-81DD678682F1}"/>
+              </a:ext>
+            </a:extLst>
+          </p:cNvPr>
+          <p:cNvSpPr>
+            <a:spLocks noGrp="1"/>
+          </p:cNvSpPr>
+          <p:nvPr>
+            <p:ph type="body" idx="1"/>
+          </p:nvPr>
+        </p:nvSpPr>
+        <p:spPr/>
+        <p:txBody>
+          <a:bodyPr/>
+          <a:lstStyle/>
+          <a:p>
+            <a:r>
+              <a:rPr lang="en-US" dirty="0"/>
+              <a:t>Server Performance</a:t>
+            </a:r>
+          </a:p>
+        </p:txBody>
+      </p:sp>
+      <p:pic>
+        <p:nvPicPr>
+          <p:cNvPr id="8" name="Content Placeholder 7">
+            <a:extLst>
+              <a:ext uri="{FF2B5EF4-FFF2-40B4-BE49-F238E27FC236}">
+                <a16:creationId xmlns:a16="http://schemas.microsoft.com/office/drawing/2014/main" id="{54801F60-0342-1747-A8D4-BD065250C00A}"/>
+              </a:ext>
+            </a:extLst>
+          </p:cNvPr>
+          <p:cNvPicPr>
+            <a:picLocks noGrp="1" noChangeAspect="1"/>
+          </p:cNvPicPr>
+          <p:nvPr>
+            <p:ph sz="half" idx="2"/>
+          </p:nvPr>
+        </p:nvPicPr>
+        <p:blipFill>
+          <a:blip r:embed="rId2"/>
+          <a:stretch>
+            <a:fillRect/>
+          </a:stretch>
+        </p:blipFill>
+        <p:spPr>
+          <a:xfrm>
+            <a:off x="685800" y="4061928"/>
+            <a:ext cx="5311775" cy="1226519"/>
+          </a:xfrm>
+        </p:spPr>
+      </p:pic>
+      <p:sp>
+        <p:nvSpPr>
+          <p:cNvPr id="5" name="Text Placeholder 4">
+            <a:extLst>
+              <a:ext uri="{FF2B5EF4-FFF2-40B4-BE49-F238E27FC236}">
+                <a16:creationId xmlns:a16="http://schemas.microsoft.com/office/drawing/2014/main" id="{1F102324-6B55-8448-8AF9-9E517DF9C334}"/>
+              </a:ext>
+            </a:extLst>
+          </p:cNvPr>
+          <p:cNvSpPr>
+            <a:spLocks noGrp="1"/>
+          </p:cNvSpPr>
+          <p:nvPr>
+            <p:ph type="body" sz="quarter" idx="3"/>
+          </p:nvPr>
+        </p:nvSpPr>
+        <p:spPr/>
+        <p:txBody>
+          <a:bodyPr/>
+          <a:lstStyle/>
+          <a:p>
+            <a:r>
+              <a:rPr lang="en-US" dirty="0"/>
+              <a:t>Client Performance</a:t>
+            </a:r>
+          </a:p>
+        </p:txBody>
+      </p:sp>
+      <p:pic>
+        <p:nvPicPr>
+          <p:cNvPr id="10" name="Content Placeholder 9">
+            <a:extLst>
+              <a:ext uri="{FF2B5EF4-FFF2-40B4-BE49-F238E27FC236}">
+                <a16:creationId xmlns:a16="http://schemas.microsoft.com/office/drawing/2014/main" id="{06ED4690-057D-334A-A525-83750FC12AE8}"/>
+              </a:ext>
+            </a:extLst>
+          </p:cNvPr>
+          <p:cNvPicPr>
+            <a:picLocks noGrp="1" noChangeAspect="1"/>
+          </p:cNvPicPr>
+          <p:nvPr>
+            <p:ph sz="quarter" idx="4"/>
+          </p:nvPr>
+        </p:nvPicPr>
+        <p:blipFill>
+          <a:blip r:embed="rId3"/>
+          <a:stretch>
+            <a:fillRect/>
+          </a:stretch>
+        </p:blipFill>
+        <p:spPr>
+          <a:xfrm>
+            <a:off x="6172200" y="4192910"/>
+            <a:ext cx="5334000" cy="964556"/>
+          </a:xfrm>
+        </p:spPr>
+      </p:pic>
     </p:spTree>
     <p:extLst>
       <p:ext uri="{BB962C8B-B14F-4D97-AF65-F5344CB8AC3E}">
-        <p14:creationId xmlns:p14="http://schemas.microsoft.com/office/powerpoint/2010/main" val="1568745355"/>
+        <p14:creationId xmlns:p14="http://schemas.microsoft.com/office/powerpoint/2010/main" val="3683905744"/>
       </p:ext>
     </p:extLst>
   </p:cSld>
@@ -15676,7 +14335,7 @@
           <p:cNvPr id="2" name="Title 1">
             <a:extLst>
               <a:ext uri="{FF2B5EF4-FFF2-40B4-BE49-F238E27FC236}">
-                <a16:creationId xmlns:a16="http://schemas.microsoft.com/office/drawing/2014/main" id="{36B688A6-84D4-C740-AD97-6D702E047000}"/>
+                <a16:creationId xmlns:a16="http://schemas.microsoft.com/office/drawing/2014/main" id="{8552A0CD-9ED8-C245-AF02-5F56D6086A44}"/>
               </a:ext>
             </a:extLst>
           </p:cNvPr>
@@ -15704,7 +14363,7 @@
           <p:cNvPr id="3" name="Content Placeholder 2">
             <a:extLst>
               <a:ext uri="{FF2B5EF4-FFF2-40B4-BE49-F238E27FC236}">
-                <a16:creationId xmlns:a16="http://schemas.microsoft.com/office/drawing/2014/main" id="{0E727485-8B7F-CC4C-9289-6EFC70CBC1C2}"/>
+                <a16:creationId xmlns:a16="http://schemas.microsoft.com/office/drawing/2014/main" id="{44E5D7DE-722E-0B4F-9DB2-BA8498C1882C}"/>
               </a:ext>
             </a:extLst>
           </p:cNvPr>
@@ -15722,74 +14381,28 @@
           <a:p>
             <a:r>
               <a:rPr lang="en-US" dirty="0"/>
-              <a:t>Testing Environment</a:t>
+              <a:t>Poor Performance</a:t>
             </a:r>
           </a:p>
           <a:p>
             <a:pPr lvl="1"/>
             <a:r>
               <a:rPr lang="en-US" dirty="0"/>
-              <a:t>Ubuntu 16.04 LTS</a:t>
+              <a:t>Low Throughput</a:t>
             </a:r>
           </a:p>
           <a:p>
             <a:pPr lvl="1"/>
             <a:r>
-              <a:rPr lang="en-US" dirty="0" err="1"/>
-              <a:t>DigitalOcean</a:t>
-            </a:r>
-            <a:r>
-              <a:rPr lang="en-US" dirty="0"/>
-              <a:t> Specifications</a:t>
-            </a:r>
-          </a:p>
-          <a:p>
-            <a:pPr lvl="2"/>
-            <a:r>
-              <a:rPr lang="en-US" dirty="0"/>
-              <a:t>4 CPUs</a:t>
-            </a:r>
-          </a:p>
-          <a:p>
-            <a:pPr lvl="2"/>
-            <a:r>
-              <a:rPr lang="en-US" dirty="0"/>
-              <a:t>8GB of RAM</a:t>
-            </a:r>
-          </a:p>
-          <a:p>
-            <a:pPr lvl="2"/>
-            <a:r>
-              <a:rPr lang="en-US" dirty="0"/>
-              <a:t>80GB SSD</a:t>
-            </a:r>
-          </a:p>
-          <a:p>
-            <a:pPr lvl="2"/>
-            <a:r>
-              <a:rPr lang="en-US" dirty="0"/>
-              <a:t>5TB of transfer</a:t>
+              <a:rPr lang="en-US" dirty="0"/>
+              <a:t>High Packet Loss</a:t>
             </a:r>
           </a:p>
           <a:p>
             <a:pPr lvl="1"/>
             <a:r>
               <a:rPr lang="en-US" dirty="0"/>
-              <a:t>Two identically configured servers</a:t>
-            </a:r>
-          </a:p>
-          <a:p>
-            <a:pPr lvl="2"/>
-            <a:r>
-              <a:rPr lang="en-US" dirty="0"/>
-              <a:t>One in New York, USA</a:t>
-            </a:r>
-          </a:p>
-          <a:p>
-            <a:pPr lvl="2"/>
-            <a:r>
-              <a:rPr lang="en-US" dirty="0"/>
-              <a:t>One in Amsterdam, Netherlands</a:t>
+              <a:t>Not Comparable to Related Work</a:t>
             </a:r>
           </a:p>
         </p:txBody>
@@ -15797,7 +14410,7 @@
     </p:spTree>
     <p:extLst>
       <p:ext uri="{BB962C8B-B14F-4D97-AF65-F5344CB8AC3E}">
-        <p14:creationId xmlns:p14="http://schemas.microsoft.com/office/powerpoint/2010/main" val="326752799"/>
+        <p14:creationId xmlns:p14="http://schemas.microsoft.com/office/powerpoint/2010/main" val="707122240"/>
       </p:ext>
     </p:extLst>
   </p:cSld>
@@ -15829,7 +14442,7 @@
           <p:cNvPr id="2" name="Title 1">
             <a:extLst>
               <a:ext uri="{FF2B5EF4-FFF2-40B4-BE49-F238E27FC236}">
-                <a16:creationId xmlns:a16="http://schemas.microsoft.com/office/drawing/2014/main" id="{0C4AB209-CFDD-7C4E-B1D2-373DBF2E9FCC}"/>
+                <a16:creationId xmlns:a16="http://schemas.microsoft.com/office/drawing/2014/main" id="{14239683-75C1-2A49-B7A5-2060FA86C78F}"/>
               </a:ext>
             </a:extLst>
           </p:cNvPr>
@@ -15847,7 +14460,7 @@
           <a:p>
             <a:r>
               <a:rPr lang="en-US" dirty="0"/>
-              <a:t>TESTING &amp; ANALYSIS</a:t>
+              <a:t>Testing &amp; Analysis</a:t>
             </a:r>
           </a:p>
         </p:txBody>
@@ -15857,7 +14470,7 @@
           <p:cNvPr id="3" name="Content Placeholder 2">
             <a:extLst>
               <a:ext uri="{FF2B5EF4-FFF2-40B4-BE49-F238E27FC236}">
-                <a16:creationId xmlns:a16="http://schemas.microsoft.com/office/drawing/2014/main" id="{20F64C88-DCE6-C248-BC4D-4ED23FD000B8}"/>
+                <a16:creationId xmlns:a16="http://schemas.microsoft.com/office/drawing/2014/main" id="{00932440-DD1F-C843-99EF-BD59813575D7}"/>
               </a:ext>
             </a:extLst>
           </p:cNvPr>
@@ -15875,7 +14488,7 @@
           <a:p>
             <a:r>
               <a:rPr lang="en-US" dirty="0"/>
-              <a:t>Test Configurations</a:t>
+              <a:t>The Issue</a:t>
             </a:r>
           </a:p>
         </p:txBody>
@@ -15883,7 +14496,7 @@
     </p:spTree>
     <p:extLst>
       <p:ext uri="{BB962C8B-B14F-4D97-AF65-F5344CB8AC3E}">
-        <p14:creationId xmlns:p14="http://schemas.microsoft.com/office/powerpoint/2010/main" val="1147788033"/>
+        <p14:creationId xmlns:p14="http://schemas.microsoft.com/office/powerpoint/2010/main" val="3846321249"/>
       </p:ext>
     </p:extLst>
   </p:cSld>
@@ -15915,7 +14528,7 @@
           <p:cNvPr id="2" name="Title 1">
             <a:extLst>
               <a:ext uri="{FF2B5EF4-FFF2-40B4-BE49-F238E27FC236}">
-                <a16:creationId xmlns:a16="http://schemas.microsoft.com/office/drawing/2014/main" id="{0C4AB209-CFDD-7C4E-B1D2-373DBF2E9FCC}"/>
+                <a16:creationId xmlns:a16="http://schemas.microsoft.com/office/drawing/2014/main" id="{14239683-75C1-2A49-B7A5-2060FA86C78F}"/>
               </a:ext>
             </a:extLst>
           </p:cNvPr>
@@ -15933,7 +14546,7 @@
           <a:p>
             <a:r>
               <a:rPr lang="en-US" dirty="0"/>
-              <a:t>TESTING &amp; ANALYSIS</a:t>
+              <a:t>Testing &amp; Analysis</a:t>
             </a:r>
           </a:p>
         </p:txBody>
@@ -15943,7 +14556,7 @@
           <p:cNvPr id="3" name="Content Placeholder 2">
             <a:extLst>
               <a:ext uri="{FF2B5EF4-FFF2-40B4-BE49-F238E27FC236}">
-                <a16:creationId xmlns:a16="http://schemas.microsoft.com/office/drawing/2014/main" id="{20F64C88-DCE6-C248-BC4D-4ED23FD000B8}"/>
+                <a16:creationId xmlns:a16="http://schemas.microsoft.com/office/drawing/2014/main" id="{00932440-DD1F-C843-99EF-BD59813575D7}"/>
               </a:ext>
             </a:extLst>
           </p:cNvPr>
@@ -15961,21 +14574,14 @@
           <a:p>
             <a:r>
               <a:rPr lang="en-US" dirty="0"/>
-              <a:t>Test Configurations</a:t>
+              <a:t>The Issue</a:t>
             </a:r>
           </a:p>
           <a:p>
             <a:pPr lvl="1"/>
             <a:r>
               <a:rPr lang="en-US" dirty="0"/>
-              <a:t>Channel Count</a:t>
-            </a:r>
-          </a:p>
-          <a:p>
-            <a:pPr lvl="2"/>
-            <a:r>
-              <a:rPr lang="en-US" dirty="0"/>
-              <a:t>1, 2, 4, and 8</a:t>
+              <a:t>Overuse of Asynchrony [12]</a:t>
             </a:r>
           </a:p>
         </p:txBody>
@@ -15983,7 +14589,7 @@
     </p:spTree>
     <p:extLst>
       <p:ext uri="{BB962C8B-B14F-4D97-AF65-F5344CB8AC3E}">
-        <p14:creationId xmlns:p14="http://schemas.microsoft.com/office/powerpoint/2010/main" val="1423567248"/>
+        <p14:creationId xmlns:p14="http://schemas.microsoft.com/office/powerpoint/2010/main" val="633758777"/>
       </p:ext>
     </p:extLst>
   </p:cSld>
@@ -16015,7 +14621,7 @@
           <p:cNvPr id="2" name="Title 1">
             <a:extLst>
               <a:ext uri="{FF2B5EF4-FFF2-40B4-BE49-F238E27FC236}">
-                <a16:creationId xmlns:a16="http://schemas.microsoft.com/office/drawing/2014/main" id="{0C4AB209-CFDD-7C4E-B1D2-373DBF2E9FCC}"/>
+                <a16:creationId xmlns:a16="http://schemas.microsoft.com/office/drawing/2014/main" id="{14239683-75C1-2A49-B7A5-2060FA86C78F}"/>
               </a:ext>
             </a:extLst>
           </p:cNvPr>
@@ -16033,7 +14639,7 @@
           <a:p>
             <a:r>
               <a:rPr lang="en-US" dirty="0"/>
-              <a:t>TESTING &amp; ANALYSIS</a:t>
+              <a:t>Testing &amp; Analysis</a:t>
             </a:r>
           </a:p>
         </p:txBody>
@@ -16043,7 +14649,7 @@
           <p:cNvPr id="3" name="Content Placeholder 2">
             <a:extLst>
               <a:ext uri="{FF2B5EF4-FFF2-40B4-BE49-F238E27FC236}">
-                <a16:creationId xmlns:a16="http://schemas.microsoft.com/office/drawing/2014/main" id="{20F64C88-DCE6-C248-BC4D-4ED23FD000B8}"/>
+                <a16:creationId xmlns:a16="http://schemas.microsoft.com/office/drawing/2014/main" id="{00932440-DD1F-C843-99EF-BD59813575D7}"/>
               </a:ext>
             </a:extLst>
           </p:cNvPr>
@@ -16061,35 +14667,21 @@
           <a:p>
             <a:r>
               <a:rPr lang="en-US" dirty="0"/>
-              <a:t>Test Configurations</a:t>
+              <a:t>The Issue</a:t>
             </a:r>
           </a:p>
           <a:p>
             <a:pPr lvl="1"/>
             <a:r>
               <a:rPr lang="en-US" dirty="0"/>
-              <a:t>Channel Count</a:t>
+              <a:t>Overuse of Asynchrony [12]</a:t>
             </a:r>
           </a:p>
           <a:p>
             <a:pPr lvl="2"/>
             <a:r>
               <a:rPr lang="en-US" dirty="0"/>
-              <a:t>1, 2, 4, and 8</a:t>
-            </a:r>
-          </a:p>
-          <a:p>
-            <a:pPr lvl="1"/>
-            <a:r>
-              <a:rPr lang="en-US" dirty="0"/>
-              <a:t>Data Source</a:t>
-            </a:r>
-          </a:p>
-          <a:p>
-            <a:pPr lvl="2"/>
-            <a:r>
-              <a:rPr lang="en-US" dirty="0"/>
-              <a:t>1GB in size</a:t>
+              <a:t>Unsubstantiated</a:t>
             </a:r>
           </a:p>
         </p:txBody>
@@ -16097,7 +14689,7 @@
     </p:spTree>
     <p:extLst>
       <p:ext uri="{BB962C8B-B14F-4D97-AF65-F5344CB8AC3E}">
-        <p14:creationId xmlns:p14="http://schemas.microsoft.com/office/powerpoint/2010/main" val="3191422289"/>
+        <p14:creationId xmlns:p14="http://schemas.microsoft.com/office/powerpoint/2010/main" val="741822735"/>
       </p:ext>
     </p:extLst>
   </p:cSld>
@@ -16129,7 +14721,7 @@
           <p:cNvPr id="2" name="Title 1">
             <a:extLst>
               <a:ext uri="{FF2B5EF4-FFF2-40B4-BE49-F238E27FC236}">
-                <a16:creationId xmlns:a16="http://schemas.microsoft.com/office/drawing/2014/main" id="{0C4AB209-CFDD-7C4E-B1D2-373DBF2E9FCC}"/>
+                <a16:creationId xmlns:a16="http://schemas.microsoft.com/office/drawing/2014/main" id="{4DB9C2E6-B20B-C74A-A9B0-B2085543A8C0}"/>
               </a:ext>
             </a:extLst>
           </p:cNvPr>
@@ -16147,7 +14739,7 @@
           <a:p>
             <a:r>
               <a:rPr lang="en-US" dirty="0"/>
-              <a:t>TESTING &amp; ANALYSIS</a:t>
+              <a:t>Testing &amp; Analysis</a:t>
             </a:r>
           </a:p>
         </p:txBody>
@@ -16157,7 +14749,7 @@
           <p:cNvPr id="3" name="Content Placeholder 2">
             <a:extLst>
               <a:ext uri="{FF2B5EF4-FFF2-40B4-BE49-F238E27FC236}">
-                <a16:creationId xmlns:a16="http://schemas.microsoft.com/office/drawing/2014/main" id="{20F64C88-DCE6-C248-BC4D-4ED23FD000B8}"/>
+                <a16:creationId xmlns:a16="http://schemas.microsoft.com/office/drawing/2014/main" id="{4B360554-5FBB-A045-938D-D8069E2EA7EB}"/>
               </a:ext>
             </a:extLst>
           </p:cNvPr>
@@ -16175,56 +14767,28 @@
           <a:p>
             <a:r>
               <a:rPr lang="en-US" dirty="0"/>
-              <a:t>Test Configurations</a:t>
+              <a:t>.NET Core Asynchrony</a:t>
             </a:r>
           </a:p>
           <a:p>
             <a:pPr lvl="1"/>
             <a:r>
               <a:rPr lang="en-US" dirty="0"/>
-              <a:t>Channel Count</a:t>
+              <a:t>TPL Handles all Asynchronous Work [10]</a:t>
             </a:r>
           </a:p>
           <a:p>
             <a:pPr lvl="2"/>
             <a:r>
               <a:rPr lang="en-US" dirty="0"/>
-              <a:t>1, 2, 4, and 8</a:t>
-            </a:r>
-          </a:p>
-          <a:p>
-            <a:pPr lvl="1"/>
-            <a:r>
-              <a:rPr lang="en-US" dirty="0"/>
-              <a:t>Data Source</a:t>
+              <a:t>Computation</a:t>
             </a:r>
           </a:p>
           <a:p>
             <a:pPr lvl="2"/>
             <a:r>
               <a:rPr lang="en-US" dirty="0"/>
-              <a:t>1GB in size</a:t>
-            </a:r>
-          </a:p>
-          <a:p>
-            <a:pPr lvl="1"/>
-            <a:r>
-              <a:rPr lang="en-US" dirty="0"/>
-              <a:t>Maximum Transmission Unit</a:t>
-            </a:r>
-          </a:p>
-          <a:p>
-            <a:pPr lvl="2"/>
-            <a:r>
-              <a:rPr lang="en-US" dirty="0"/>
-              <a:t>1500 bytes</a:t>
-            </a:r>
-          </a:p>
-          <a:p>
-            <a:pPr lvl="2"/>
-            <a:r>
-              <a:rPr lang="en-US" dirty="0"/>
-              <a:t>Using 1400 bytes to account for packet headers</a:t>
+              <a:t>I/O</a:t>
             </a:r>
           </a:p>
         </p:txBody>
@@ -16232,7 +14796,7 @@
     </p:spTree>
     <p:extLst>
       <p:ext uri="{BB962C8B-B14F-4D97-AF65-F5344CB8AC3E}">
-        <p14:creationId xmlns:p14="http://schemas.microsoft.com/office/powerpoint/2010/main" val="2061729408"/>
+        <p14:creationId xmlns:p14="http://schemas.microsoft.com/office/powerpoint/2010/main" val="378317410"/>
       </p:ext>
     </p:extLst>
   </p:cSld>
@@ -16434,7 +14998,7 @@
           <p:cNvPr id="2" name="Title 1">
             <a:extLst>
               <a:ext uri="{FF2B5EF4-FFF2-40B4-BE49-F238E27FC236}">
-                <a16:creationId xmlns:a16="http://schemas.microsoft.com/office/drawing/2014/main" id="{A963F670-DB63-774E-8FC5-844145A55111}"/>
+                <a16:creationId xmlns:a16="http://schemas.microsoft.com/office/drawing/2014/main" id="{0DDCEF10-9814-AF4D-8071-5A075C5A8A00}"/>
               </a:ext>
             </a:extLst>
           </p:cNvPr>
@@ -16462,7 +15026,7 @@
           <p:cNvPr id="3" name="Content Placeholder 2">
             <a:extLst>
               <a:ext uri="{FF2B5EF4-FFF2-40B4-BE49-F238E27FC236}">
-                <a16:creationId xmlns:a16="http://schemas.microsoft.com/office/drawing/2014/main" id="{C6C58BED-D03E-D84F-9732-3EE6B5B00026}"/>
+                <a16:creationId xmlns:a16="http://schemas.microsoft.com/office/drawing/2014/main" id="{A7E12F6F-92A8-694F-A259-3C8D89235914}"/>
               </a:ext>
             </a:extLst>
           </p:cNvPr>
@@ -16480,21 +15044,21 @@
           <a:p>
             <a:r>
               <a:rPr lang="en-US" dirty="0"/>
-              <a:t>Test Metrics</a:t>
+              <a:t>Task Parallel Library</a:t>
             </a:r>
           </a:p>
           <a:p>
             <a:pPr lvl="1"/>
             <a:r>
               <a:rPr lang="en-US" dirty="0"/>
-              <a:t>Throughput</a:t>
-            </a:r>
-          </a:p>
-          <a:p>
-            <a:pPr lvl="1"/>
-            <a:r>
-              <a:rPr lang="en-US" dirty="0"/>
-              <a:t>Packet Loss</a:t>
+              <a:t>Request underlying runtime to handle I/O operations [9][13]</a:t>
+            </a:r>
+          </a:p>
+          <a:p>
+            <a:pPr lvl="2"/>
+            <a:r>
+              <a:rPr lang="en-US" dirty="0"/>
+              <a:t>Common Language Runtime (CLR)</a:t>
             </a:r>
           </a:p>
         </p:txBody>
@@ -16502,7 +15066,7 @@
     </p:spTree>
     <p:extLst>
       <p:ext uri="{BB962C8B-B14F-4D97-AF65-F5344CB8AC3E}">
-        <p14:creationId xmlns:p14="http://schemas.microsoft.com/office/powerpoint/2010/main" val="692004533"/>
+        <p14:creationId xmlns:p14="http://schemas.microsoft.com/office/powerpoint/2010/main" val="104277310"/>
       </p:ext>
     </p:extLst>
   </p:cSld>
@@ -16534,7 +15098,7 @@
           <p:cNvPr id="2" name="Title 1">
             <a:extLst>
               <a:ext uri="{FF2B5EF4-FFF2-40B4-BE49-F238E27FC236}">
-                <a16:creationId xmlns:a16="http://schemas.microsoft.com/office/drawing/2014/main" id="{1BF3A72A-290C-EB4B-A95D-EAD93B784399}"/>
+                <a16:creationId xmlns:a16="http://schemas.microsoft.com/office/drawing/2014/main" id="{F3A7DF3A-9BB0-A047-A4B4-672FE96F50B4}"/>
               </a:ext>
             </a:extLst>
           </p:cNvPr>
@@ -16559,122 +15123,43 @@
       </p:sp>
       <p:sp>
         <p:nvSpPr>
-          <p:cNvPr id="3" name="Text Placeholder 2">
-            <a:extLst>
-              <a:ext uri="{FF2B5EF4-FFF2-40B4-BE49-F238E27FC236}">
-                <a16:creationId xmlns:a16="http://schemas.microsoft.com/office/drawing/2014/main" id="{FF95559F-A255-9F44-B34C-595FC81033FC}"/>
-              </a:ext>
-            </a:extLst>
-          </p:cNvPr>
-          <p:cNvSpPr>
-            <a:spLocks noGrp="1"/>
-          </p:cNvSpPr>
-          <p:nvPr>
-            <p:ph type="body" idx="1"/>
-          </p:nvPr>
-        </p:nvSpPr>
-        <p:spPr/>
-        <p:txBody>
-          <a:bodyPr/>
-          <a:lstStyle/>
-          <a:p>
-            <a:r>
-              <a:rPr lang="en-US" dirty="0"/>
-              <a:t>Server Throughput</a:t>
-            </a:r>
-          </a:p>
-        </p:txBody>
-      </p:sp>
-      <p:pic>
-        <p:nvPicPr>
-          <p:cNvPr id="8" name="Content Placeholder 7">
-            <a:extLst>
-              <a:ext uri="{FF2B5EF4-FFF2-40B4-BE49-F238E27FC236}">
-                <a16:creationId xmlns:a16="http://schemas.microsoft.com/office/drawing/2014/main" id="{328EE5B1-45DB-724B-B8CC-66C12D1D3D4A}"/>
-              </a:ext>
-            </a:extLst>
-          </p:cNvPr>
-          <p:cNvPicPr>
-            <a:picLocks noGrp="1" noChangeAspect="1"/>
-          </p:cNvPicPr>
-          <p:nvPr>
-            <p:ph sz="half" idx="2"/>
-          </p:nvPr>
-        </p:nvPicPr>
-        <p:blipFill>
-          <a:blip r:embed="rId2"/>
-          <a:stretch>
-            <a:fillRect/>
-          </a:stretch>
-        </p:blipFill>
-        <p:spPr>
-          <a:xfrm>
-            <a:off x="849269" y="3132138"/>
-            <a:ext cx="4984836" cy="3086100"/>
-          </a:xfrm>
-        </p:spPr>
-      </p:pic>
-      <p:sp>
-        <p:nvSpPr>
-          <p:cNvPr id="5" name="Text Placeholder 4">
-            <a:extLst>
-              <a:ext uri="{FF2B5EF4-FFF2-40B4-BE49-F238E27FC236}">
-                <a16:creationId xmlns:a16="http://schemas.microsoft.com/office/drawing/2014/main" id="{87101954-7ED6-A648-B5F0-E83E383CECD3}"/>
-              </a:ext>
-            </a:extLst>
-          </p:cNvPr>
-          <p:cNvSpPr>
-            <a:spLocks noGrp="1"/>
-          </p:cNvSpPr>
-          <p:nvPr>
-            <p:ph type="body" sz="quarter" idx="3"/>
-          </p:nvPr>
-        </p:nvSpPr>
-        <p:spPr/>
-        <p:txBody>
-          <a:bodyPr/>
-          <a:lstStyle/>
-          <a:p>
-            <a:r>
-              <a:rPr lang="en-US" dirty="0"/>
-              <a:t>Client Throughput</a:t>
-            </a:r>
-          </a:p>
-        </p:txBody>
-      </p:sp>
-      <p:pic>
-        <p:nvPicPr>
-          <p:cNvPr id="10" name="Content Placeholder 9">
-            <a:extLst>
-              <a:ext uri="{FF2B5EF4-FFF2-40B4-BE49-F238E27FC236}">
-                <a16:creationId xmlns:a16="http://schemas.microsoft.com/office/drawing/2014/main" id="{8A74BB55-230C-444B-AFEC-B643E6ACEB11}"/>
-              </a:ext>
-            </a:extLst>
-          </p:cNvPr>
-          <p:cNvPicPr>
-            <a:picLocks noGrp="1" noChangeAspect="1"/>
-          </p:cNvPicPr>
-          <p:nvPr>
-            <p:ph sz="quarter" idx="4"/>
-          </p:nvPr>
-        </p:nvPicPr>
-        <p:blipFill>
-          <a:blip r:embed="rId3"/>
-          <a:stretch>
-            <a:fillRect/>
-          </a:stretch>
-        </p:blipFill>
-        <p:spPr>
-          <a:xfrm>
-            <a:off x="6346971" y="3132138"/>
-            <a:ext cx="4984457" cy="3086100"/>
-          </a:xfrm>
-        </p:spPr>
-      </p:pic>
+          <p:cNvPr id="3" name="Content Placeholder 2">
+            <a:extLst>
+              <a:ext uri="{FF2B5EF4-FFF2-40B4-BE49-F238E27FC236}">
+                <a16:creationId xmlns:a16="http://schemas.microsoft.com/office/drawing/2014/main" id="{8EC757A6-6C9B-6D44-97B0-B67B391E577C}"/>
+              </a:ext>
+            </a:extLst>
+          </p:cNvPr>
+          <p:cNvSpPr>
+            <a:spLocks noGrp="1"/>
+          </p:cNvSpPr>
+          <p:nvPr>
+            <p:ph idx="1"/>
+          </p:nvPr>
+        </p:nvSpPr>
+        <p:spPr/>
+        <p:txBody>
+          <a:bodyPr/>
+          <a:lstStyle/>
+          <a:p>
+            <a:r>
+              <a:rPr lang="en-US" dirty="0"/>
+              <a:t>CLR [13]</a:t>
+            </a:r>
+          </a:p>
+          <a:p>
+            <a:pPr lvl="1"/>
+            <a:r>
+              <a:rPr lang="en-US" dirty="0"/>
+              <a:t>Executes Asynchronous Computations on a Thread Pool</a:t>
+            </a:r>
+          </a:p>
+        </p:txBody>
+      </p:sp>
     </p:spTree>
     <p:extLst>
       <p:ext uri="{BB962C8B-B14F-4D97-AF65-F5344CB8AC3E}">
-        <p14:creationId xmlns:p14="http://schemas.microsoft.com/office/powerpoint/2010/main" val="3879994193"/>
+        <p14:creationId xmlns:p14="http://schemas.microsoft.com/office/powerpoint/2010/main" val="1630819960"/>
       </p:ext>
     </p:extLst>
   </p:cSld>
@@ -16706,7 +15191,7 @@
           <p:cNvPr id="2" name="Title 1">
             <a:extLst>
               <a:ext uri="{FF2B5EF4-FFF2-40B4-BE49-F238E27FC236}">
-                <a16:creationId xmlns:a16="http://schemas.microsoft.com/office/drawing/2014/main" id="{2F0E4E34-949E-DE44-999B-E63B715F53A0}"/>
+                <a16:creationId xmlns:a16="http://schemas.microsoft.com/office/drawing/2014/main" id="{F3A7DF3A-9BB0-A047-A4B4-672FE96F50B4}"/>
               </a:ext>
             </a:extLst>
           </p:cNvPr>
@@ -16731,70 +15216,57 @@
       </p:sp>
       <p:sp>
         <p:nvSpPr>
-          <p:cNvPr id="3" name="Text Placeholder 2">
-            <a:extLst>
-              <a:ext uri="{FF2B5EF4-FFF2-40B4-BE49-F238E27FC236}">
-                <a16:creationId xmlns:a16="http://schemas.microsoft.com/office/drawing/2014/main" id="{8A69884E-AB23-DC42-A740-9CCC2AEE5D42}"/>
-              </a:ext>
-            </a:extLst>
-          </p:cNvPr>
-          <p:cNvSpPr>
-            <a:spLocks noGrp="1"/>
-          </p:cNvSpPr>
-          <p:nvPr>
-            <p:ph type="body" idx="1"/>
-          </p:nvPr>
-        </p:nvSpPr>
-        <p:spPr>
-          <a:xfrm>
-            <a:off x="4037926" y="2183802"/>
-            <a:ext cx="7468274" cy="823912"/>
-          </a:xfrm>
-        </p:spPr>
-        <p:txBody>
-          <a:bodyPr/>
-          <a:lstStyle/>
-          <a:p>
-            <a:r>
-              <a:rPr lang="en-US" dirty="0"/>
-              <a:t>Packet Loss Percentage</a:t>
-            </a:r>
-          </a:p>
-        </p:txBody>
-      </p:sp>
-      <p:pic>
-        <p:nvPicPr>
-          <p:cNvPr id="8" name="Content Placeholder 7">
-            <a:extLst>
-              <a:ext uri="{FF2B5EF4-FFF2-40B4-BE49-F238E27FC236}">
-                <a16:creationId xmlns:a16="http://schemas.microsoft.com/office/drawing/2014/main" id="{DADA5BAC-0418-7A45-8099-F02B6772D157}"/>
-              </a:ext>
-            </a:extLst>
-          </p:cNvPr>
-          <p:cNvPicPr>
-            <a:picLocks noGrp="1" noChangeAspect="1"/>
-          </p:cNvPicPr>
-          <p:nvPr>
-            <p:ph sz="half" idx="2"/>
-          </p:nvPr>
-        </p:nvPicPr>
-        <p:blipFill>
-          <a:blip r:embed="rId2"/>
-          <a:stretch>
-            <a:fillRect/>
-          </a:stretch>
-        </p:blipFill>
-        <p:spPr>
-          <a:xfrm>
-            <a:off x="3602390" y="3132138"/>
-            <a:ext cx="4987220" cy="3086100"/>
-          </a:xfrm>
-        </p:spPr>
-      </p:pic>
+          <p:cNvPr id="3" name="Content Placeholder 2">
+            <a:extLst>
+              <a:ext uri="{FF2B5EF4-FFF2-40B4-BE49-F238E27FC236}">
+                <a16:creationId xmlns:a16="http://schemas.microsoft.com/office/drawing/2014/main" id="{8EC757A6-6C9B-6D44-97B0-B67B391E577C}"/>
+              </a:ext>
+            </a:extLst>
+          </p:cNvPr>
+          <p:cNvSpPr>
+            <a:spLocks noGrp="1"/>
+          </p:cNvSpPr>
+          <p:nvPr>
+            <p:ph idx="1"/>
+          </p:nvPr>
+        </p:nvSpPr>
+        <p:spPr/>
+        <p:txBody>
+          <a:bodyPr/>
+          <a:lstStyle/>
+          <a:p>
+            <a:r>
+              <a:rPr lang="en-US" dirty="0"/>
+              <a:t>CLR [13]</a:t>
+            </a:r>
+          </a:p>
+          <a:p>
+            <a:pPr lvl="1"/>
+            <a:r>
+              <a:rPr lang="en-US" dirty="0"/>
+              <a:t>Executes Asynchronous Computations on a Thread Pool</a:t>
+            </a:r>
+          </a:p>
+          <a:p>
+            <a:pPr lvl="1"/>
+            <a:r>
+              <a:rPr lang="en-US" dirty="0"/>
+              <a:t>Uses I/O Completion Ports (IOCP) for I/O operations</a:t>
+            </a:r>
+          </a:p>
+          <a:p>
+            <a:pPr lvl="2"/>
+            <a:r>
+              <a:rPr lang="en-US" dirty="0"/>
+              <a:t>Kernel-level thread pool</a:t>
+            </a:r>
+          </a:p>
+        </p:txBody>
+      </p:sp>
     </p:spTree>
     <p:extLst>
       <p:ext uri="{BB962C8B-B14F-4D97-AF65-F5344CB8AC3E}">
-        <p14:creationId xmlns:p14="http://schemas.microsoft.com/office/powerpoint/2010/main" val="1946405097"/>
+        <p14:creationId xmlns:p14="http://schemas.microsoft.com/office/powerpoint/2010/main" val="1679070217"/>
       </p:ext>
     </p:extLst>
   </p:cSld>
@@ -16826,7 +15298,7 @@
           <p:cNvPr id="2" name="Title 1">
             <a:extLst>
               <a:ext uri="{FF2B5EF4-FFF2-40B4-BE49-F238E27FC236}">
-                <a16:creationId xmlns:a16="http://schemas.microsoft.com/office/drawing/2014/main" id="{5F8E1227-4F6B-EF41-8FBE-425EF4F45CB9}"/>
+                <a16:creationId xmlns:a16="http://schemas.microsoft.com/office/drawing/2014/main" id="{F3A7DF3A-9BB0-A047-A4B4-672FE96F50B4}"/>
               </a:ext>
             </a:extLst>
           </p:cNvPr>
@@ -16851,122 +15323,64 @@
       </p:sp>
       <p:sp>
         <p:nvSpPr>
-          <p:cNvPr id="3" name="Text Placeholder 2">
-            <a:extLst>
-              <a:ext uri="{FF2B5EF4-FFF2-40B4-BE49-F238E27FC236}">
-                <a16:creationId xmlns:a16="http://schemas.microsoft.com/office/drawing/2014/main" id="{0DD9D59B-7D82-464D-910B-81DD678682F1}"/>
-              </a:ext>
-            </a:extLst>
-          </p:cNvPr>
-          <p:cNvSpPr>
-            <a:spLocks noGrp="1"/>
-          </p:cNvSpPr>
-          <p:nvPr>
-            <p:ph type="body" idx="1"/>
-          </p:nvPr>
-        </p:nvSpPr>
-        <p:spPr/>
-        <p:txBody>
-          <a:bodyPr/>
-          <a:lstStyle/>
-          <a:p>
-            <a:r>
-              <a:rPr lang="en-US" dirty="0"/>
-              <a:t>Server Performance</a:t>
-            </a:r>
-          </a:p>
-        </p:txBody>
-      </p:sp>
-      <p:pic>
-        <p:nvPicPr>
-          <p:cNvPr id="8" name="Content Placeholder 7">
-            <a:extLst>
-              <a:ext uri="{FF2B5EF4-FFF2-40B4-BE49-F238E27FC236}">
-                <a16:creationId xmlns:a16="http://schemas.microsoft.com/office/drawing/2014/main" id="{54801F60-0342-1747-A8D4-BD065250C00A}"/>
-              </a:ext>
-            </a:extLst>
-          </p:cNvPr>
-          <p:cNvPicPr>
-            <a:picLocks noGrp="1" noChangeAspect="1"/>
-          </p:cNvPicPr>
-          <p:nvPr>
-            <p:ph sz="half" idx="2"/>
-          </p:nvPr>
-        </p:nvPicPr>
-        <p:blipFill>
-          <a:blip r:embed="rId2"/>
-          <a:stretch>
-            <a:fillRect/>
-          </a:stretch>
-        </p:blipFill>
-        <p:spPr>
-          <a:xfrm>
-            <a:off x="685800" y="4061928"/>
-            <a:ext cx="5311775" cy="1226519"/>
-          </a:xfrm>
-        </p:spPr>
-      </p:pic>
-      <p:sp>
-        <p:nvSpPr>
-          <p:cNvPr id="5" name="Text Placeholder 4">
-            <a:extLst>
-              <a:ext uri="{FF2B5EF4-FFF2-40B4-BE49-F238E27FC236}">
-                <a16:creationId xmlns:a16="http://schemas.microsoft.com/office/drawing/2014/main" id="{1F102324-6B55-8448-8AF9-9E517DF9C334}"/>
-              </a:ext>
-            </a:extLst>
-          </p:cNvPr>
-          <p:cNvSpPr>
-            <a:spLocks noGrp="1"/>
-          </p:cNvSpPr>
-          <p:nvPr>
-            <p:ph type="body" sz="quarter" idx="3"/>
-          </p:nvPr>
-        </p:nvSpPr>
-        <p:spPr/>
-        <p:txBody>
-          <a:bodyPr/>
-          <a:lstStyle/>
-          <a:p>
-            <a:r>
-              <a:rPr lang="en-US" dirty="0"/>
-              <a:t>Client Performance</a:t>
-            </a:r>
-          </a:p>
-        </p:txBody>
-      </p:sp>
-      <p:pic>
-        <p:nvPicPr>
-          <p:cNvPr id="10" name="Content Placeholder 9">
-            <a:extLst>
-              <a:ext uri="{FF2B5EF4-FFF2-40B4-BE49-F238E27FC236}">
-                <a16:creationId xmlns:a16="http://schemas.microsoft.com/office/drawing/2014/main" id="{06ED4690-057D-334A-A525-83750FC12AE8}"/>
-              </a:ext>
-            </a:extLst>
-          </p:cNvPr>
-          <p:cNvPicPr>
-            <a:picLocks noGrp="1" noChangeAspect="1"/>
-          </p:cNvPicPr>
-          <p:nvPr>
-            <p:ph sz="quarter" idx="4"/>
-          </p:nvPr>
-        </p:nvPicPr>
-        <p:blipFill>
-          <a:blip r:embed="rId3"/>
-          <a:stretch>
-            <a:fillRect/>
-          </a:stretch>
-        </p:blipFill>
-        <p:spPr>
-          <a:xfrm>
-            <a:off x="6172200" y="4192910"/>
-            <a:ext cx="5334000" cy="964556"/>
-          </a:xfrm>
-        </p:spPr>
-      </p:pic>
+          <p:cNvPr id="3" name="Content Placeholder 2">
+            <a:extLst>
+              <a:ext uri="{FF2B5EF4-FFF2-40B4-BE49-F238E27FC236}">
+                <a16:creationId xmlns:a16="http://schemas.microsoft.com/office/drawing/2014/main" id="{8EC757A6-6C9B-6D44-97B0-B67B391E577C}"/>
+              </a:ext>
+            </a:extLst>
+          </p:cNvPr>
+          <p:cNvSpPr>
+            <a:spLocks noGrp="1"/>
+          </p:cNvSpPr>
+          <p:nvPr>
+            <p:ph idx="1"/>
+          </p:nvPr>
+        </p:nvSpPr>
+        <p:spPr/>
+        <p:txBody>
+          <a:bodyPr/>
+          <a:lstStyle/>
+          <a:p>
+            <a:r>
+              <a:rPr lang="en-US" dirty="0"/>
+              <a:t>CLR [13]</a:t>
+            </a:r>
+          </a:p>
+          <a:p>
+            <a:pPr lvl="1"/>
+            <a:r>
+              <a:rPr lang="en-US" dirty="0"/>
+              <a:t>Executes Asynchronous Computations on a Thread Pool</a:t>
+            </a:r>
+          </a:p>
+          <a:p>
+            <a:pPr lvl="1"/>
+            <a:r>
+              <a:rPr lang="en-US" dirty="0"/>
+              <a:t>Uses I/O Completion Ports (IOCP) for I/O operations</a:t>
+            </a:r>
+          </a:p>
+          <a:p>
+            <a:pPr lvl="2"/>
+            <a:r>
+              <a:rPr lang="en-US" dirty="0"/>
+              <a:t>Kernel-level thread pool</a:t>
+            </a:r>
+          </a:p>
+          <a:p>
+            <a:pPr lvl="2"/>
+            <a:r>
+              <a:rPr lang="en-US" dirty="0"/>
+              <a:t>Only used on Win32 Kernel</a:t>
+            </a:r>
+          </a:p>
+        </p:txBody>
+      </p:sp>
     </p:spTree>
     <p:extLst>
       <p:ext uri="{BB962C8B-B14F-4D97-AF65-F5344CB8AC3E}">
-        <p14:creationId xmlns:p14="http://schemas.microsoft.com/office/powerpoint/2010/main" val="3683905744"/>
+        <p14:creationId xmlns:p14="http://schemas.microsoft.com/office/powerpoint/2010/main" val="268586419"/>
       </p:ext>
     </p:extLst>
   </p:cSld>
@@ -16998,7 +15412,7 @@
           <p:cNvPr id="2" name="Title 1">
             <a:extLst>
               <a:ext uri="{FF2B5EF4-FFF2-40B4-BE49-F238E27FC236}">
-                <a16:creationId xmlns:a16="http://schemas.microsoft.com/office/drawing/2014/main" id="{A6DDB5B7-246E-6D4F-940A-37416839216C}"/>
+                <a16:creationId xmlns:a16="http://schemas.microsoft.com/office/drawing/2014/main" id="{FCE14001-3339-374F-841D-53AA8BB759C8}"/>
               </a:ext>
             </a:extLst>
           </p:cNvPr>
@@ -17018,13 +15432,59 @@
               <a:rPr lang="en-US" dirty="0"/>
               <a:t>Testing &amp; Analysis</a:t>
             </a:r>
+          </a:p>
+        </p:txBody>
+      </p:sp>
+      <p:sp>
+        <p:nvSpPr>
+          <p:cNvPr id="3" name="Content Placeholder 2">
+            <a:extLst>
+              <a:ext uri="{FF2B5EF4-FFF2-40B4-BE49-F238E27FC236}">
+                <a16:creationId xmlns:a16="http://schemas.microsoft.com/office/drawing/2014/main" id="{F5DD6560-E4A5-4F4F-88AF-07CA1D5BE4AE}"/>
+              </a:ext>
+            </a:extLst>
+          </p:cNvPr>
+          <p:cNvSpPr>
+            <a:spLocks noGrp="1"/>
+          </p:cNvSpPr>
+          <p:nvPr>
+            <p:ph idx="1"/>
+          </p:nvPr>
+        </p:nvSpPr>
+        <p:spPr/>
+        <p:txBody>
+          <a:bodyPr/>
+          <a:lstStyle/>
+          <a:p>
+            <a:r>
+              <a:rPr lang="en-US" dirty="0"/>
+              <a:t>Unix-based CLR</a:t>
+            </a:r>
+          </a:p>
+          <a:p>
+            <a:pPr lvl="1"/>
+            <a:r>
+              <a:rPr lang="en-US" dirty="0"/>
+              <a:t>Single Thread Pool</a:t>
+            </a:r>
+          </a:p>
+          <a:p>
+            <a:pPr lvl="2"/>
+            <a:r>
+              <a:rPr lang="en-US" dirty="0"/>
+              <a:t>Computations &amp; I/O</a:t>
+            </a:r>
+          </a:p>
+          <a:p>
+            <a:pPr lvl="1"/>
+            <a:endParaRPr lang="en-US" dirty="0"/>
           </a:p>
         </p:txBody>
       </p:sp>
     </p:spTree>
     <p:extLst>
       <p:ext uri="{BB962C8B-B14F-4D97-AF65-F5344CB8AC3E}">
-        <p14:creationId xmlns:p14="http://schemas.microsoft.com/office/powerpoint/2010/main" val="3234730633"/>
+        <p14:creationId xmlns:p14="http://schemas.microsoft.com/office/powerpoint/2010/main" val="2753965291"/>
       </p:ext>
     </p:extLst>
   </p:cSld>
@@ -17056,7 +15516,7 @@
           <p:cNvPr id="2" name="Title 1">
             <a:extLst>
               <a:ext uri="{FF2B5EF4-FFF2-40B4-BE49-F238E27FC236}">
-                <a16:creationId xmlns:a16="http://schemas.microsoft.com/office/drawing/2014/main" id="{8552A0CD-9ED8-C245-AF02-5F56D6086A44}"/>
+                <a16:creationId xmlns:a16="http://schemas.microsoft.com/office/drawing/2014/main" id="{FCE14001-3339-374F-841D-53AA8BB759C8}"/>
               </a:ext>
             </a:extLst>
           </p:cNvPr>
@@ -17084,7 +15544,7 @@
           <p:cNvPr id="3" name="Content Placeholder 2">
             <a:extLst>
               <a:ext uri="{FF2B5EF4-FFF2-40B4-BE49-F238E27FC236}">
-                <a16:creationId xmlns:a16="http://schemas.microsoft.com/office/drawing/2014/main" id="{44E5D7DE-722E-0B4F-9DB2-BA8498C1882C}"/>
+                <a16:creationId xmlns:a16="http://schemas.microsoft.com/office/drawing/2014/main" id="{F5DD6560-E4A5-4F4F-88AF-07CA1D5BE4AE}"/>
               </a:ext>
             </a:extLst>
           </p:cNvPr>
@@ -17102,36 +15562,67 @@
           <a:p>
             <a:r>
               <a:rPr lang="en-US" dirty="0"/>
-              <a:t>Poor Performance</a:t>
+              <a:t>Unix-based CLR</a:t>
             </a:r>
           </a:p>
           <a:p>
             <a:pPr lvl="1"/>
             <a:r>
               <a:rPr lang="en-US" dirty="0"/>
-              <a:t>Low Throughput</a:t>
+              <a:t>Single Thread Pool</a:t>
+            </a:r>
+          </a:p>
+          <a:p>
+            <a:pPr lvl="2"/>
+            <a:r>
+              <a:rPr lang="en-US" dirty="0"/>
+              <a:t>Computations &amp; I/O</a:t>
+            </a:r>
+          </a:p>
+          <a:p>
+            <a:r>
+              <a:rPr lang="en-US" dirty="0"/>
+              <a:t>Windows-based CLR</a:t>
             </a:r>
           </a:p>
           <a:p>
             <a:pPr lvl="1"/>
             <a:r>
               <a:rPr lang="en-US" dirty="0"/>
-              <a:t>High Packet Loss</a:t>
+              <a:t>Dual Thread Pool</a:t>
+            </a:r>
+          </a:p>
+          <a:p>
+            <a:pPr lvl="2"/>
+            <a:r>
+              <a:rPr lang="en-US" dirty="0"/>
+              <a:t>Computation Thread Pool</a:t>
+            </a:r>
+          </a:p>
+          <a:p>
+            <a:pPr lvl="2"/>
+            <a:r>
+              <a:rPr lang="en-US" dirty="0"/>
+              <a:t>I/O Thread Pool</a:t>
+            </a:r>
+          </a:p>
+          <a:p>
+            <a:pPr lvl="3"/>
+            <a:r>
+              <a:rPr lang="en-US" dirty="0"/>
+              <a:t>Kernel-level</a:t>
             </a:r>
           </a:p>
           <a:p>
             <a:pPr lvl="1"/>
-            <a:r>
-              <a:rPr lang="en-US" dirty="0"/>
-              <a:t>Not Comparable to Related Work</a:t>
-            </a:r>
+            <a:endParaRPr lang="en-US" dirty="0"/>
           </a:p>
         </p:txBody>
       </p:sp>
     </p:spTree>
     <p:extLst>
       <p:ext uri="{BB962C8B-B14F-4D97-AF65-F5344CB8AC3E}">
-        <p14:creationId xmlns:p14="http://schemas.microsoft.com/office/powerpoint/2010/main" val="707122240"/>
+        <p14:creationId xmlns:p14="http://schemas.microsoft.com/office/powerpoint/2010/main" val="3922351160"/>
       </p:ext>
     </p:extLst>
   </p:cSld>
@@ -17163,7 +15654,7 @@
           <p:cNvPr id="2" name="Title 1">
             <a:extLst>
               <a:ext uri="{FF2B5EF4-FFF2-40B4-BE49-F238E27FC236}">
-                <a16:creationId xmlns:a16="http://schemas.microsoft.com/office/drawing/2014/main" id="{14239683-75C1-2A49-B7A5-2060FA86C78F}"/>
+                <a16:creationId xmlns:a16="http://schemas.microsoft.com/office/drawing/2014/main" id="{C17C92F5-8C9B-BA41-B1CE-8F642374D2B3}"/>
               </a:ext>
             </a:extLst>
           </p:cNvPr>
@@ -17191,7 +15682,7 @@
           <p:cNvPr id="3" name="Content Placeholder 2">
             <a:extLst>
               <a:ext uri="{FF2B5EF4-FFF2-40B4-BE49-F238E27FC236}">
-                <a16:creationId xmlns:a16="http://schemas.microsoft.com/office/drawing/2014/main" id="{00932440-DD1F-C843-99EF-BD59813575D7}"/>
+                <a16:creationId xmlns:a16="http://schemas.microsoft.com/office/drawing/2014/main" id="{2087D775-4AEC-364E-8C0D-4FF9D2382CD5}"/>
               </a:ext>
             </a:extLst>
           </p:cNvPr>
@@ -17208,8 +15699,16 @@
           <a:lstStyle/>
           <a:p>
             <a:r>
-              <a:rPr lang="en-US" dirty="0"/>
-              <a:t>The Issue</a:t>
+              <a:rPr lang="en-US" dirty="0" err="1"/>
+              <a:t>MCDTPi</a:t>
+            </a:r>
+            <a:endParaRPr lang="en-US" dirty="0"/>
+          </a:p>
+          <a:p>
+            <a:pPr lvl="1"/>
+            <a:r>
+              <a:rPr lang="en-US" dirty="0"/>
+              <a:t>Minimum of 5 nested asynchronous tasks per packet</a:t>
             </a:r>
           </a:p>
         </p:txBody>
@@ -17217,7 +15716,7 @@
     </p:spTree>
     <p:extLst>
       <p:ext uri="{BB962C8B-B14F-4D97-AF65-F5344CB8AC3E}">
-        <p14:creationId xmlns:p14="http://schemas.microsoft.com/office/powerpoint/2010/main" val="3846321249"/>
+        <p14:creationId xmlns:p14="http://schemas.microsoft.com/office/powerpoint/2010/main" val="1695497525"/>
       </p:ext>
     </p:extLst>
   </p:cSld>
@@ -17249,7 +15748,7 @@
           <p:cNvPr id="2" name="Title 1">
             <a:extLst>
               <a:ext uri="{FF2B5EF4-FFF2-40B4-BE49-F238E27FC236}">
-                <a16:creationId xmlns:a16="http://schemas.microsoft.com/office/drawing/2014/main" id="{14239683-75C1-2A49-B7A5-2060FA86C78F}"/>
+                <a16:creationId xmlns:a16="http://schemas.microsoft.com/office/drawing/2014/main" id="{C17C92F5-8C9B-BA41-B1CE-8F642374D2B3}"/>
               </a:ext>
             </a:extLst>
           </p:cNvPr>
@@ -17277,7 +15776,7 @@
           <p:cNvPr id="3" name="Content Placeholder 2">
             <a:extLst>
               <a:ext uri="{FF2B5EF4-FFF2-40B4-BE49-F238E27FC236}">
-                <a16:creationId xmlns:a16="http://schemas.microsoft.com/office/drawing/2014/main" id="{00932440-DD1F-C843-99EF-BD59813575D7}"/>
+                <a16:creationId xmlns:a16="http://schemas.microsoft.com/office/drawing/2014/main" id="{2087D775-4AEC-364E-8C0D-4FF9D2382CD5}"/>
               </a:ext>
             </a:extLst>
           </p:cNvPr>
@@ -17294,15 +15793,23 @@
           <a:lstStyle/>
           <a:p>
             <a:r>
-              <a:rPr lang="en-US" dirty="0"/>
-              <a:t>The Issue</a:t>
-            </a:r>
+              <a:rPr lang="en-US" dirty="0" err="1"/>
+              <a:t>MCDTPi</a:t>
+            </a:r>
+            <a:endParaRPr lang="en-US" dirty="0"/>
           </a:p>
           <a:p>
             <a:pPr lvl="1"/>
             <a:r>
               <a:rPr lang="en-US" dirty="0"/>
-              <a:t>Overuse of Asynchrony [12]</a:t>
+              <a:t>Minimum of 5 nested asynchronous tasks per packet</a:t>
+            </a:r>
+          </a:p>
+          <a:p>
+            <a:pPr lvl="1"/>
+            <a:r>
+              <a:rPr lang="en-US" dirty="0"/>
+              <a:t>1GB is approximately 700,000 packets</a:t>
             </a:r>
           </a:p>
         </p:txBody>
@@ -17310,7 +15817,7 @@
     </p:spTree>
     <p:extLst>
       <p:ext uri="{BB962C8B-B14F-4D97-AF65-F5344CB8AC3E}">
-        <p14:creationId xmlns:p14="http://schemas.microsoft.com/office/powerpoint/2010/main" val="633758777"/>
+        <p14:creationId xmlns:p14="http://schemas.microsoft.com/office/powerpoint/2010/main" val="504636302"/>
       </p:ext>
     </p:extLst>
   </p:cSld>
@@ -17342,7 +15849,7 @@
           <p:cNvPr id="2" name="Title 1">
             <a:extLst>
               <a:ext uri="{FF2B5EF4-FFF2-40B4-BE49-F238E27FC236}">
-                <a16:creationId xmlns:a16="http://schemas.microsoft.com/office/drawing/2014/main" id="{14239683-75C1-2A49-B7A5-2060FA86C78F}"/>
+                <a16:creationId xmlns:a16="http://schemas.microsoft.com/office/drawing/2014/main" id="{C17C92F5-8C9B-BA41-B1CE-8F642374D2B3}"/>
               </a:ext>
             </a:extLst>
           </p:cNvPr>
@@ -17370,7 +15877,7 @@
           <p:cNvPr id="3" name="Content Placeholder 2">
             <a:extLst>
               <a:ext uri="{FF2B5EF4-FFF2-40B4-BE49-F238E27FC236}">
-                <a16:creationId xmlns:a16="http://schemas.microsoft.com/office/drawing/2014/main" id="{00932440-DD1F-C843-99EF-BD59813575D7}"/>
+                <a16:creationId xmlns:a16="http://schemas.microsoft.com/office/drawing/2014/main" id="{2087D775-4AEC-364E-8C0D-4FF9D2382CD5}"/>
               </a:ext>
             </a:extLst>
           </p:cNvPr>
@@ -17387,22 +15894,30 @@
           <a:lstStyle/>
           <a:p>
             <a:r>
-              <a:rPr lang="en-US" dirty="0"/>
-              <a:t>The Issue</a:t>
-            </a:r>
+              <a:rPr lang="en-US" dirty="0" err="1"/>
+              <a:t>MCDTPi</a:t>
+            </a:r>
+            <a:endParaRPr lang="en-US" dirty="0"/>
           </a:p>
           <a:p>
             <a:pPr lvl="1"/>
             <a:r>
               <a:rPr lang="en-US" dirty="0"/>
-              <a:t>Overuse of Asynchrony [12]</a:t>
-            </a:r>
-          </a:p>
-          <a:p>
-            <a:pPr lvl="2"/>
-            <a:r>
-              <a:rPr lang="en-US" dirty="0"/>
-              <a:t>Unsubstantiated</a:t>
+              <a:t>Minimum of 5 nested asynchronous tasks per packet</a:t>
+            </a:r>
+          </a:p>
+          <a:p>
+            <a:pPr lvl="1"/>
+            <a:r>
+              <a:rPr lang="en-US" dirty="0"/>
+              <a:t>1GB is approximately 700,000 packets</a:t>
+            </a:r>
+          </a:p>
+          <a:p>
+            <a:pPr lvl="1"/>
+            <a:r>
+              <a:rPr lang="en-US" dirty="0"/>
+              <a:t>At least 3.5 million asynchronous tasks per 1GB transfer</a:t>
             </a:r>
           </a:p>
         </p:txBody>
@@ -17410,7 +15925,7 @@
     </p:spTree>
     <p:extLst>
       <p:ext uri="{BB962C8B-B14F-4D97-AF65-F5344CB8AC3E}">
-        <p14:creationId xmlns:p14="http://schemas.microsoft.com/office/powerpoint/2010/main" val="741822735"/>
+        <p14:creationId xmlns:p14="http://schemas.microsoft.com/office/powerpoint/2010/main" val="2525133110"/>
       </p:ext>
     </p:extLst>
   </p:cSld>
@@ -17442,7 +15957,7 @@
           <p:cNvPr id="2" name="Title 1">
             <a:extLst>
               <a:ext uri="{FF2B5EF4-FFF2-40B4-BE49-F238E27FC236}">
-                <a16:creationId xmlns:a16="http://schemas.microsoft.com/office/drawing/2014/main" id="{4DB9C2E6-B20B-C74A-A9B0-B2085543A8C0}"/>
+                <a16:creationId xmlns:a16="http://schemas.microsoft.com/office/drawing/2014/main" id="{5532F8E8-F482-C44F-B665-F7461809028E}"/>
               </a:ext>
             </a:extLst>
           </p:cNvPr>
@@ -17460,35 +15975,119 @@
           <a:p>
             <a:r>
               <a:rPr lang="en-US" dirty="0"/>
+              <a:t>Overview</a:t>
+            </a:r>
+          </a:p>
+        </p:txBody>
+      </p:sp>
+      <p:sp>
+        <p:nvSpPr>
+          <p:cNvPr id="3" name="Content Placeholder 2">
+            <a:extLst>
+              <a:ext uri="{FF2B5EF4-FFF2-40B4-BE49-F238E27FC236}">
+                <a16:creationId xmlns:a16="http://schemas.microsoft.com/office/drawing/2014/main" id="{D74B3917-BBAD-C04F-AAA5-055D21AC0A3E}"/>
+              </a:ext>
+            </a:extLst>
+          </p:cNvPr>
+          <p:cNvSpPr>
+            <a:spLocks noGrp="1"/>
+          </p:cNvSpPr>
+          <p:nvPr>
+            <p:ph idx="1"/>
+          </p:nvPr>
+        </p:nvSpPr>
+        <p:spPr/>
+        <p:txBody>
+          <a:bodyPr/>
+          <a:lstStyle/>
+          <a:p>
+            <a:r>
+              <a:rPr lang="en-US" dirty="0">
+                <a:solidFill>
+                  <a:schemeClr val="tx1">
+                    <a:lumMod val="65000"/>
+                  </a:schemeClr>
+                </a:solidFill>
+              </a:rPr>
+              <a:t>Motivation</a:t>
+            </a:r>
+          </a:p>
+          <a:p>
+            <a:r>
+              <a:rPr lang="en-US" dirty="0">
+                <a:solidFill>
+                  <a:schemeClr val="tx1">
+                    <a:lumMod val="65000"/>
+                  </a:schemeClr>
+                </a:solidFill>
+              </a:rPr>
+              <a:t>Problem</a:t>
+            </a:r>
+          </a:p>
+          <a:p>
+            <a:r>
+              <a:rPr lang="en-US" dirty="0">
+                <a:solidFill>
+                  <a:schemeClr val="tx1">
+                    <a:lumMod val="65000"/>
+                  </a:schemeClr>
+                </a:solidFill>
+              </a:rPr>
+              <a:t>Preliminary Work</a:t>
+            </a:r>
+          </a:p>
+          <a:p>
+            <a:r>
+              <a:rPr lang="en-US" dirty="0">
+                <a:solidFill>
+                  <a:schemeClr val="tx1">
+                    <a:lumMod val="65000"/>
+                  </a:schemeClr>
+                </a:solidFill>
+              </a:rPr>
+              <a:t>Related Work</a:t>
+            </a:r>
+          </a:p>
+          <a:p>
+            <a:r>
+              <a:rPr lang="en-US" dirty="0">
+                <a:solidFill>
+                  <a:schemeClr val="tx1">
+                    <a:lumMod val="65000"/>
+                  </a:schemeClr>
+                </a:solidFill>
+              </a:rPr>
+              <a:t>Protocol Design</a:t>
+            </a:r>
+          </a:p>
+          <a:p>
+            <a:r>
+              <a:rPr lang="en-US" dirty="0">
+                <a:solidFill>
+                  <a:schemeClr val="tx1">
+                    <a:lumMod val="65000"/>
+                  </a:schemeClr>
+                </a:solidFill>
+              </a:rPr>
+              <a:t>Architecture &amp; Implementation</a:t>
+            </a:r>
+          </a:p>
+          <a:p>
+            <a:r>
+              <a:rPr lang="en-US" dirty="0">
+                <a:solidFill>
+                  <a:schemeClr val="tx1">
+                    <a:lumMod val="65000"/>
+                  </a:schemeClr>
+                </a:solidFill>
+              </a:rPr>
               <a:t>Testing &amp; Analysis</a:t>
             </a:r>
           </a:p>
-        </p:txBody>
-      </p:sp>
-      <p:sp>
-        <p:nvSpPr>
-          <p:cNvPr id="3" name="Content Placeholder 2">
-            <a:extLst>
-              <a:ext uri="{FF2B5EF4-FFF2-40B4-BE49-F238E27FC236}">
-                <a16:creationId xmlns:a16="http://schemas.microsoft.com/office/drawing/2014/main" id="{4B360554-5FBB-A045-938D-D8069E2EA7EB}"/>
-              </a:ext>
-            </a:extLst>
-          </p:cNvPr>
-          <p:cNvSpPr>
-            <a:spLocks noGrp="1"/>
-          </p:cNvSpPr>
-          <p:nvPr>
-            <p:ph idx="1"/>
-          </p:nvPr>
-        </p:nvSpPr>
-        <p:spPr/>
-        <p:txBody>
-          <a:bodyPr/>
-          <a:lstStyle/>
-          <a:p>
-            <a:r>
-              <a:rPr lang="en-US" dirty="0"/>
-              <a:t>.NET Core Asynchrony</a:t>
+          <a:p>
+            <a:r>
+              <a:rPr lang="en-US" dirty="0"/>
+              <a:t>Challenges &amp; Future Work</a:t>
             </a:r>
           </a:p>
         </p:txBody>
@@ -17496,7 +16095,7 @@
     </p:spTree>
     <p:extLst>
       <p:ext uri="{BB962C8B-B14F-4D97-AF65-F5344CB8AC3E}">
-        <p14:creationId xmlns:p14="http://schemas.microsoft.com/office/powerpoint/2010/main" val="497456952"/>
+        <p14:creationId xmlns:p14="http://schemas.microsoft.com/office/powerpoint/2010/main" val="2837160867"/>
       </p:ext>
     </p:extLst>
   </p:cSld>
@@ -17620,7 +16219,7 @@
           <p:cNvPr id="2" name="Title 1">
             <a:extLst>
               <a:ext uri="{FF2B5EF4-FFF2-40B4-BE49-F238E27FC236}">
-                <a16:creationId xmlns:a16="http://schemas.microsoft.com/office/drawing/2014/main" id="{4DB9C2E6-B20B-C74A-A9B0-B2085543A8C0}"/>
+                <a16:creationId xmlns:a16="http://schemas.microsoft.com/office/drawing/2014/main" id="{6C9D588B-0CBE-D24E-9B06-4F144495DE40}"/>
               </a:ext>
             </a:extLst>
           </p:cNvPr>
@@ -17638,7 +16237,7 @@
           <a:p>
             <a:r>
               <a:rPr lang="en-US" dirty="0"/>
-              <a:t>Testing &amp; Analysis</a:t>
+              <a:t>Challenges &amp; Future Work</a:t>
             </a:r>
           </a:p>
         </p:txBody>
@@ -17648,7 +16247,7 @@
           <p:cNvPr id="3" name="Content Placeholder 2">
             <a:extLst>
               <a:ext uri="{FF2B5EF4-FFF2-40B4-BE49-F238E27FC236}">
-                <a16:creationId xmlns:a16="http://schemas.microsoft.com/office/drawing/2014/main" id="{4B360554-5FBB-A045-938D-D8069E2EA7EB}"/>
+                <a16:creationId xmlns:a16="http://schemas.microsoft.com/office/drawing/2014/main" id="{DB9299BC-AE87-3648-B8CE-8A6F36489423}"/>
               </a:ext>
             </a:extLst>
           </p:cNvPr>
@@ -17666,28 +16265,14 @@
           <a:p>
             <a:r>
               <a:rPr lang="en-US" dirty="0"/>
-              <a:t>.NET Core Asynchrony</a:t>
+              <a:t>Challenges</a:t>
             </a:r>
           </a:p>
           <a:p>
             <a:pPr lvl="1"/>
             <a:r>
               <a:rPr lang="en-US" dirty="0"/>
-              <a:t>TPL Handles all Asynchronous Work [10]</a:t>
-            </a:r>
-          </a:p>
-          <a:p>
-            <a:pPr lvl="2"/>
-            <a:r>
-              <a:rPr lang="en-US" dirty="0"/>
-              <a:t>Computation</a:t>
-            </a:r>
-          </a:p>
-          <a:p>
-            <a:pPr lvl="2"/>
-            <a:r>
-              <a:rPr lang="en-US" dirty="0"/>
-              <a:t>I/O</a:t>
+              <a:t>.NET Core Framework</a:t>
             </a:r>
           </a:p>
         </p:txBody>
@@ -17695,7 +16280,7 @@
     </p:spTree>
     <p:extLst>
       <p:ext uri="{BB962C8B-B14F-4D97-AF65-F5344CB8AC3E}">
-        <p14:creationId xmlns:p14="http://schemas.microsoft.com/office/powerpoint/2010/main" val="378317410"/>
+        <p14:creationId xmlns:p14="http://schemas.microsoft.com/office/powerpoint/2010/main" val="813284956"/>
       </p:ext>
     </p:extLst>
   </p:cSld>
@@ -17727,7 +16312,7 @@
           <p:cNvPr id="2" name="Title 1">
             <a:extLst>
               <a:ext uri="{FF2B5EF4-FFF2-40B4-BE49-F238E27FC236}">
-                <a16:creationId xmlns:a16="http://schemas.microsoft.com/office/drawing/2014/main" id="{0DDCEF10-9814-AF4D-8071-5A075C5A8A00}"/>
+                <a16:creationId xmlns:a16="http://schemas.microsoft.com/office/drawing/2014/main" id="{6C9D588B-0CBE-D24E-9B06-4F144495DE40}"/>
               </a:ext>
             </a:extLst>
           </p:cNvPr>
@@ -17745,7 +16330,7 @@
           <a:p>
             <a:r>
               <a:rPr lang="en-US" dirty="0"/>
-              <a:t>Testing &amp; Analysis</a:t>
+              <a:t>Challenges &amp; Future Work</a:t>
             </a:r>
           </a:p>
         </p:txBody>
@@ -17755,7 +16340,7 @@
           <p:cNvPr id="3" name="Content Placeholder 2">
             <a:extLst>
               <a:ext uri="{FF2B5EF4-FFF2-40B4-BE49-F238E27FC236}">
-                <a16:creationId xmlns:a16="http://schemas.microsoft.com/office/drawing/2014/main" id="{A7E12F6F-92A8-694F-A259-3C8D89235914}"/>
+                <a16:creationId xmlns:a16="http://schemas.microsoft.com/office/drawing/2014/main" id="{DB9299BC-AE87-3648-B8CE-8A6F36489423}"/>
               </a:ext>
             </a:extLst>
           </p:cNvPr>
@@ -17773,7 +16358,21 @@
           <a:p>
             <a:r>
               <a:rPr lang="en-US" dirty="0"/>
-              <a:t>Task Parallel Library</a:t>
+              <a:t>Challenges</a:t>
+            </a:r>
+          </a:p>
+          <a:p>
+            <a:pPr lvl="1"/>
+            <a:r>
+              <a:rPr lang="en-US" dirty="0"/>
+              <a:t>.NET Core Framework</a:t>
+            </a:r>
+          </a:p>
+          <a:p>
+            <a:pPr lvl="1"/>
+            <a:r>
+              <a:rPr lang="en-US" dirty="0"/>
+              <a:t>Architectural Issues</a:t>
             </a:r>
           </a:p>
         </p:txBody>
@@ -17781,7 +16380,7 @@
     </p:spTree>
     <p:extLst>
       <p:ext uri="{BB962C8B-B14F-4D97-AF65-F5344CB8AC3E}">
-        <p14:creationId xmlns:p14="http://schemas.microsoft.com/office/powerpoint/2010/main" val="208378745"/>
+        <p14:creationId xmlns:p14="http://schemas.microsoft.com/office/powerpoint/2010/main" val="2761314443"/>
       </p:ext>
     </p:extLst>
   </p:cSld>
@@ -17813,7 +16412,7 @@
           <p:cNvPr id="2" name="Title 1">
             <a:extLst>
               <a:ext uri="{FF2B5EF4-FFF2-40B4-BE49-F238E27FC236}">
-                <a16:creationId xmlns:a16="http://schemas.microsoft.com/office/drawing/2014/main" id="{0DDCEF10-9814-AF4D-8071-5A075C5A8A00}"/>
+                <a16:creationId xmlns:a16="http://schemas.microsoft.com/office/drawing/2014/main" id="{82D276C4-0A4F-8740-B36D-729BE8F4775E}"/>
               </a:ext>
             </a:extLst>
           </p:cNvPr>
@@ -17831,7 +16430,7 @@
           <a:p>
             <a:r>
               <a:rPr lang="en-US" dirty="0"/>
-              <a:t>Testing &amp; Analysis</a:t>
+              <a:t>Challenges &amp; Future Work</a:t>
             </a:r>
           </a:p>
         </p:txBody>
@@ -17841,7 +16440,7 @@
           <p:cNvPr id="3" name="Content Placeholder 2">
             <a:extLst>
               <a:ext uri="{FF2B5EF4-FFF2-40B4-BE49-F238E27FC236}">
-                <a16:creationId xmlns:a16="http://schemas.microsoft.com/office/drawing/2014/main" id="{A7E12F6F-92A8-694F-A259-3C8D89235914}"/>
+                <a16:creationId xmlns:a16="http://schemas.microsoft.com/office/drawing/2014/main" id="{5FBFB2F9-1DD9-4D43-A26B-5264402EA4C4}"/>
               </a:ext>
             </a:extLst>
           </p:cNvPr>
@@ -17859,14 +16458,14 @@
           <a:p>
             <a:r>
               <a:rPr lang="en-US" dirty="0"/>
-              <a:t>Task Parallel Library</a:t>
+              <a:t>Future Work</a:t>
             </a:r>
           </a:p>
           <a:p>
             <a:pPr lvl="1"/>
             <a:r>
               <a:rPr lang="en-US" dirty="0"/>
-              <a:t>Request underlying runtime to handle I/O operations [9][13]</a:t>
+              <a:t>Asynchrony without IOCP vs Asynchrony with IOCP</a:t>
             </a:r>
           </a:p>
         </p:txBody>
@@ -17874,7 +16473,7 @@
     </p:spTree>
     <p:extLst>
       <p:ext uri="{BB962C8B-B14F-4D97-AF65-F5344CB8AC3E}">
-        <p14:creationId xmlns:p14="http://schemas.microsoft.com/office/powerpoint/2010/main" val="1863489371"/>
+        <p14:creationId xmlns:p14="http://schemas.microsoft.com/office/powerpoint/2010/main" val="2571342757"/>
       </p:ext>
     </p:extLst>
   </p:cSld>
@@ -17906,7 +16505,7 @@
           <p:cNvPr id="2" name="Title 1">
             <a:extLst>
               <a:ext uri="{FF2B5EF4-FFF2-40B4-BE49-F238E27FC236}">
-                <a16:creationId xmlns:a16="http://schemas.microsoft.com/office/drawing/2014/main" id="{0DDCEF10-9814-AF4D-8071-5A075C5A8A00}"/>
+                <a16:creationId xmlns:a16="http://schemas.microsoft.com/office/drawing/2014/main" id="{82D276C4-0A4F-8740-B36D-729BE8F4775E}"/>
               </a:ext>
             </a:extLst>
           </p:cNvPr>
@@ -17924,7 +16523,7 @@
           <a:p>
             <a:r>
               <a:rPr lang="en-US" dirty="0"/>
-              <a:t>Testing &amp; Analysis</a:t>
+              <a:t>Challenges &amp; Future Work</a:t>
             </a:r>
           </a:p>
         </p:txBody>
@@ -17934,7 +16533,7 @@
           <p:cNvPr id="3" name="Content Placeholder 2">
             <a:extLst>
               <a:ext uri="{FF2B5EF4-FFF2-40B4-BE49-F238E27FC236}">
-                <a16:creationId xmlns:a16="http://schemas.microsoft.com/office/drawing/2014/main" id="{A7E12F6F-92A8-694F-A259-3C8D89235914}"/>
+                <a16:creationId xmlns:a16="http://schemas.microsoft.com/office/drawing/2014/main" id="{5FBFB2F9-1DD9-4D43-A26B-5264402EA4C4}"/>
               </a:ext>
             </a:extLst>
           </p:cNvPr>
@@ -17952,21 +16551,33 @@
           <a:p>
             <a:r>
               <a:rPr lang="en-US" dirty="0"/>
-              <a:t>Task Parallel Library</a:t>
+              <a:t>Future Work</a:t>
             </a:r>
           </a:p>
           <a:p>
             <a:pPr lvl="1"/>
             <a:r>
               <a:rPr lang="en-US" dirty="0"/>
-              <a:t>Request underlying runtime to handle I/O operations [9][13]</a:t>
-            </a:r>
+              <a:t>Asynchrony without IOCP vs Asynchrony with IOCP</a:t>
+            </a:r>
+          </a:p>
+          <a:p>
+            <a:pPr lvl="1"/>
+            <a:r>
+              <a:rPr lang="en-US" dirty="0"/>
+              <a:t>Restructure </a:t>
+            </a:r>
+            <a:r>
+              <a:rPr lang="en-US" dirty="0" err="1"/>
+              <a:t>MCDTPi</a:t>
+            </a:r>
+            <a:endParaRPr lang="en-US" dirty="0"/>
           </a:p>
           <a:p>
             <a:pPr lvl="2"/>
             <a:r>
               <a:rPr lang="en-US" dirty="0"/>
-              <a:t>Common Language Runtime (CLR)</a:t>
+              <a:t>Minimize utilization of Asynchrony</a:t>
             </a:r>
           </a:p>
         </p:txBody>
@@ -17974,7 +16585,7 @@
     </p:spTree>
     <p:extLst>
       <p:ext uri="{BB962C8B-B14F-4D97-AF65-F5344CB8AC3E}">
-        <p14:creationId xmlns:p14="http://schemas.microsoft.com/office/powerpoint/2010/main" val="104277310"/>
+        <p14:creationId xmlns:p14="http://schemas.microsoft.com/office/powerpoint/2010/main" val="1949589370"/>
       </p:ext>
     </p:extLst>
   </p:cSld>
@@ -18006,7 +16617,7 @@
           <p:cNvPr id="2" name="Title 1">
             <a:extLst>
               <a:ext uri="{FF2B5EF4-FFF2-40B4-BE49-F238E27FC236}">
-                <a16:creationId xmlns:a16="http://schemas.microsoft.com/office/drawing/2014/main" id="{F3A7DF3A-9BB0-A047-A4B4-672FE96F50B4}"/>
+                <a16:creationId xmlns:a16="http://schemas.microsoft.com/office/drawing/2014/main" id="{82D276C4-0A4F-8740-B36D-729BE8F4775E}"/>
               </a:ext>
             </a:extLst>
           </p:cNvPr>
@@ -18024,7 +16635,7 @@
           <a:p>
             <a:r>
               <a:rPr lang="en-US" dirty="0"/>
-              <a:t>Testing &amp; Analysis</a:t>
+              <a:t>Challenges &amp; Future Work</a:t>
             </a:r>
           </a:p>
         </p:txBody>
@@ -18034,7 +16645,7 @@
           <p:cNvPr id="3" name="Content Placeholder 2">
             <a:extLst>
               <a:ext uri="{FF2B5EF4-FFF2-40B4-BE49-F238E27FC236}">
-                <a16:creationId xmlns:a16="http://schemas.microsoft.com/office/drawing/2014/main" id="{8EC757A6-6C9B-6D44-97B0-B67B391E577C}"/>
+                <a16:creationId xmlns:a16="http://schemas.microsoft.com/office/drawing/2014/main" id="{5FBFB2F9-1DD9-4D43-A26B-5264402EA4C4}"/>
               </a:ext>
             </a:extLst>
           </p:cNvPr>
@@ -18052,14 +16663,40 @@
           <a:p>
             <a:r>
               <a:rPr lang="en-US" dirty="0"/>
-              <a:t>CLR [13]</a:t>
+              <a:t>Future Work</a:t>
             </a:r>
           </a:p>
           <a:p>
             <a:pPr lvl="1"/>
             <a:r>
               <a:rPr lang="en-US" dirty="0"/>
-              <a:t>Executes Asynchronous Computations on a Thread Pool</a:t>
+              <a:t>Asynchrony without IOCP vs Asynchrony with IOCP</a:t>
+            </a:r>
+          </a:p>
+          <a:p>
+            <a:pPr lvl="1"/>
+            <a:r>
+              <a:rPr lang="en-US" dirty="0"/>
+              <a:t>Restructure </a:t>
+            </a:r>
+            <a:r>
+              <a:rPr lang="en-US" dirty="0" err="1"/>
+              <a:t>MCDTPi</a:t>
+            </a:r>
+            <a:endParaRPr lang="en-US" dirty="0"/>
+          </a:p>
+          <a:p>
+            <a:pPr lvl="2"/>
+            <a:r>
+              <a:rPr lang="en-US" dirty="0"/>
+              <a:t>Minimize utilization of Asynchrony</a:t>
+            </a:r>
+          </a:p>
+          <a:p>
+            <a:pPr lvl="1"/>
+            <a:r>
+              <a:rPr lang="en-US" dirty="0"/>
+              <a:t>Create solution to workaround MTU limit</a:t>
             </a:r>
           </a:p>
         </p:txBody>
@@ -18067,7 +16704,7 @@
     </p:spTree>
     <p:extLst>
       <p:ext uri="{BB962C8B-B14F-4D97-AF65-F5344CB8AC3E}">
-        <p14:creationId xmlns:p14="http://schemas.microsoft.com/office/powerpoint/2010/main" val="1630819960"/>
+        <p14:creationId xmlns:p14="http://schemas.microsoft.com/office/powerpoint/2010/main" val="3606531859"/>
       </p:ext>
     </p:extLst>
   </p:cSld>
@@ -18099,7 +16736,7 @@
           <p:cNvPr id="2" name="Title 1">
             <a:extLst>
               <a:ext uri="{FF2B5EF4-FFF2-40B4-BE49-F238E27FC236}">
-                <a16:creationId xmlns:a16="http://schemas.microsoft.com/office/drawing/2014/main" id="{F3A7DF3A-9BB0-A047-A4B4-672FE96F50B4}"/>
+                <a16:creationId xmlns:a16="http://schemas.microsoft.com/office/drawing/2014/main" id="{706C30B2-A2C8-684C-A317-089561606916}"/>
               </a:ext>
             </a:extLst>
           </p:cNvPr>
@@ -18117,7 +16754,7 @@
           <a:p>
             <a:r>
               <a:rPr lang="en-US" dirty="0"/>
-              <a:t>Testing &amp; Analysis</a:t>
+              <a:t>Conclusion</a:t>
             </a:r>
           </a:p>
         </p:txBody>
@@ -18127,7 +16764,7 @@
           <p:cNvPr id="3" name="Content Placeholder 2">
             <a:extLst>
               <a:ext uri="{FF2B5EF4-FFF2-40B4-BE49-F238E27FC236}">
-                <a16:creationId xmlns:a16="http://schemas.microsoft.com/office/drawing/2014/main" id="{8EC757A6-6C9B-6D44-97B0-B67B391E577C}"/>
+                <a16:creationId xmlns:a16="http://schemas.microsoft.com/office/drawing/2014/main" id="{FEC8764B-2543-B749-861E-3DD14D432A5A}"/>
               </a:ext>
             </a:extLst>
           </p:cNvPr>
@@ -18145,28 +16782,7 @@
           <a:p>
             <a:r>
               <a:rPr lang="en-US" dirty="0"/>
-              <a:t>CLR [13]</a:t>
-            </a:r>
-          </a:p>
-          <a:p>
-            <a:pPr lvl="1"/>
-            <a:r>
-              <a:rPr lang="en-US" dirty="0"/>
-              <a:t>Executes Asynchronous Computations on a Thread Pool</a:t>
-            </a:r>
-          </a:p>
-          <a:p>
-            <a:pPr lvl="1"/>
-            <a:r>
-              <a:rPr lang="en-US" dirty="0"/>
-              <a:t>Uses I/O Completion Ports (IOCP) for I/O operations</a:t>
-            </a:r>
-          </a:p>
-          <a:p>
-            <a:pPr lvl="2"/>
-            <a:r>
-              <a:rPr lang="en-US" dirty="0"/>
-              <a:t>Kernel-level thread pool</a:t>
+              <a:t>Can asynchrony provide any performance gain?</a:t>
             </a:r>
           </a:p>
         </p:txBody>
@@ -18174,7 +16790,7 @@
     </p:spTree>
     <p:extLst>
       <p:ext uri="{BB962C8B-B14F-4D97-AF65-F5344CB8AC3E}">
-        <p14:creationId xmlns:p14="http://schemas.microsoft.com/office/powerpoint/2010/main" val="1679070217"/>
+        <p14:creationId xmlns:p14="http://schemas.microsoft.com/office/powerpoint/2010/main" val="1288069898"/>
       </p:ext>
     </p:extLst>
   </p:cSld>
@@ -18206,7 +16822,7 @@
           <p:cNvPr id="2" name="Title 1">
             <a:extLst>
               <a:ext uri="{FF2B5EF4-FFF2-40B4-BE49-F238E27FC236}">
-                <a16:creationId xmlns:a16="http://schemas.microsoft.com/office/drawing/2014/main" id="{F3A7DF3A-9BB0-A047-A4B4-672FE96F50B4}"/>
+                <a16:creationId xmlns:a16="http://schemas.microsoft.com/office/drawing/2014/main" id="{706C30B2-A2C8-684C-A317-089561606916}"/>
               </a:ext>
             </a:extLst>
           </p:cNvPr>
@@ -18224,7 +16840,7 @@
           <a:p>
             <a:r>
               <a:rPr lang="en-US" dirty="0"/>
-              <a:t>Testing &amp; Analysis</a:t>
+              <a:t>Conclusion</a:t>
             </a:r>
           </a:p>
         </p:txBody>
@@ -18234,7 +16850,7 @@
           <p:cNvPr id="3" name="Content Placeholder 2">
             <a:extLst>
               <a:ext uri="{FF2B5EF4-FFF2-40B4-BE49-F238E27FC236}">
-                <a16:creationId xmlns:a16="http://schemas.microsoft.com/office/drawing/2014/main" id="{8EC757A6-6C9B-6D44-97B0-B67B391E577C}"/>
+                <a16:creationId xmlns:a16="http://schemas.microsoft.com/office/drawing/2014/main" id="{FEC8764B-2543-B749-861E-3DD14D432A5A}"/>
               </a:ext>
             </a:extLst>
           </p:cNvPr>
@@ -18252,35 +16868,21 @@
           <a:p>
             <a:r>
               <a:rPr lang="en-US" dirty="0"/>
-              <a:t>CLR [13]</a:t>
+              <a:t>Can asynchrony provide any performance gain?</a:t>
             </a:r>
           </a:p>
           <a:p>
             <a:pPr lvl="1"/>
             <a:r>
               <a:rPr lang="en-US" dirty="0"/>
-              <a:t>Executes Asynchronous Computations on a Thread Pool</a:t>
-            </a:r>
-          </a:p>
-          <a:p>
-            <a:pPr lvl="1"/>
-            <a:r>
-              <a:rPr lang="en-US" dirty="0"/>
-              <a:t>Uses I/O Completion Ports (IOCP) for I/O operations</a:t>
+              <a:t>Negative performance is possible with asynchrony</a:t>
             </a:r>
           </a:p>
           <a:p>
             <a:pPr lvl="2"/>
             <a:r>
               <a:rPr lang="en-US" dirty="0"/>
-              <a:t>Kernel-level thread pool</a:t>
-            </a:r>
-          </a:p>
-          <a:p>
-            <a:pPr lvl="2"/>
-            <a:r>
-              <a:rPr lang="en-US" dirty="0"/>
-              <a:t>Only used on Win32 Kernel</a:t>
+              <a:t>Requires a more methodical use</a:t>
             </a:r>
           </a:p>
         </p:txBody>
@@ -18288,7 +16890,7 @@
     </p:spTree>
     <p:extLst>
       <p:ext uri="{BB962C8B-B14F-4D97-AF65-F5344CB8AC3E}">
-        <p14:creationId xmlns:p14="http://schemas.microsoft.com/office/powerpoint/2010/main" val="268586419"/>
+        <p14:creationId xmlns:p14="http://schemas.microsoft.com/office/powerpoint/2010/main" val="1301757958"/>
       </p:ext>
     </p:extLst>
   </p:cSld>
@@ -18320,7 +16922,7 @@
           <p:cNvPr id="2" name="Title 1">
             <a:extLst>
               <a:ext uri="{FF2B5EF4-FFF2-40B4-BE49-F238E27FC236}">
-                <a16:creationId xmlns:a16="http://schemas.microsoft.com/office/drawing/2014/main" id="{FCE14001-3339-374F-841D-53AA8BB759C8}"/>
+                <a16:creationId xmlns:a16="http://schemas.microsoft.com/office/drawing/2014/main" id="{8868A24D-3E77-E247-BC31-7AD04C33A57F}"/>
               </a:ext>
             </a:extLst>
           </p:cNvPr>
@@ -18338,7 +16940,7 @@
           <a:p>
             <a:r>
               <a:rPr lang="en-US" dirty="0"/>
-              <a:t>Testing &amp; Analysis</a:t>
+              <a:t>References</a:t>
             </a:r>
           </a:p>
         </p:txBody>
@@ -18348,7 +16950,7 @@
           <p:cNvPr id="3" name="Content Placeholder 2">
             <a:extLst>
               <a:ext uri="{FF2B5EF4-FFF2-40B4-BE49-F238E27FC236}">
-                <a16:creationId xmlns:a16="http://schemas.microsoft.com/office/drawing/2014/main" id="{F5DD6560-E4A5-4F4F-88AF-07CA1D5BE4AE}"/>
+                <a16:creationId xmlns:a16="http://schemas.microsoft.com/office/drawing/2014/main" id="{9716B8BE-F035-8341-8F5F-06C171EC231E}"/>
               </a:ext>
             </a:extLst>
           </p:cNvPr>
@@ -18361,30 +16963,279 @@
         </p:nvSpPr>
         <p:spPr/>
         <p:txBody>
-          <a:bodyPr/>
-          <a:lstStyle/>
-          <a:p>
-            <a:r>
-              <a:rPr lang="en-US" dirty="0"/>
-              <a:t>Unix-based CLR</a:t>
-            </a:r>
-          </a:p>
-          <a:p>
-            <a:pPr lvl="1"/>
-            <a:r>
-              <a:rPr lang="en-US" dirty="0"/>
-              <a:t>Single Thread Pool</a:t>
-            </a:r>
-          </a:p>
-          <a:p>
-            <a:pPr lvl="2"/>
-            <a:r>
-              <a:rPr lang="en-US" dirty="0"/>
-              <a:t>Computations &amp; I/O</a:t>
-            </a:r>
-          </a:p>
-          <a:p>
-            <a:pPr lvl="1"/>
+          <a:bodyPr>
+            <a:normAutofit fontScale="92500" lnSpcReduction="10000"/>
+          </a:bodyPr>
+          <a:lstStyle/>
+          <a:p>
+            <a:r>
+              <a:rPr lang="en-US" sz="1200" dirty="0"/>
+              <a:t>[1] X. Fan and M. Munson. </a:t>
+            </a:r>
+            <a:r>
+              <a:rPr lang="en-US" sz="1200" dirty="0" err="1"/>
+              <a:t>Patebytes</a:t>
+            </a:r>
+            <a:r>
+              <a:rPr lang="en-US" sz="1200" dirty="0"/>
+              <a:t> in Motion : Ultra High Speed Transport of Media Files. In </a:t>
+            </a:r>
+            <a:r>
+              <a:rPr lang="en-US" sz="1200" i="1" dirty="0"/>
+              <a:t>SMTP Annual Technical Conference</a:t>
+            </a:r>
+            <a:r>
+              <a:rPr lang="en-US" sz="1200" dirty="0"/>
+              <a:t>, pages 2-13, 2010.</a:t>
+            </a:r>
+          </a:p>
+          <a:p>
+            <a:r>
+              <a:rPr lang="en-US" sz="1200" dirty="0"/>
+              <a:t>[2] </a:t>
+            </a:r>
+            <a:r>
+              <a:rPr lang="en-US" sz="1200" dirty="0" err="1"/>
+              <a:t>Aspera</a:t>
+            </a:r>
+            <a:r>
+              <a:rPr lang="en-US" sz="1200" dirty="0"/>
+              <a:t>. </a:t>
+            </a:r>
+            <a:r>
+              <a:rPr lang="en-US" sz="1200" dirty="0" err="1"/>
+              <a:t>Aspera</a:t>
+            </a:r>
+            <a:r>
+              <a:rPr lang="en-US" sz="1200" dirty="0"/>
+              <a:t> FASP High Speed Transport – A Critical Technology Comparison. 2016.</a:t>
+            </a:r>
+          </a:p>
+          <a:p>
+            <a:r>
+              <a:rPr lang="en-US" sz="1200" dirty="0"/>
+              <a:t>[3] E. He, J. Leigh, O. Yu, and T. A. </a:t>
+            </a:r>
+            <a:r>
+              <a:rPr lang="en-US" sz="1200" dirty="0" err="1"/>
+              <a:t>DeFanti</a:t>
+            </a:r>
+            <a:r>
+              <a:rPr lang="en-US" sz="1200" dirty="0"/>
+              <a:t>. Reliable Blast UDP: Predictable high performance bulk data transfer. </a:t>
+            </a:r>
+            <a:r>
+              <a:rPr lang="en-US" sz="1200" i="1" dirty="0"/>
+              <a:t>Proceedings - IEEE International Conference on Cluster Computing, ICCC</a:t>
+            </a:r>
+            <a:r>
+              <a:rPr lang="en-US" sz="1200" dirty="0"/>
+              <a:t>, 2002-January(March):317–324, 2002.</a:t>
+            </a:r>
+          </a:p>
+          <a:p>
+            <a:r>
+              <a:rPr lang="en-US" sz="1200" dirty="0"/>
+              <a:t>[4] </a:t>
+            </a:r>
+            <a:r>
+              <a:rPr lang="en-US" sz="1200" dirty="0" err="1"/>
+              <a:t>Harimath</a:t>
+            </a:r>
+            <a:r>
+              <a:rPr lang="en-US" sz="1200" dirty="0"/>
+              <a:t> </a:t>
+            </a:r>
+            <a:r>
+              <a:rPr lang="en-US" sz="1200" dirty="0" err="1"/>
+              <a:t>Sivakumar</a:t>
+            </a:r>
+            <a:r>
+              <a:rPr lang="en-US" sz="1200" dirty="0"/>
+              <a:t>, Stuart Bailey, and Robert L Grossman. </a:t>
+            </a:r>
+            <a:r>
+              <a:rPr lang="en-US" sz="1200" dirty="0" err="1"/>
+              <a:t>Psockets</a:t>
+            </a:r>
+            <a:r>
+              <a:rPr lang="en-US" sz="1200" dirty="0"/>
+              <a:t>: The case for application-level network striping for data intensive applications using high speed wide area networks. In </a:t>
+            </a:r>
+            <a:r>
+              <a:rPr lang="en-US" sz="1200" i="1" dirty="0"/>
+              <a:t>Proceedings of the 2000 ACM/IEEE conference on Super-computing</a:t>
+            </a:r>
+            <a:r>
+              <a:rPr lang="en-US" sz="1200" dirty="0"/>
+              <a:t>, page 37. IEEE Computer Society, 2000.</a:t>
+            </a:r>
+          </a:p>
+          <a:p>
+            <a:r>
+              <a:rPr lang="en-US" sz="1200" dirty="0"/>
+              <a:t>[5] M. Allman and S. </a:t>
+            </a:r>
+            <a:r>
+              <a:rPr lang="en-US" sz="1200" dirty="0" err="1"/>
+              <a:t>Ostermann</a:t>
+            </a:r>
+            <a:r>
+              <a:rPr lang="en-US" sz="1200" dirty="0"/>
+              <a:t>. DATA TRANSFER EFFICIENCY OVER SATEL-LITE CIRCUITS USING A MULTI-SOCKET EXTENSION TO THE FILE TRANSFER PROTOCOL (FTP</a:t>
+            </a:r>
+            <a:r>
+              <a:rPr lang="en-US" sz="1200" i="1" dirty="0"/>
+              <a:t>). Proceedings of the ACTS Result Conference</a:t>
+            </a:r>
+            <a:r>
+              <a:rPr lang="en-US" sz="1200" dirty="0"/>
+              <a:t>,1995.</a:t>
+            </a:r>
+          </a:p>
+          <a:p>
+            <a:r>
+              <a:rPr lang="en-US" sz="1200" dirty="0"/>
+              <a:t>[6] M. Allman and S. </a:t>
+            </a:r>
+            <a:r>
+              <a:rPr lang="en-US" sz="1200" dirty="0" err="1"/>
+              <a:t>Ostermann</a:t>
+            </a:r>
+            <a:r>
+              <a:rPr lang="en-US" sz="1200" dirty="0"/>
+              <a:t>. Multiple Data Connection FTP Extensions. Technical report, 1997.</a:t>
+            </a:r>
+          </a:p>
+          <a:p>
+            <a:r>
+              <a:rPr lang="en-US" sz="1200" dirty="0"/>
+              <a:t>[7] Y. </a:t>
+            </a:r>
+            <a:r>
+              <a:rPr lang="en-US" sz="1200" dirty="0" err="1"/>
+              <a:t>Gu</a:t>
+            </a:r>
+            <a:r>
+              <a:rPr lang="en-US" sz="1200" dirty="0"/>
+              <a:t> and R.L. Grossman. UDT: UDP-based data transfer for high-speed wide area networks. </a:t>
+            </a:r>
+            <a:r>
+              <a:rPr lang="en-US" sz="1200" i="1" dirty="0"/>
+              <a:t>Computer Networks</a:t>
+            </a:r>
+            <a:r>
+              <a:rPr lang="en-US" sz="1200" dirty="0"/>
+              <a:t>, 51(7):1777–1799, 2007.</a:t>
+            </a:r>
+          </a:p>
+          <a:p>
+            <a:r>
+              <a:rPr lang="en-US" sz="1200" dirty="0"/>
+              <a:t>[8] M. </a:t>
+            </a:r>
+            <a:r>
+              <a:rPr lang="en-US" sz="1200" dirty="0" err="1"/>
+              <a:t>Meiss</a:t>
+            </a:r>
+            <a:r>
+              <a:rPr lang="en-US" sz="1200" dirty="0"/>
+              <a:t>. Tsunami: A high-speed rate-controlled protocol for file transfer. pages 1–10, 2004.</a:t>
+            </a:r>
+          </a:p>
+          <a:p>
+            <a:r>
+              <a:rPr lang="en-US" sz="1200" dirty="0"/>
+              <a:t>[9] NET Foundation. .NET Core 1.0.3 Source Code, 2016.</a:t>
+            </a:r>
+          </a:p>
+          <a:p>
+            <a:r>
+              <a:rPr lang="en-US" sz="1200" dirty="0"/>
+              <a:t>[10] </a:t>
+            </a:r>
+            <a:r>
+              <a:rPr lang="en-US" sz="1200" dirty="0" err="1"/>
+              <a:t>Daan</a:t>
+            </a:r>
+            <a:r>
+              <a:rPr lang="en-US" sz="1200" dirty="0"/>
+              <a:t> </a:t>
+            </a:r>
+            <a:r>
+              <a:rPr lang="en-US" sz="1200" dirty="0" err="1"/>
+              <a:t>Leijen</a:t>
+            </a:r>
+            <a:r>
+              <a:rPr lang="en-US" sz="1200" dirty="0"/>
+              <a:t>, Wolfram Schulte, and Sebastian Burckhardt. The design of a task parallel library</a:t>
+            </a:r>
+            <a:r>
+              <a:rPr lang="en-US" sz="1200" i="1" dirty="0"/>
+              <a:t>. ACM SIGPLAN Notices</a:t>
+            </a:r>
+            <a:r>
+              <a:rPr lang="en-US" sz="1200" dirty="0"/>
+              <a:t>, 44(10):227, 2009.</a:t>
+            </a:r>
+          </a:p>
+          <a:p>
+            <a:r>
+              <a:rPr lang="en-US" sz="1200" dirty="0"/>
+              <a:t>[11] D. </a:t>
+            </a:r>
+            <a:r>
+              <a:rPr lang="en-US" sz="1200" dirty="0" err="1"/>
+              <a:t>Syme</a:t>
+            </a:r>
+            <a:r>
+              <a:rPr lang="en-US" sz="1200" dirty="0"/>
+              <a:t>, T. </a:t>
+            </a:r>
+            <a:r>
+              <a:rPr lang="en-US" sz="1200" dirty="0" err="1"/>
+              <a:t>Petricek</a:t>
+            </a:r>
+            <a:r>
+              <a:rPr lang="en-US" sz="1200" dirty="0"/>
+              <a:t>, and D. </a:t>
+            </a:r>
+            <a:r>
+              <a:rPr lang="en-US" sz="1200" dirty="0" err="1"/>
+              <a:t>Lomov</a:t>
+            </a:r>
+            <a:r>
+              <a:rPr lang="en-US" sz="1200" dirty="0"/>
+              <a:t>. The F# asynchronous programming model. In </a:t>
+            </a:r>
+            <a:r>
+              <a:rPr lang="en-US" sz="1200" i="1" dirty="0"/>
+              <a:t>International Symposium on Practical Aspects of Declarative Languages</a:t>
+            </a:r>
+            <a:r>
+              <a:rPr lang="en-US" sz="1200" dirty="0"/>
+              <a:t>, pages175–189. Springer, 2011.</a:t>
+            </a:r>
+          </a:p>
+          <a:p>
+            <a:r>
+              <a:rPr lang="en-US" sz="1200" dirty="0"/>
+              <a:t>[12] Eric Lippert. Asynchrony in C # 5 Part Five: Too many tasks, November 2010.</a:t>
+            </a:r>
+          </a:p>
+          <a:p>
+            <a:r>
+              <a:rPr lang="en-US" sz="1200" dirty="0"/>
+              <a:t>[13] Jeffrey </a:t>
+            </a:r>
+            <a:r>
+              <a:rPr lang="en-US" sz="1200" dirty="0" err="1"/>
+              <a:t>Richter.CLR</a:t>
+            </a:r>
+            <a:r>
+              <a:rPr lang="en-US" sz="1200" dirty="0"/>
+              <a:t> via c#. Pearson Education, 2012.</a:t>
+            </a:r>
             <a:endParaRPr lang="en-US" dirty="0"/>
           </a:p>
         </p:txBody>
@@ -18392,7 +17243,7 @@
     </p:spTree>
     <p:extLst>
       <p:ext uri="{BB962C8B-B14F-4D97-AF65-F5344CB8AC3E}">
-        <p14:creationId xmlns:p14="http://schemas.microsoft.com/office/powerpoint/2010/main" val="2753965291"/>
+        <p14:creationId xmlns:p14="http://schemas.microsoft.com/office/powerpoint/2010/main" val="1550787063"/>
       </p:ext>
     </p:extLst>
   </p:cSld>
@@ -18424,7 +17275,7 @@
           <p:cNvPr id="2" name="Title 1">
             <a:extLst>
               <a:ext uri="{FF2B5EF4-FFF2-40B4-BE49-F238E27FC236}">
-                <a16:creationId xmlns:a16="http://schemas.microsoft.com/office/drawing/2014/main" id="{FCE14001-3339-374F-841D-53AA8BB759C8}"/>
+                <a16:creationId xmlns:a16="http://schemas.microsoft.com/office/drawing/2014/main" id="{098207C1-4DE7-544C-8B66-82C8287C5AF9}"/>
               </a:ext>
             </a:extLst>
           </p:cNvPr>
@@ -18442,189 +17293,15 @@
           <a:p>
             <a:r>
               <a:rPr lang="en-US" dirty="0"/>
-              <a:t>Testing &amp; Analysis</a:t>
-            </a:r>
-          </a:p>
-        </p:txBody>
-      </p:sp>
-      <p:sp>
-        <p:nvSpPr>
-          <p:cNvPr id="3" name="Content Placeholder 2">
-            <a:extLst>
-              <a:ext uri="{FF2B5EF4-FFF2-40B4-BE49-F238E27FC236}">
-                <a16:creationId xmlns:a16="http://schemas.microsoft.com/office/drawing/2014/main" id="{F5DD6560-E4A5-4F4F-88AF-07CA1D5BE4AE}"/>
-              </a:ext>
-            </a:extLst>
-          </p:cNvPr>
-          <p:cNvSpPr>
-            <a:spLocks noGrp="1"/>
-          </p:cNvSpPr>
-          <p:nvPr>
-            <p:ph idx="1"/>
-          </p:nvPr>
-        </p:nvSpPr>
-        <p:spPr/>
-        <p:txBody>
-          <a:bodyPr/>
-          <a:lstStyle/>
-          <a:p>
-            <a:r>
-              <a:rPr lang="en-US" dirty="0"/>
-              <a:t>Unix-based CLR</a:t>
-            </a:r>
-          </a:p>
-          <a:p>
-            <a:pPr lvl="1"/>
-            <a:r>
-              <a:rPr lang="en-US" dirty="0"/>
-              <a:t>Single Thread Pool</a:t>
-            </a:r>
-          </a:p>
-          <a:p>
-            <a:pPr lvl="2"/>
-            <a:r>
-              <a:rPr lang="en-US" dirty="0"/>
-              <a:t>Computations &amp; I/O</a:t>
-            </a:r>
-          </a:p>
-          <a:p>
-            <a:r>
-              <a:rPr lang="en-US" dirty="0"/>
-              <a:t>Windows-based CLR</a:t>
-            </a:r>
-          </a:p>
-          <a:p>
-            <a:pPr lvl="1"/>
-            <a:r>
-              <a:rPr lang="en-US" dirty="0"/>
-              <a:t>Dual Thread Pool</a:t>
-            </a:r>
-          </a:p>
-          <a:p>
-            <a:pPr lvl="2"/>
-            <a:r>
-              <a:rPr lang="en-US" dirty="0"/>
-              <a:t>Computation Thread Pool</a:t>
-            </a:r>
-          </a:p>
-          <a:p>
-            <a:pPr lvl="2"/>
-            <a:r>
-              <a:rPr lang="en-US" dirty="0"/>
-              <a:t>I/O Thread Pool</a:t>
-            </a:r>
-          </a:p>
-          <a:p>
-            <a:pPr lvl="3"/>
-            <a:r>
-              <a:rPr lang="en-US" dirty="0"/>
-              <a:t>Kernel-level</a:t>
-            </a:r>
-          </a:p>
-          <a:p>
-            <a:pPr lvl="1"/>
-            <a:endParaRPr lang="en-US" dirty="0"/>
+              <a:t>Questions?</a:t>
+            </a:r>
           </a:p>
         </p:txBody>
       </p:sp>
     </p:spTree>
     <p:extLst>
       <p:ext uri="{BB962C8B-B14F-4D97-AF65-F5344CB8AC3E}">
-        <p14:creationId xmlns:p14="http://schemas.microsoft.com/office/powerpoint/2010/main" val="3922351160"/>
-      </p:ext>
-    </p:extLst>
-  </p:cSld>
-  <p:clrMapOvr>
-    <a:masterClrMapping/>
-  </p:clrMapOvr>
-</p:sld>
-</file>
-
-<file path=ppt/slides/slide99.xml><?xml version="1.0" encoding="utf-8"?>
-<p:sld xmlns:a="http://schemas.openxmlformats.org/drawingml/2006/main" xmlns:r="http://schemas.openxmlformats.org/officeDocument/2006/relationships" xmlns:p="http://schemas.openxmlformats.org/presentationml/2006/main">
-  <p:cSld>
-    <p:spTree>
-      <p:nvGrpSpPr>
-        <p:cNvPr id="1" name=""/>
-        <p:cNvGrpSpPr/>
-        <p:nvPr/>
-      </p:nvGrpSpPr>
-      <p:grpSpPr>
-        <a:xfrm>
-          <a:off x="0" y="0"/>
-          <a:ext cx="0" cy="0"/>
-          <a:chOff x="0" y="0"/>
-          <a:chExt cx="0" cy="0"/>
-        </a:xfrm>
-      </p:grpSpPr>
-      <p:sp>
-        <p:nvSpPr>
-          <p:cNvPr id="2" name="Title 1">
-            <a:extLst>
-              <a:ext uri="{FF2B5EF4-FFF2-40B4-BE49-F238E27FC236}">
-                <a16:creationId xmlns:a16="http://schemas.microsoft.com/office/drawing/2014/main" id="{C17C92F5-8C9B-BA41-B1CE-8F642374D2B3}"/>
-              </a:ext>
-            </a:extLst>
-          </p:cNvPr>
-          <p:cNvSpPr>
-            <a:spLocks noGrp="1"/>
-          </p:cNvSpPr>
-          <p:nvPr>
-            <p:ph type="title"/>
-          </p:nvPr>
-        </p:nvSpPr>
-        <p:spPr/>
-        <p:txBody>
-          <a:bodyPr/>
-          <a:lstStyle/>
-          <a:p>
-            <a:r>
-              <a:rPr lang="en-US" dirty="0"/>
-              <a:t>Testing &amp; Analysis</a:t>
-            </a:r>
-          </a:p>
-        </p:txBody>
-      </p:sp>
-      <p:sp>
-        <p:nvSpPr>
-          <p:cNvPr id="3" name="Content Placeholder 2">
-            <a:extLst>
-              <a:ext uri="{FF2B5EF4-FFF2-40B4-BE49-F238E27FC236}">
-                <a16:creationId xmlns:a16="http://schemas.microsoft.com/office/drawing/2014/main" id="{2087D775-4AEC-364E-8C0D-4FF9D2382CD5}"/>
-              </a:ext>
-            </a:extLst>
-          </p:cNvPr>
-          <p:cNvSpPr>
-            <a:spLocks noGrp="1"/>
-          </p:cNvSpPr>
-          <p:nvPr>
-            <p:ph idx="1"/>
-          </p:nvPr>
-        </p:nvSpPr>
-        <p:spPr/>
-        <p:txBody>
-          <a:bodyPr/>
-          <a:lstStyle/>
-          <a:p>
-            <a:r>
-              <a:rPr lang="en-US" dirty="0" err="1"/>
-              <a:t>MCDTPi</a:t>
-            </a:r>
-            <a:endParaRPr lang="en-US" dirty="0"/>
-          </a:p>
-          <a:p>
-            <a:pPr lvl="1"/>
-            <a:r>
-              <a:rPr lang="en-US" dirty="0"/>
-              <a:t>Minimum of 5 nested asynchronous tasks per packet</a:t>
-            </a:r>
-          </a:p>
-        </p:txBody>
-      </p:sp>
-    </p:spTree>
-    <p:extLst>
-      <p:ext uri="{BB962C8B-B14F-4D97-AF65-F5344CB8AC3E}">
-        <p14:creationId xmlns:p14="http://schemas.microsoft.com/office/powerpoint/2010/main" val="1695497525"/>
+        <p14:creationId xmlns:p14="http://schemas.microsoft.com/office/powerpoint/2010/main" val="1678461155"/>
       </p:ext>
     </p:extLst>
   </p:cSld>
